--- a/Chatbots!.pptx
+++ b/Chatbots!.pptx
@@ -5,34 +5,36 @@
     <p:sldMasterId id="2147483648" r:id="rId1"/>
   </p:sldMasterIdLst>
   <p:notesMasterIdLst>
-    <p:notesMasterId r:id="rId27"/>
+    <p:notesMasterId r:id="rId29"/>
   </p:notesMasterIdLst>
   <p:sldIdLst>
     <p:sldId id="256" r:id="rId2"/>
     <p:sldId id="259" r:id="rId3"/>
     <p:sldId id="260" r:id="rId4"/>
     <p:sldId id="261" r:id="rId5"/>
-    <p:sldId id="262" r:id="rId6"/>
-    <p:sldId id="263" r:id="rId7"/>
-    <p:sldId id="272" r:id="rId8"/>
-    <p:sldId id="264" r:id="rId9"/>
-    <p:sldId id="265" r:id="rId10"/>
-    <p:sldId id="271" r:id="rId11"/>
-    <p:sldId id="270" r:id="rId12"/>
-    <p:sldId id="266" r:id="rId13"/>
-    <p:sldId id="267" r:id="rId14"/>
-    <p:sldId id="268" r:id="rId15"/>
-    <p:sldId id="273" r:id="rId16"/>
-    <p:sldId id="274" r:id="rId17"/>
-    <p:sldId id="276" r:id="rId18"/>
-    <p:sldId id="275" r:id="rId19"/>
-    <p:sldId id="277" r:id="rId20"/>
-    <p:sldId id="284" r:id="rId21"/>
-    <p:sldId id="279" r:id="rId22"/>
-    <p:sldId id="278" r:id="rId23"/>
-    <p:sldId id="282" r:id="rId24"/>
-    <p:sldId id="281" r:id="rId25"/>
-    <p:sldId id="283" r:id="rId26"/>
+    <p:sldId id="285" r:id="rId6"/>
+    <p:sldId id="262" r:id="rId7"/>
+    <p:sldId id="263" r:id="rId8"/>
+    <p:sldId id="272" r:id="rId9"/>
+    <p:sldId id="264" r:id="rId10"/>
+    <p:sldId id="265" r:id="rId11"/>
+    <p:sldId id="271" r:id="rId12"/>
+    <p:sldId id="270" r:id="rId13"/>
+    <p:sldId id="266" r:id="rId14"/>
+    <p:sldId id="267" r:id="rId15"/>
+    <p:sldId id="268" r:id="rId16"/>
+    <p:sldId id="273" r:id="rId17"/>
+    <p:sldId id="287" r:id="rId18"/>
+    <p:sldId id="276" r:id="rId19"/>
+    <p:sldId id="275" r:id="rId20"/>
+    <p:sldId id="286" r:id="rId21"/>
+    <p:sldId id="288" r:id="rId22"/>
+    <p:sldId id="277" r:id="rId23"/>
+    <p:sldId id="284" r:id="rId24"/>
+    <p:sldId id="278" r:id="rId25"/>
+    <p:sldId id="282" r:id="rId26"/>
+    <p:sldId id="281" r:id="rId27"/>
+    <p:sldId id="283" r:id="rId28"/>
   </p:sldIdLst>
   <p:sldSz cx="12192000" cy="6858000"/>
   <p:notesSz cx="6858000" cy="9144000"/>
@@ -131,7 +133,16 @@
       </a:defRPr>
     </a:lvl9pPr>
   </p:defaultTextStyle>
+  <p:extLst>
+    <p:ext uri="{EFAFB233-063F-42B5-8137-9DF3F51BA10A}">
+      <p15:sldGuideLst xmlns:p15="http://schemas.microsoft.com/office/powerpoint/2012/main"/>
+    </p:ext>
+  </p:extLst>
 </p:presentation>
+</file>
+
+<file path=ppt/revisionInfo.xml><?xml version="1.0" encoding="utf-8"?>
+<p1510:revInfo xmlns:a="http://schemas.openxmlformats.org/drawingml/2006/main" xmlns:r="http://schemas.openxmlformats.org/officeDocument/2006/relationships" xmlns:p1510="http://schemas.microsoft.com/office/powerpoint/2015/10/main"/>
 </file>
 
 <file path=ppt/notesMasters/notesMaster1.xml><?xml version="1.0" encoding="utf-8"?>
@@ -545,6 +556,16 @@
             <a:endParaRPr lang="en-AU" dirty="0"/>
           </a:p>
           <a:p>
+            <a:pPr marL="171450" indent="-171450">
+              <a:buFontTx/>
+              <a:buChar char="-"/>
+            </a:pPr>
+            <a:r>
+              <a:rPr lang="en-AU" dirty="0"/>
+              <a:t>First identified by Turing – origin of the Turing test</a:t>
+            </a:r>
+          </a:p>
+          <a:p>
             <a:endParaRPr lang="en-AU" dirty="0"/>
           </a:p>
         </p:txBody>
@@ -566,7 +587,7 @@
           <a:p>
             <a:fld id="{1D2B8478-9C36-4076-AFB2-BC803E1CDF2C}" type="slidenum">
               <a:rPr lang="en-AU" smtClean="0"/>
-              <a:t>5</a:t>
+              <a:t>6</a:t>
             </a:fld>
             <a:endParaRPr lang="en-AU"/>
           </a:p>
@@ -629,7 +650,19 @@
           <a:bodyPr/>
           <a:lstStyle/>
           <a:p>
+            <a:r>
+              <a:rPr lang="en-AU" dirty="0"/>
+              <a:t>Not all interactions are conversations!</a:t>
+            </a:r>
+          </a:p>
+          <a:p>
             <a:endParaRPr lang="en-AU" dirty="0"/>
+          </a:p>
+          <a:p>
+            <a:r>
+              <a:rPr lang="en-AU" dirty="0"/>
+              <a:t>NO:</a:t>
+            </a:r>
           </a:p>
         </p:txBody>
       </p:sp>
@@ -650,7 +683,7 @@
           <a:p>
             <a:fld id="{1D2B8478-9C36-4076-AFB2-BC803E1CDF2C}" type="slidenum">
               <a:rPr lang="en-AU" smtClean="0"/>
-              <a:t>18</a:t>
+              <a:t>23</a:t>
             </a:fld>
             <a:endParaRPr lang="en-AU"/>
           </a:p>
@@ -659,7 +692,7 @@
     </p:spTree>
     <p:extLst>
       <p:ext uri="{BB962C8B-B14F-4D97-AF65-F5344CB8AC3E}">
-        <p14:creationId xmlns:p14="http://schemas.microsoft.com/office/powerpoint/2010/main" val="549985446"/>
+        <p14:creationId xmlns:p14="http://schemas.microsoft.com/office/powerpoint/2010/main" val="3199502146"/>
       </p:ext>
     </p:extLst>
   </p:cSld>
@@ -715,7 +748,7 @@
           <a:p>
             <a:r>
               <a:rPr lang="en-AU" dirty="0"/>
-              <a:t>Pick a category, don’t try to be everything.</a:t>
+              <a:t>Current digital assistants are all female – perpetuating a social norm about</a:t>
             </a:r>
           </a:p>
         </p:txBody>
@@ -737,7 +770,7 @@
           <a:p>
             <a:fld id="{1D2B8478-9C36-4076-AFB2-BC803E1CDF2C}" type="slidenum">
               <a:rPr lang="en-AU" smtClean="0"/>
-              <a:t>21</a:t>
+              <a:t>24</a:t>
             </a:fld>
             <a:endParaRPr lang="en-AU"/>
           </a:p>
@@ -746,7 +779,7 @@
     </p:spTree>
     <p:extLst>
       <p:ext uri="{BB962C8B-B14F-4D97-AF65-F5344CB8AC3E}">
-        <p14:creationId xmlns:p14="http://schemas.microsoft.com/office/powerpoint/2010/main" val="2326537034"/>
+        <p14:creationId xmlns:p14="http://schemas.microsoft.com/office/powerpoint/2010/main" val="475886587"/>
       </p:ext>
     </p:extLst>
   </p:cSld>
@@ -802,7 +835,7 @@
           <a:p>
             <a:r>
               <a:rPr lang="en-AU" dirty="0"/>
-              <a:t>Current digital assistants are all female – perpetuating a social norm about</a:t>
+              <a:t>People will try to hook up with your bot.</a:t>
             </a:r>
           </a:p>
         </p:txBody>
@@ -824,7 +857,7 @@
           <a:p>
             <a:fld id="{1D2B8478-9C36-4076-AFB2-BC803E1CDF2C}" type="slidenum">
               <a:rPr lang="en-AU" smtClean="0"/>
-              <a:t>22</a:t>
+              <a:t>26</a:t>
             </a:fld>
             <a:endParaRPr lang="en-AU"/>
           </a:p>
@@ -833,7 +866,7 @@
     </p:spTree>
     <p:extLst>
       <p:ext uri="{BB962C8B-B14F-4D97-AF65-F5344CB8AC3E}">
-        <p14:creationId xmlns:p14="http://schemas.microsoft.com/office/powerpoint/2010/main" val="475886587"/>
+        <p14:creationId xmlns:p14="http://schemas.microsoft.com/office/powerpoint/2010/main" val="4106814891"/>
       </p:ext>
     </p:extLst>
   </p:cSld>
@@ -889,8 +922,125 @@
           <a:p>
             <a:r>
               <a:rPr lang="en-AU" dirty="0"/>
-              <a:t>People will try to hook up with your bot.</a:t>
-            </a:r>
+              <a:t>“Rails” are pre-set conversation paths - NLP is syntactical analysis of free text input</a:t>
+            </a:r>
+          </a:p>
+          <a:p>
+            <a:endParaRPr lang="en-AU" dirty="0"/>
+          </a:p>
+          <a:p>
+            <a:pPr marL="171450" indent="-171450" fontAlgn="base">
+              <a:buFont typeface="Arial" panose="020B0604020202020204" pitchFamily="34" charset="0"/>
+              <a:buChar char="•"/>
+            </a:pPr>
+            <a:r>
+              <a:rPr lang="en-AU" sz="1200" b="0" i="0" kern="1200" dirty="0">
+                <a:solidFill>
+                  <a:schemeClr val="tx1"/>
+                </a:solidFill>
+                <a:effectLst/>
+                <a:latin typeface="+mn-lt"/>
+                <a:ea typeface="+mn-ea"/>
+                <a:cs typeface="+mn-cs"/>
+              </a:rPr>
+              <a:t>Follow the same user flow as you would if you were actually speaking to a person.</a:t>
+            </a:r>
+          </a:p>
+          <a:p>
+            <a:pPr marL="171450" indent="-171450" fontAlgn="base">
+              <a:buFont typeface="Arial" panose="020B0604020202020204" pitchFamily="34" charset="0"/>
+              <a:buChar char="•"/>
+            </a:pPr>
+            <a:r>
+              <a:rPr lang="en-AU" sz="1200" b="0" i="0" kern="1200" dirty="0">
+                <a:solidFill>
+                  <a:schemeClr val="tx1"/>
+                </a:solidFill>
+                <a:effectLst/>
+                <a:latin typeface="+mn-lt"/>
+                <a:ea typeface="+mn-ea"/>
+                <a:cs typeface="+mn-cs"/>
+              </a:rPr>
+              <a:t>The bot shouldn’t sound too clever, using complicated grammar or language structures. Keep it simple and be concise.</a:t>
+            </a:r>
+          </a:p>
+          <a:p>
+            <a:pPr marL="171450" indent="-171450" fontAlgn="base">
+              <a:buFont typeface="Arial" panose="020B0604020202020204" pitchFamily="34" charset="0"/>
+              <a:buChar char="•"/>
+            </a:pPr>
+            <a:r>
+              <a:rPr lang="en-AU" sz="1200" b="0" i="0" kern="1200" dirty="0">
+                <a:solidFill>
+                  <a:schemeClr val="tx1"/>
+                </a:solidFill>
+                <a:effectLst/>
+                <a:latin typeface="+mn-lt"/>
+                <a:ea typeface="+mn-ea"/>
+                <a:cs typeface="+mn-cs"/>
+              </a:rPr>
+              <a:t>Don’t use gender-specific pronouns, because you never know who’s on the other side of the conversation.</a:t>
+            </a:r>
+          </a:p>
+          <a:p>
+            <a:pPr marL="171450" indent="-171450" fontAlgn="base">
+              <a:buFont typeface="Arial" panose="020B0604020202020204" pitchFamily="34" charset="0"/>
+              <a:buChar char="•"/>
+            </a:pPr>
+            <a:r>
+              <a:rPr lang="en-AU" sz="1200" b="0" i="0" kern="1200" dirty="0">
+                <a:solidFill>
+                  <a:schemeClr val="tx1"/>
+                </a:solidFill>
+                <a:effectLst/>
+                <a:latin typeface="+mn-lt"/>
+                <a:ea typeface="+mn-ea"/>
+                <a:cs typeface="+mn-cs"/>
+              </a:rPr>
+              <a:t>Prepare a set of slightly different canned replies to make the conversation more human-like.</a:t>
+            </a:r>
+          </a:p>
+          <a:p>
+            <a:pPr marL="171450" indent="-171450" fontAlgn="base">
+              <a:buFont typeface="Arial" panose="020B0604020202020204" pitchFamily="34" charset="0"/>
+              <a:buChar char="•"/>
+            </a:pPr>
+            <a:r>
+              <a:rPr lang="en-AU" sz="1200" b="0" i="0" kern="1200" dirty="0">
+                <a:solidFill>
+                  <a:schemeClr val="tx1"/>
+                </a:solidFill>
+                <a:effectLst/>
+                <a:latin typeface="+mn-lt"/>
+                <a:ea typeface="+mn-ea"/>
+                <a:cs typeface="+mn-cs"/>
+              </a:rPr>
+              <a:t>Add help messages and suggestions for when the user feels lost.</a:t>
+            </a:r>
+          </a:p>
+          <a:p>
+            <a:pPr marL="171450" indent="-171450" fontAlgn="base">
+              <a:buFont typeface="Arial" panose="020B0604020202020204" pitchFamily="34" charset="0"/>
+              <a:buChar char="•"/>
+            </a:pPr>
+            <a:r>
+              <a:rPr lang="en-AU" sz="1200" b="0" i="0" kern="1200" dirty="0">
+                <a:solidFill>
+                  <a:schemeClr val="tx1"/>
+                </a:solidFill>
+                <a:effectLst/>
+                <a:latin typeface="+mn-lt"/>
+                <a:ea typeface="+mn-ea"/>
+                <a:cs typeface="+mn-cs"/>
+              </a:rPr>
+              <a:t>Write witty replies for unsupported topics, so that the bot doesn’t look dumb.</a:t>
+            </a:r>
+          </a:p>
+          <a:p>
+            <a:br>
+              <a:rPr lang="en-AU" dirty="0"/>
+            </a:br>
+            <a:endParaRPr lang="en-AU" dirty="0"/>
           </a:p>
         </p:txBody>
       </p:sp>
@@ -911,114 +1061,7 @@
           <a:p>
             <a:fld id="{1D2B8478-9C36-4076-AFB2-BC803E1CDF2C}" type="slidenum">
               <a:rPr lang="en-AU" smtClean="0"/>
-              <a:t>24</a:t>
-            </a:fld>
-            <a:endParaRPr lang="en-AU"/>
-          </a:p>
-        </p:txBody>
-      </p:sp>
-    </p:spTree>
-    <p:extLst>
-      <p:ext uri="{BB962C8B-B14F-4D97-AF65-F5344CB8AC3E}">
-        <p14:creationId xmlns:p14="http://schemas.microsoft.com/office/powerpoint/2010/main" val="4106814891"/>
-      </p:ext>
-    </p:extLst>
-  </p:cSld>
-  <p:clrMapOvr>
-    <a:masterClrMapping/>
-  </p:clrMapOvr>
-</p:notes>
-</file>
-
-<file path=ppt/notesSlides/notesSlide14.xml><?xml version="1.0" encoding="utf-8"?>
-<p:notes xmlns:a="http://schemas.openxmlformats.org/drawingml/2006/main" xmlns:r="http://schemas.openxmlformats.org/officeDocument/2006/relationships" xmlns:p="http://schemas.openxmlformats.org/presentationml/2006/main">
-  <p:cSld>
-    <p:spTree>
-      <p:nvGrpSpPr>
-        <p:cNvPr id="1" name=""/>
-        <p:cNvGrpSpPr/>
-        <p:nvPr/>
-      </p:nvGrpSpPr>
-      <p:grpSpPr>
-        <a:xfrm>
-          <a:off x="0" y="0"/>
-          <a:ext cx="0" cy="0"/>
-          <a:chOff x="0" y="0"/>
-          <a:chExt cx="0" cy="0"/>
-        </a:xfrm>
-      </p:grpSpPr>
-      <p:sp>
-        <p:nvSpPr>
-          <p:cNvPr id="2" name="Slide Image Placeholder 1"/>
-          <p:cNvSpPr>
-            <a:spLocks noGrp="1" noRot="1" noChangeAspect="1"/>
-          </p:cNvSpPr>
-          <p:nvPr>
-            <p:ph type="sldImg"/>
-          </p:nvPr>
-        </p:nvSpPr>
-        <p:spPr/>
-      </p:sp>
-      <p:sp>
-        <p:nvSpPr>
-          <p:cNvPr id="3" name="Notes Placeholder 2"/>
-          <p:cNvSpPr>
-            <a:spLocks noGrp="1"/>
-          </p:cNvSpPr>
-          <p:nvPr>
-            <p:ph type="body" idx="1"/>
-          </p:nvPr>
-        </p:nvSpPr>
-        <p:spPr/>
-        <p:txBody>
-          <a:bodyPr/>
-          <a:lstStyle/>
-          <a:p>
-            <a:r>
-              <a:rPr lang="en-AU" dirty="0"/>
-              <a:t>“Rails” are </a:t>
-            </a:r>
-            <a:r>
-              <a:rPr lang="en-AU" dirty="0" err="1"/>
-              <a:t>preset</a:t>
-            </a:r>
-            <a:r>
-              <a:rPr lang="en-AU" dirty="0"/>
-              <a:t> conversation paths</a:t>
-            </a:r>
-          </a:p>
-          <a:p>
-            <a:endParaRPr lang="en-AU" dirty="0"/>
-          </a:p>
-          <a:p>
-            <a:r>
-              <a:rPr lang="en-AU" dirty="0"/>
-              <a:t>NLP is syntactical analysis of free text input</a:t>
-            </a:r>
-          </a:p>
-          <a:p>
-            <a:endParaRPr lang="en-AU" dirty="0"/>
-          </a:p>
-        </p:txBody>
-      </p:sp>
-      <p:sp>
-        <p:nvSpPr>
-          <p:cNvPr id="4" name="Slide Number Placeholder 3"/>
-          <p:cNvSpPr>
-            <a:spLocks noGrp="1"/>
-          </p:cNvSpPr>
-          <p:nvPr>
-            <p:ph type="sldNum" sz="quarter" idx="10"/>
-          </p:nvPr>
-        </p:nvSpPr>
-        <p:spPr/>
-        <p:txBody>
-          <a:bodyPr/>
-          <a:lstStyle/>
-          <a:p>
-            <a:fld id="{1D2B8478-9C36-4076-AFB2-BC803E1CDF2C}" type="slidenum">
-              <a:rPr lang="en-AU" smtClean="0"/>
-              <a:t>25</a:t>
+              <a:t>27</a:t>
             </a:fld>
             <a:endParaRPr lang="en-AU"/>
           </a:p>
@@ -1082,6 +1125,24 @@
           <a:lstStyle/>
           <a:p>
             <a:r>
+              <a:rPr lang="en-AU" sz="1200" b="0" i="0" kern="1200" dirty="0">
+                <a:solidFill>
+                  <a:schemeClr val="tx1"/>
+                </a:solidFill>
+                <a:effectLst/>
+                <a:latin typeface="+mn-lt"/>
+                <a:ea typeface="+mn-ea"/>
+                <a:cs typeface="+mn-cs"/>
+              </a:rPr>
+              <a:t>ELIZA: mock Rogerian psychotherapist</a:t>
+            </a:r>
+            <a:endParaRPr lang="en-AU" dirty="0"/>
+          </a:p>
+          <a:p>
+            <a:endParaRPr lang="en-AU" dirty="0"/>
+          </a:p>
+          <a:p>
+            <a:r>
               <a:rPr lang="en-AU" dirty="0" err="1"/>
               <a:t>Intetion</a:t>
             </a:r>
@@ -1146,7 +1207,7 @@
           <a:p>
             <a:fld id="{1D2B8478-9C36-4076-AFB2-BC803E1CDF2C}" type="slidenum">
               <a:rPr lang="en-AU" smtClean="0"/>
-              <a:t>6</a:t>
+              <a:t>7</a:t>
             </a:fld>
             <a:endParaRPr lang="en-AU"/>
           </a:p>
@@ -1230,7 +1291,7 @@
           <a:p>
             <a:fld id="{1D2B8478-9C36-4076-AFB2-BC803E1CDF2C}" type="slidenum">
               <a:rPr lang="en-AU" smtClean="0"/>
-              <a:t>9</a:t>
+              <a:t>10</a:t>
             </a:fld>
             <a:endParaRPr lang="en-AU"/>
           </a:p>
@@ -1314,7 +1375,7 @@
           <a:p>
             <a:fld id="{1D2B8478-9C36-4076-AFB2-BC803E1CDF2C}" type="slidenum">
               <a:rPr lang="en-AU" smtClean="0"/>
-              <a:t>10</a:t>
+              <a:t>11</a:t>
             </a:fld>
             <a:endParaRPr lang="en-AU"/>
           </a:p>
@@ -1469,7 +1530,7 @@
           <a:p>
             <a:fld id="{1D2B8478-9C36-4076-AFB2-BC803E1CDF2C}" type="slidenum">
               <a:rPr lang="en-AU" smtClean="0"/>
-              <a:t>12</a:t>
+              <a:t>13</a:t>
             </a:fld>
             <a:endParaRPr lang="en-AU"/>
           </a:p>
@@ -1665,7 +1726,7 @@
           <a:p>
             <a:fld id="{1D2B8478-9C36-4076-AFB2-BC803E1CDF2C}" type="slidenum">
               <a:rPr lang="en-AU" smtClean="0"/>
-              <a:t>13</a:t>
+              <a:t>14</a:t>
             </a:fld>
             <a:endParaRPr lang="en-AU"/>
           </a:p>
@@ -1775,7 +1836,7 @@
           <a:p>
             <a:fld id="{1D2B8478-9C36-4076-AFB2-BC803E1CDF2C}" type="slidenum">
               <a:rPr lang="en-AU" smtClean="0"/>
-              <a:t>14</a:t>
+              <a:t>15</a:t>
             </a:fld>
             <a:endParaRPr lang="en-AU"/>
           </a:p>
@@ -1838,42 +1899,9 @@
           <a:bodyPr/>
           <a:lstStyle/>
           <a:p>
-            <a:pPr marL="228600" indent="-228600">
-              <a:buAutoNum type="arabicPeriod"/>
-            </a:pPr>
             <a:r>
               <a:rPr lang="en-AU" dirty="0"/>
-              <a:t>Chatbots are deployed where the users are already – chat apps</a:t>
-            </a:r>
-          </a:p>
-          <a:p>
-            <a:pPr marL="228600" indent="-228600">
-              <a:buAutoNum type="arabicPeriod"/>
-            </a:pPr>
-            <a:endParaRPr lang="en-AU" dirty="0"/>
-          </a:p>
-          <a:p>
-            <a:pPr marL="228600" indent="-228600">
-              <a:buAutoNum type="arabicPeriod"/>
-            </a:pPr>
-            <a:r>
-              <a:rPr lang="en-AU" dirty="0"/>
-              <a:t>There’s no download, sign-in or sign-up process to use a bot</a:t>
-            </a:r>
-          </a:p>
-          <a:p>
-            <a:pPr marL="228600" indent="-228600">
-              <a:buAutoNum type="arabicPeriod"/>
-            </a:pPr>
-            <a:endParaRPr lang="en-AU" dirty="0"/>
-          </a:p>
-          <a:p>
-            <a:pPr marL="228600" indent="-228600">
-              <a:buAutoNum type="arabicPeriod"/>
-            </a:pPr>
-            <a:r>
-              <a:rPr lang="en-AU" dirty="0"/>
-              <a:t>First time users can get value and solve their problems immediately</a:t>
+              <a:t>Can iterate and innovate fast. Much faster than traditional app development.</a:t>
             </a:r>
           </a:p>
         </p:txBody>
@@ -1895,7 +1923,7 @@
           <a:p>
             <a:fld id="{1D2B8478-9C36-4076-AFB2-BC803E1CDF2C}" type="slidenum">
               <a:rPr lang="en-AU" smtClean="0"/>
-              <a:t>16</a:t>
+              <a:t>18</a:t>
             </a:fld>
             <a:endParaRPr lang="en-AU"/>
           </a:p>
@@ -1904,7 +1932,7 @@
     </p:spTree>
     <p:extLst>
       <p:ext uri="{BB962C8B-B14F-4D97-AF65-F5344CB8AC3E}">
-        <p14:creationId xmlns:p14="http://schemas.microsoft.com/office/powerpoint/2010/main" val="1498068048"/>
+        <p14:creationId xmlns:p14="http://schemas.microsoft.com/office/powerpoint/2010/main" val="1921057717"/>
       </p:ext>
     </p:extLst>
   </p:cSld>
@@ -1979,7 +2007,7 @@
           <a:p>
             <a:fld id="{1D2B8478-9C36-4076-AFB2-BC803E1CDF2C}" type="slidenum">
               <a:rPr lang="en-AU" smtClean="0"/>
-              <a:t>17</a:t>
+              <a:t>19</a:t>
             </a:fld>
             <a:endParaRPr lang="en-AU"/>
           </a:p>
@@ -1988,7 +2016,7 @@
     </p:spTree>
     <p:extLst>
       <p:ext uri="{BB962C8B-B14F-4D97-AF65-F5344CB8AC3E}">
-        <p14:creationId xmlns:p14="http://schemas.microsoft.com/office/powerpoint/2010/main" val="1921057717"/>
+        <p14:creationId xmlns:p14="http://schemas.microsoft.com/office/powerpoint/2010/main" val="549985446"/>
       </p:ext>
     </p:extLst>
   </p:cSld>
@@ -5685,56 +5713,40 @@
           <a:chExt cx="0" cy="0"/>
         </a:xfrm>
       </p:grpSpPr>
-      <p:sp>
-        <p:nvSpPr>
-          <p:cNvPr id="3" name="Content Placeholder 2">
-            <a:extLst>
-              <a:ext uri="{FF2B5EF4-FFF2-40B4-BE49-F238E27FC236}">
-                <a16:creationId xmlns:a16="http://schemas.microsoft.com/office/drawing/2014/main" id="{98D023C3-1634-44CD-B423-9E8CABA4EC71}"/>
-              </a:ext>
-            </a:extLst>
-          </p:cNvPr>
-          <p:cNvSpPr>
-            <a:spLocks noGrp="1"/>
-          </p:cNvSpPr>
-          <p:nvPr>
-            <p:ph idx="1"/>
-          </p:nvPr>
-        </p:nvSpPr>
+      <p:pic>
+        <p:nvPicPr>
+          <p:cNvPr id="6" name="Picture 5">
+            <a:extLst>
+              <a:ext uri="{FF2B5EF4-FFF2-40B4-BE49-F238E27FC236}">
+                <a16:creationId xmlns:a16="http://schemas.microsoft.com/office/drawing/2014/main" id="{C60CC1B5-74AB-4178-96A7-820F60D45824}"/>
+              </a:ext>
+            </a:extLst>
+          </p:cNvPr>
+          <p:cNvPicPr>
+            <a:picLocks noChangeAspect="1"/>
+          </p:cNvPicPr>
+          <p:nvPr/>
+        </p:nvPicPr>
+        <p:blipFill>
+          <a:blip r:embed="rId3"/>
+          <a:stretch>
+            <a:fillRect/>
+          </a:stretch>
+        </p:blipFill>
         <p:spPr>
           <a:xfrm>
-            <a:off x="838200" y="487680"/>
-            <a:ext cx="10515600" cy="5689283"/>
+            <a:off x="585787" y="1528762"/>
+            <a:ext cx="11020425" cy="3800475"/>
           </a:xfrm>
+          <a:prstGeom prst="rect">
+            <a:avLst/>
+          </a:prstGeom>
         </p:spPr>
-        <p:txBody>
-          <a:bodyPr anchor="ctr"/>
-          <a:lstStyle/>
-          <a:p>
-            <a:pPr marL="0" indent="0" algn="ctr">
-              <a:buNone/>
-            </a:pPr>
-            <a:r>
-              <a:rPr lang="en-AU" i="1" dirty="0"/>
-              <a:t>“Chatbots will fundamentally revolutionize how computing is experienced by everybody.” </a:t>
-            </a:r>
-          </a:p>
-          <a:p>
-            <a:pPr marL="0" indent="0" algn="ctr">
-              <a:buNone/>
-            </a:pPr>
-            <a:r>
-              <a:rPr lang="en-AU" i="1" dirty="0"/>
-              <a:t>				— Satya Nadella, Microsoft CEO</a:t>
-            </a:r>
-            <a:endParaRPr lang="en-AU" dirty="0"/>
-          </a:p>
-        </p:txBody>
-      </p:sp>
+      </p:pic>
     </p:spTree>
     <p:extLst>
       <p:ext uri="{BB962C8B-B14F-4D97-AF65-F5344CB8AC3E}">
-        <p14:creationId xmlns:p14="http://schemas.microsoft.com/office/powerpoint/2010/main" val="1234573341"/>
+        <p14:creationId xmlns:p14="http://schemas.microsoft.com/office/powerpoint/2010/main" val="882670753"/>
       </p:ext>
     </p:extLst>
   </p:cSld>
@@ -5763,6 +5775,82 @@
       </p:grpSpPr>
       <p:sp>
         <p:nvSpPr>
+          <p:cNvPr id="3" name="Content Placeholder 2">
+            <a:extLst>
+              <a:ext uri="{FF2B5EF4-FFF2-40B4-BE49-F238E27FC236}">
+                <a16:creationId xmlns:a16="http://schemas.microsoft.com/office/drawing/2014/main" id="{98D023C3-1634-44CD-B423-9E8CABA4EC71}"/>
+              </a:ext>
+            </a:extLst>
+          </p:cNvPr>
+          <p:cNvSpPr>
+            <a:spLocks noGrp="1"/>
+          </p:cNvSpPr>
+          <p:nvPr>
+            <p:ph idx="1"/>
+          </p:nvPr>
+        </p:nvSpPr>
+        <p:spPr>
+          <a:xfrm>
+            <a:off x="838200" y="487680"/>
+            <a:ext cx="10515600" cy="5689283"/>
+          </a:xfrm>
+        </p:spPr>
+        <p:txBody>
+          <a:bodyPr anchor="ctr"/>
+          <a:lstStyle/>
+          <a:p>
+            <a:pPr marL="0" indent="0" algn="ctr">
+              <a:buNone/>
+            </a:pPr>
+            <a:r>
+              <a:rPr lang="en-AU" i="1" dirty="0"/>
+              <a:t>“Chatbots will fundamentally revolutionize how computing is experienced by everybody.” </a:t>
+            </a:r>
+          </a:p>
+          <a:p>
+            <a:pPr marL="0" indent="0" algn="ctr">
+              <a:buNone/>
+            </a:pPr>
+            <a:r>
+              <a:rPr lang="en-AU" i="1" dirty="0"/>
+              <a:t>				— Satya Nadella, Microsoft CEO</a:t>
+            </a:r>
+            <a:endParaRPr lang="en-AU" dirty="0"/>
+          </a:p>
+        </p:txBody>
+      </p:sp>
+    </p:spTree>
+    <p:extLst>
+      <p:ext uri="{BB962C8B-B14F-4D97-AF65-F5344CB8AC3E}">
+        <p14:creationId xmlns:p14="http://schemas.microsoft.com/office/powerpoint/2010/main" val="1234573341"/>
+      </p:ext>
+    </p:extLst>
+  </p:cSld>
+  <p:clrMapOvr>
+    <a:masterClrMapping/>
+  </p:clrMapOvr>
+</p:sld>
+</file>
+
+<file path=ppt/slides/slide12.xml><?xml version="1.0" encoding="utf-8"?>
+<p:sld xmlns:a="http://schemas.openxmlformats.org/drawingml/2006/main" xmlns:r="http://schemas.openxmlformats.org/officeDocument/2006/relationships" xmlns:p="http://schemas.openxmlformats.org/presentationml/2006/main">
+  <p:cSld>
+    <p:spTree>
+      <p:nvGrpSpPr>
+        <p:cNvPr id="1" name=""/>
+        <p:cNvGrpSpPr/>
+        <p:nvPr/>
+      </p:nvGrpSpPr>
+      <p:grpSpPr>
+        <a:xfrm>
+          <a:off x="0" y="0"/>
+          <a:ext cx="0" cy="0"/>
+          <a:chOff x="0" y="0"/>
+          <a:chExt cx="0" cy="0"/>
+        </a:xfrm>
+      </p:grpSpPr>
+      <p:sp>
+        <p:nvSpPr>
           <p:cNvPr id="2" name="Title 1">
             <a:extLst>
               <a:ext uri="{FF2B5EF4-FFF2-40B4-BE49-F238E27FC236}">
@@ -5868,7 +5956,7 @@
 </p:sld>
 </file>
 
-<file path=ppt/slides/slide12.xml><?xml version="1.0" encoding="utf-8"?>
+<file path=ppt/slides/slide13.xml><?xml version="1.0" encoding="utf-8"?>
 <p:sld xmlns:a="http://schemas.openxmlformats.org/drawingml/2006/main" xmlns:r="http://schemas.openxmlformats.org/officeDocument/2006/relationships" xmlns:p="http://schemas.openxmlformats.org/presentationml/2006/main">
   <p:cSld>
     <p:spTree>
@@ -5945,7 +6033,7 @@
 </p:sld>
 </file>
 
-<file path=ppt/slides/slide13.xml><?xml version="1.0" encoding="utf-8"?>
+<file path=ppt/slides/slide14.xml><?xml version="1.0" encoding="utf-8"?>
 <p:sld xmlns:a="http://schemas.openxmlformats.org/drawingml/2006/main" xmlns:r="http://schemas.openxmlformats.org/officeDocument/2006/relationships" xmlns:p="http://schemas.openxmlformats.org/presentationml/2006/main">
   <p:cSld>
     <p:spTree>
@@ -6022,7 +6110,7 @@
 </p:sld>
 </file>
 
-<file path=ppt/slides/slide14.xml><?xml version="1.0" encoding="utf-8"?>
+<file path=ppt/slides/slide15.xml><?xml version="1.0" encoding="utf-8"?>
 <p:sld xmlns:a="http://schemas.openxmlformats.org/drawingml/2006/main" xmlns:r="http://schemas.openxmlformats.org/officeDocument/2006/relationships" xmlns:p="http://schemas.openxmlformats.org/presentationml/2006/main">
   <p:cSld>
     <p:spTree>
@@ -6197,89 +6285,6 @@
 </p:sld>
 </file>
 
-<file path=ppt/slides/slide15.xml><?xml version="1.0" encoding="utf-8"?>
-<p:sld xmlns:a="http://schemas.openxmlformats.org/drawingml/2006/main" xmlns:r="http://schemas.openxmlformats.org/officeDocument/2006/relationships" xmlns:p="http://schemas.openxmlformats.org/presentationml/2006/main">
-  <p:cSld>
-    <p:spTree>
-      <p:nvGrpSpPr>
-        <p:cNvPr id="1" name=""/>
-        <p:cNvGrpSpPr/>
-        <p:nvPr/>
-      </p:nvGrpSpPr>
-      <p:grpSpPr>
-        <a:xfrm>
-          <a:off x="0" y="0"/>
-          <a:ext cx="0" cy="0"/>
-          <a:chOff x="0" y="0"/>
-          <a:chExt cx="0" cy="0"/>
-        </a:xfrm>
-      </p:grpSpPr>
-      <p:sp>
-        <p:nvSpPr>
-          <p:cNvPr id="5" name="Title 4">
-            <a:extLst>
-              <a:ext uri="{FF2B5EF4-FFF2-40B4-BE49-F238E27FC236}">
-                <a16:creationId xmlns:a16="http://schemas.microsoft.com/office/drawing/2014/main" id="{CED5D5AC-CD20-4057-A569-92AAE7E8013A}"/>
-              </a:ext>
-            </a:extLst>
-          </p:cNvPr>
-          <p:cNvSpPr>
-            <a:spLocks noGrp="1"/>
-          </p:cNvSpPr>
-          <p:nvPr>
-            <p:ph type="title"/>
-          </p:nvPr>
-        </p:nvSpPr>
-        <p:spPr/>
-        <p:txBody>
-          <a:bodyPr/>
-          <a:lstStyle/>
-          <a:p>
-            <a:r>
-              <a:rPr lang="en-AU" dirty="0"/>
-              <a:t>Advantages of using Bots</a:t>
-            </a:r>
-          </a:p>
-        </p:txBody>
-      </p:sp>
-      <p:sp>
-        <p:nvSpPr>
-          <p:cNvPr id="6" name="Text Placeholder 5">
-            <a:extLst>
-              <a:ext uri="{FF2B5EF4-FFF2-40B4-BE49-F238E27FC236}">
-                <a16:creationId xmlns:a16="http://schemas.microsoft.com/office/drawing/2014/main" id="{767362A1-F889-4FF9-96D3-29CC9B204536}"/>
-              </a:ext>
-            </a:extLst>
-          </p:cNvPr>
-          <p:cNvSpPr>
-            <a:spLocks noGrp="1"/>
-          </p:cNvSpPr>
-          <p:nvPr>
-            <p:ph type="body" idx="1"/>
-          </p:nvPr>
-        </p:nvSpPr>
-        <p:spPr/>
-        <p:txBody>
-          <a:bodyPr/>
-          <a:lstStyle/>
-          <a:p>
-            <a:endParaRPr lang="en-AU"/>
-          </a:p>
-        </p:txBody>
-      </p:sp>
-    </p:spTree>
-    <p:extLst>
-      <p:ext uri="{BB962C8B-B14F-4D97-AF65-F5344CB8AC3E}">
-        <p14:creationId xmlns:p14="http://schemas.microsoft.com/office/powerpoint/2010/main" val="2575848382"/>
-      </p:ext>
-    </p:extLst>
-  </p:cSld>
-  <p:clrMapOvr>
-    <a:masterClrMapping/>
-  </p:clrMapOvr>
-</p:sld>
-</file>
-
 <file path=ppt/slides/slide16.xml><?xml version="1.0" encoding="utf-8"?>
 <p:sld xmlns:a="http://schemas.openxmlformats.org/drawingml/2006/main" xmlns:r="http://schemas.openxmlformats.org/officeDocument/2006/relationships" xmlns:p="http://schemas.openxmlformats.org/presentationml/2006/main">
   <p:cSld>
@@ -6299,10 +6304,10 @@
       </p:grpSpPr>
       <p:sp>
         <p:nvSpPr>
-          <p:cNvPr id="4" name="Title 3">
-            <a:extLst>
-              <a:ext uri="{FF2B5EF4-FFF2-40B4-BE49-F238E27FC236}">
-                <a16:creationId xmlns:a16="http://schemas.microsoft.com/office/drawing/2014/main" id="{586A51CF-B322-4F22-871C-242431B7D673}"/>
+          <p:cNvPr id="5" name="Title 4">
+            <a:extLst>
+              <a:ext uri="{FF2B5EF4-FFF2-40B4-BE49-F238E27FC236}">
+                <a16:creationId xmlns:a16="http://schemas.microsoft.com/office/drawing/2014/main" id="{CED5D5AC-CD20-4057-A569-92AAE7E8013A}"/>
               </a:ext>
             </a:extLst>
           </p:cNvPr>
@@ -6320,61 +6325,40 @@
           <a:p>
             <a:r>
               <a:rPr lang="en-AU" dirty="0"/>
-              <a:t>Quick and Easy</a:t>
-            </a:r>
-          </a:p>
-        </p:txBody>
-      </p:sp>
-      <p:sp>
-        <p:nvSpPr>
-          <p:cNvPr id="5" name="Content Placeholder 4">
-            <a:extLst>
-              <a:ext uri="{FF2B5EF4-FFF2-40B4-BE49-F238E27FC236}">
-                <a16:creationId xmlns:a16="http://schemas.microsoft.com/office/drawing/2014/main" id="{44229BA4-F0D2-44D2-B453-2EE1FE949F74}"/>
-              </a:ext>
-            </a:extLst>
-          </p:cNvPr>
-          <p:cNvSpPr>
-            <a:spLocks noGrp="1"/>
-          </p:cNvSpPr>
-          <p:nvPr>
-            <p:ph idx="1"/>
-          </p:nvPr>
-        </p:nvSpPr>
-        <p:spPr/>
-        <p:txBody>
-          <a:bodyPr/>
-          <a:lstStyle/>
-          <a:p>
-            <a:r>
-              <a:rPr lang="en-AU" dirty="0"/>
-              <a:t>Nothing to install</a:t>
-            </a:r>
-          </a:p>
-          <a:p>
-            <a:endParaRPr lang="en-AU" dirty="0"/>
-          </a:p>
-          <a:p>
-            <a:r>
-              <a:rPr lang="en-AU" dirty="0"/>
-              <a:t>No friction to use</a:t>
-            </a:r>
-          </a:p>
-          <a:p>
-            <a:endParaRPr lang="en-AU" dirty="0"/>
-          </a:p>
-          <a:p>
-            <a:r>
-              <a:rPr lang="en-AU" dirty="0"/>
-              <a:t>Standard UI</a:t>
-            </a:r>
+              <a:t>Opportunities</a:t>
+            </a:r>
+          </a:p>
+        </p:txBody>
+      </p:sp>
+      <p:sp>
+        <p:nvSpPr>
+          <p:cNvPr id="6" name="Text Placeholder 5">
+            <a:extLst>
+              <a:ext uri="{FF2B5EF4-FFF2-40B4-BE49-F238E27FC236}">
+                <a16:creationId xmlns:a16="http://schemas.microsoft.com/office/drawing/2014/main" id="{767362A1-F889-4FF9-96D3-29CC9B204536}"/>
+              </a:ext>
+            </a:extLst>
+          </p:cNvPr>
+          <p:cNvSpPr>
+            <a:spLocks noGrp="1"/>
+          </p:cNvSpPr>
+          <p:nvPr>
+            <p:ph type="body" idx="1"/>
+          </p:nvPr>
+        </p:nvSpPr>
+        <p:spPr/>
+        <p:txBody>
+          <a:bodyPr/>
+          <a:lstStyle/>
+          <a:p>
+            <a:endParaRPr lang="en-AU"/>
           </a:p>
         </p:txBody>
       </p:sp>
     </p:spTree>
     <p:extLst>
       <p:ext uri="{BB962C8B-B14F-4D97-AF65-F5344CB8AC3E}">
-        <p14:creationId xmlns:p14="http://schemas.microsoft.com/office/powerpoint/2010/main" val="948378565"/>
+        <p14:creationId xmlns:p14="http://schemas.microsoft.com/office/powerpoint/2010/main" val="2575848382"/>
       </p:ext>
     </p:extLst>
   </p:cSld>
@@ -6406,6 +6390,136 @@
           <p:cNvPr id="2" name="Title 1">
             <a:extLst>
               <a:ext uri="{FF2B5EF4-FFF2-40B4-BE49-F238E27FC236}">
+                <a16:creationId xmlns:a16="http://schemas.microsoft.com/office/drawing/2014/main" id="{DFC36366-6FD7-42C5-9E07-111CABC1E1E9}"/>
+              </a:ext>
+            </a:extLst>
+          </p:cNvPr>
+          <p:cNvSpPr>
+            <a:spLocks noGrp="1"/>
+          </p:cNvSpPr>
+          <p:nvPr>
+            <p:ph type="title"/>
+          </p:nvPr>
+        </p:nvSpPr>
+        <p:spPr/>
+        <p:txBody>
+          <a:bodyPr/>
+          <a:lstStyle/>
+          <a:p>
+            <a:r>
+              <a:rPr lang="en-AU" dirty="0"/>
+              <a:t>Companies</a:t>
+            </a:r>
+          </a:p>
+        </p:txBody>
+      </p:sp>
+      <p:sp>
+        <p:nvSpPr>
+          <p:cNvPr id="3" name="Content Placeholder 2">
+            <a:extLst>
+              <a:ext uri="{FF2B5EF4-FFF2-40B4-BE49-F238E27FC236}">
+                <a16:creationId xmlns:a16="http://schemas.microsoft.com/office/drawing/2014/main" id="{DEBB4F40-EDA4-4C25-9A99-2B39ECDAB4A3}"/>
+              </a:ext>
+            </a:extLst>
+          </p:cNvPr>
+          <p:cNvSpPr>
+            <a:spLocks noGrp="1"/>
+          </p:cNvSpPr>
+          <p:nvPr>
+            <p:ph idx="1"/>
+          </p:nvPr>
+        </p:nvSpPr>
+        <p:spPr/>
+        <p:txBody>
+          <a:bodyPr/>
+          <a:lstStyle/>
+          <a:p>
+            <a:r>
+              <a:rPr lang="en-AU" dirty="0"/>
+              <a:t>Interact with brands </a:t>
+            </a:r>
+            <a:r>
+              <a:rPr lang="en-AU" u="sng" dirty="0"/>
+              <a:t>inside </a:t>
+            </a:r>
+            <a:r>
+              <a:rPr lang="en-AU" dirty="0"/>
+              <a:t>messaging apps</a:t>
+            </a:r>
+          </a:p>
+          <a:p>
+            <a:endParaRPr lang="en-AU" dirty="0"/>
+          </a:p>
+          <a:p>
+            <a:r>
+              <a:rPr lang="en-AU" dirty="0"/>
+              <a:t>Manage simple customer service requests</a:t>
+            </a:r>
+          </a:p>
+          <a:p>
+            <a:pPr lvl="1"/>
+            <a:r>
+              <a:rPr lang="en-AU" dirty="0"/>
+              <a:t>E.g. FAQ Generator</a:t>
+            </a:r>
+          </a:p>
+          <a:p>
+            <a:pPr lvl="1"/>
+            <a:endParaRPr lang="en-AU" dirty="0"/>
+          </a:p>
+          <a:p>
+            <a:r>
+              <a:rPr lang="en-AU" dirty="0"/>
+              <a:t>Automate tedious/repetitive tasks</a:t>
+            </a:r>
+          </a:p>
+          <a:p>
+            <a:pPr lvl="1"/>
+            <a:endParaRPr lang="en-AU" dirty="0"/>
+          </a:p>
+          <a:p>
+            <a:r>
+              <a:rPr lang="en-AU" dirty="0"/>
+              <a:t>Surface data from internal systems for employees</a:t>
+            </a:r>
+          </a:p>
+        </p:txBody>
+      </p:sp>
+    </p:spTree>
+    <p:extLst>
+      <p:ext uri="{BB962C8B-B14F-4D97-AF65-F5344CB8AC3E}">
+        <p14:creationId xmlns:p14="http://schemas.microsoft.com/office/powerpoint/2010/main" val="1572674236"/>
+      </p:ext>
+    </p:extLst>
+  </p:cSld>
+  <p:clrMapOvr>
+    <a:masterClrMapping/>
+  </p:clrMapOvr>
+</p:sld>
+</file>
+
+<file path=ppt/slides/slide18.xml><?xml version="1.0" encoding="utf-8"?>
+<p:sld xmlns:a="http://schemas.openxmlformats.org/drawingml/2006/main" xmlns:r="http://schemas.openxmlformats.org/officeDocument/2006/relationships" xmlns:p="http://schemas.openxmlformats.org/presentationml/2006/main">
+  <p:cSld>
+    <p:spTree>
+      <p:nvGrpSpPr>
+        <p:cNvPr id="1" name=""/>
+        <p:cNvGrpSpPr/>
+        <p:nvPr/>
+      </p:nvGrpSpPr>
+      <p:grpSpPr>
+        <a:xfrm>
+          <a:off x="0" y="0"/>
+          <a:ext cx="0" cy="0"/>
+          <a:chOff x="0" y="0"/>
+          <a:chExt cx="0" cy="0"/>
+        </a:xfrm>
+      </p:grpSpPr>
+      <p:sp>
+        <p:nvSpPr>
+          <p:cNvPr id="2" name="Title 1">
+            <a:extLst>
+              <a:ext uri="{FF2B5EF4-FFF2-40B4-BE49-F238E27FC236}">
                 <a16:creationId xmlns:a16="http://schemas.microsoft.com/office/drawing/2014/main" id="{E4C3A25C-03E2-4E33-8782-3081E5602370}"/>
               </a:ext>
             </a:extLst>
@@ -6424,7 +6538,7 @@
           <a:p>
             <a:r>
               <a:rPr lang="en-AU" dirty="0"/>
-              <a:t>Simple Bots require no programming</a:t>
+              <a:t>Brands – Minimal Programming</a:t>
             </a:r>
           </a:p>
         </p:txBody>
@@ -6489,7 +6603,7 @@
 </p:sld>
 </file>
 
-<file path=ppt/slides/slide18.xml><?xml version="1.0" encoding="utf-8"?>
+<file path=ppt/slides/slide19.xml><?xml version="1.0" encoding="utf-8"?>
 <p:sld xmlns:a="http://schemas.openxmlformats.org/drawingml/2006/main" xmlns:r="http://schemas.openxmlformats.org/officeDocument/2006/relationships" xmlns:p="http://schemas.openxmlformats.org/presentationml/2006/main">
   <p:cSld>
     <p:spTree>
@@ -6529,7 +6643,7 @@
           <a:p>
             <a:r>
               <a:rPr lang="en-AU" dirty="0"/>
-              <a:t>Uber-Personalisation</a:t>
+              <a:t>Brands - Uber-Personalisation</a:t>
             </a:r>
           </a:p>
         </p:txBody>
@@ -6577,89 +6691,6 @@
 </p:sld>
 </file>
 
-<file path=ppt/slides/slide19.xml><?xml version="1.0" encoding="utf-8"?>
-<p:sld xmlns:a="http://schemas.openxmlformats.org/drawingml/2006/main" xmlns:r="http://schemas.openxmlformats.org/officeDocument/2006/relationships" xmlns:p="http://schemas.openxmlformats.org/presentationml/2006/main">
-  <p:cSld>
-    <p:spTree>
-      <p:nvGrpSpPr>
-        <p:cNvPr id="1" name=""/>
-        <p:cNvGrpSpPr/>
-        <p:nvPr/>
-      </p:nvGrpSpPr>
-      <p:grpSpPr>
-        <a:xfrm>
-          <a:off x="0" y="0"/>
-          <a:ext cx="0" cy="0"/>
-          <a:chOff x="0" y="0"/>
-          <a:chExt cx="0" cy="0"/>
-        </a:xfrm>
-      </p:grpSpPr>
-      <p:sp>
-        <p:nvSpPr>
-          <p:cNvPr id="4" name="Title 3">
-            <a:extLst>
-              <a:ext uri="{FF2B5EF4-FFF2-40B4-BE49-F238E27FC236}">
-                <a16:creationId xmlns:a16="http://schemas.microsoft.com/office/drawing/2014/main" id="{43AA49C6-3ACD-46DD-AB7B-6174274ABD38}"/>
-              </a:ext>
-            </a:extLst>
-          </p:cNvPr>
-          <p:cNvSpPr>
-            <a:spLocks noGrp="1"/>
-          </p:cNvSpPr>
-          <p:nvPr>
-            <p:ph type="title"/>
-          </p:nvPr>
-        </p:nvSpPr>
-        <p:spPr/>
-        <p:txBody>
-          <a:bodyPr/>
-          <a:lstStyle/>
-          <a:p>
-            <a:r>
-              <a:rPr lang="en-AU" dirty="0"/>
-              <a:t>Building a Bot</a:t>
-            </a:r>
-          </a:p>
-        </p:txBody>
-      </p:sp>
-      <p:sp>
-        <p:nvSpPr>
-          <p:cNvPr id="5" name="Text Placeholder 4">
-            <a:extLst>
-              <a:ext uri="{FF2B5EF4-FFF2-40B4-BE49-F238E27FC236}">
-                <a16:creationId xmlns:a16="http://schemas.microsoft.com/office/drawing/2014/main" id="{A45F0C29-37C1-4282-A87D-5BF039A88F79}"/>
-              </a:ext>
-            </a:extLst>
-          </p:cNvPr>
-          <p:cNvSpPr>
-            <a:spLocks noGrp="1"/>
-          </p:cNvSpPr>
-          <p:nvPr>
-            <p:ph type="body" idx="1"/>
-          </p:nvPr>
-        </p:nvSpPr>
-        <p:spPr/>
-        <p:txBody>
-          <a:bodyPr/>
-          <a:lstStyle/>
-          <a:p>
-            <a:endParaRPr lang="en-AU"/>
-          </a:p>
-        </p:txBody>
-      </p:sp>
-    </p:spTree>
-    <p:extLst>
-      <p:ext uri="{BB962C8B-B14F-4D97-AF65-F5344CB8AC3E}">
-        <p14:creationId xmlns:p14="http://schemas.microsoft.com/office/powerpoint/2010/main" val="2462950646"/>
-      </p:ext>
-    </p:extLst>
-  </p:cSld>
-  <p:clrMapOvr>
-    <a:masterClrMapping/>
-  </p:clrMapOvr>
-</p:sld>
-</file>
-
 <file path=ppt/slides/slide2.xml><?xml version="1.0" encoding="utf-8"?>
 <p:sld xmlns:a="http://schemas.openxmlformats.org/drawingml/2006/main" xmlns:r="http://schemas.openxmlformats.org/officeDocument/2006/relationships" xmlns:p="http://schemas.openxmlformats.org/presentationml/2006/main">
   <p:cSld>
@@ -6798,7 +6829,7 @@
           <p:cNvPr id="4" name="Title 3">
             <a:extLst>
               <a:ext uri="{FF2B5EF4-FFF2-40B4-BE49-F238E27FC236}">
-                <a16:creationId xmlns:a16="http://schemas.microsoft.com/office/drawing/2014/main" id="{B7D12391-891F-4394-A728-99B8B3CC9AA0}"/>
+                <a16:creationId xmlns:a16="http://schemas.microsoft.com/office/drawing/2014/main" id="{E84DAF49-D74E-462C-A42C-68A11656E97D}"/>
               </a:ext>
             </a:extLst>
           </p:cNvPr>
@@ -6816,7 +6847,7 @@
           <a:p>
             <a:r>
               <a:rPr lang="en-AU" dirty="0"/>
-              <a:t>Reasons to use a Chatbot</a:t>
+              <a:t>Developers</a:t>
             </a:r>
           </a:p>
         </p:txBody>
@@ -6826,7 +6857,7 @@
           <p:cNvPr id="5" name="Content Placeholder 4">
             <a:extLst>
               <a:ext uri="{FF2B5EF4-FFF2-40B4-BE49-F238E27FC236}">
-                <a16:creationId xmlns:a16="http://schemas.microsoft.com/office/drawing/2014/main" id="{E8F80971-90A5-4C51-92E0-8C882DFB18C2}"/>
+                <a16:creationId xmlns:a16="http://schemas.microsoft.com/office/drawing/2014/main" id="{C98AD16A-E0C4-447C-B5EA-E3739FA2B8DE}"/>
               </a:ext>
             </a:extLst>
           </p:cNvPr>
@@ -6846,48 +6877,46 @@
           </a:p>
           <a:p>
             <a:r>
-              <a:rPr lang="en-AU" b="1" dirty="0"/>
-              <a:t>Conversational</a:t>
-            </a:r>
-            <a:r>
               <a:rPr lang="en-AU" dirty="0"/>
-              <a:t>: </a:t>
-            </a:r>
-          </a:p>
-          <a:p>
-            <a:pPr lvl="1"/>
+              <a:t>Build Once!</a:t>
+            </a:r>
+          </a:p>
+          <a:p>
+            <a:endParaRPr lang="en-AU" dirty="0"/>
+          </a:p>
+          <a:p>
             <a:r>
               <a:rPr lang="en-AU" dirty="0"/>
-              <a:t>When an App can’t do it because multiple variable inputs are needed to solve the problem.</a:t>
-            </a:r>
-          </a:p>
-          <a:p>
-            <a:pPr lvl="1"/>
+              <a:t>Replace legacy LOB applications</a:t>
+            </a:r>
+          </a:p>
+          <a:p>
             <a:endParaRPr lang="en-AU" dirty="0"/>
           </a:p>
           <a:p>
             <a:r>
-              <a:rPr lang="en-AU" b="1" dirty="0"/>
-              <a:t>Simplicity</a:t>
-            </a:r>
-            <a:r>
               <a:rPr lang="en-AU" dirty="0"/>
-              <a:t>: </a:t>
-            </a:r>
-          </a:p>
-          <a:p>
-            <a:pPr lvl="1"/>
-            <a:r>
-              <a:rPr lang="en-AU" dirty="0"/>
-              <a:t>When a bot offers the most immediate and direct solution to a person’s problem.</a:t>
-            </a:r>
+              <a:t>Extend using API’s</a:t>
+            </a:r>
+          </a:p>
+          <a:p>
+            <a:endParaRPr lang="en-AU" dirty="0"/>
+          </a:p>
+          <a:p>
+            <a:endParaRPr lang="en-AU" dirty="0"/>
+          </a:p>
+          <a:p>
+            <a:endParaRPr lang="en-AU" dirty="0"/>
+          </a:p>
+          <a:p>
+            <a:endParaRPr lang="en-AU" dirty="0"/>
           </a:p>
         </p:txBody>
       </p:sp>
     </p:spTree>
     <p:extLst>
       <p:ext uri="{BB962C8B-B14F-4D97-AF65-F5344CB8AC3E}">
-        <p14:creationId xmlns:p14="http://schemas.microsoft.com/office/powerpoint/2010/main" val="633871361"/>
+        <p14:creationId xmlns:p14="http://schemas.microsoft.com/office/powerpoint/2010/main" val="3085761006"/>
       </p:ext>
     </p:extLst>
   </p:cSld>
@@ -6914,118 +6943,10 @@
           <a:chExt cx="0" cy="0"/>
         </a:xfrm>
       </p:grpSpPr>
-      <p:sp>
-        <p:nvSpPr>
-          <p:cNvPr id="4" name="Title 3">
-            <a:extLst>
-              <a:ext uri="{FF2B5EF4-FFF2-40B4-BE49-F238E27FC236}">
-                <a16:creationId xmlns:a16="http://schemas.microsoft.com/office/drawing/2014/main" id="{0C1164DE-8F4B-419A-A9E7-01602E7292F4}"/>
-              </a:ext>
-            </a:extLst>
-          </p:cNvPr>
-          <p:cNvSpPr>
-            <a:spLocks noGrp="1"/>
-          </p:cNvSpPr>
-          <p:nvPr>
-            <p:ph type="title"/>
-          </p:nvPr>
-        </p:nvSpPr>
-        <p:spPr/>
-        <p:txBody>
-          <a:bodyPr/>
-          <a:lstStyle/>
-          <a:p>
-            <a:r>
-              <a:rPr lang="en-AU" dirty="0"/>
-              <a:t>Identity</a:t>
-            </a:r>
-          </a:p>
-        </p:txBody>
-      </p:sp>
-      <p:sp>
-        <p:nvSpPr>
-          <p:cNvPr id="5" name="Content Placeholder 4">
-            <a:extLst>
-              <a:ext uri="{FF2B5EF4-FFF2-40B4-BE49-F238E27FC236}">
-                <a16:creationId xmlns:a16="http://schemas.microsoft.com/office/drawing/2014/main" id="{BC1BAF57-1D72-43BA-94BB-BA459BEE7826}"/>
-              </a:ext>
-            </a:extLst>
-          </p:cNvPr>
-          <p:cNvSpPr>
-            <a:spLocks noGrp="1"/>
-          </p:cNvSpPr>
-          <p:nvPr>
-            <p:ph idx="1"/>
-          </p:nvPr>
-        </p:nvSpPr>
-        <p:spPr/>
-        <p:txBody>
-          <a:bodyPr/>
-          <a:lstStyle/>
-          <a:p>
-            <a:r>
-              <a:rPr lang="en-AU" dirty="0"/>
-              <a:t>Topical</a:t>
-            </a:r>
-          </a:p>
-          <a:p>
-            <a:pPr lvl="1"/>
-            <a:r>
-              <a:rPr lang="en-AU" dirty="0"/>
-              <a:t>Typically for entertainment</a:t>
-            </a:r>
-          </a:p>
-          <a:p>
-            <a:pPr lvl="1"/>
-            <a:endParaRPr lang="en-AU" dirty="0"/>
-          </a:p>
-          <a:p>
-            <a:r>
-              <a:rPr lang="en-AU" dirty="0"/>
-              <a:t>Task-Driven / Transactional</a:t>
-            </a:r>
-          </a:p>
-          <a:p>
-            <a:pPr lvl="1"/>
-            <a:r>
-              <a:rPr lang="en-AU" dirty="0"/>
-              <a:t>Help users get a task done</a:t>
-            </a:r>
-          </a:p>
-          <a:p>
-            <a:pPr lvl="1"/>
-            <a:endParaRPr lang="en-AU" dirty="0"/>
-          </a:p>
-          <a:p>
-            <a:r>
-              <a:rPr lang="en-AU" dirty="0"/>
-              <a:t>Gaming</a:t>
-            </a:r>
-          </a:p>
-          <a:p>
-            <a:pPr lvl="1"/>
-            <a:r>
-              <a:rPr lang="en-AU" dirty="0"/>
-              <a:t>“Choose your own Adventure”</a:t>
-            </a:r>
-          </a:p>
-          <a:p>
-            <a:pPr lvl="1"/>
-            <a:endParaRPr lang="en-AU" dirty="0"/>
-          </a:p>
-          <a:p>
-            <a:pPr lvl="1"/>
-            <a:endParaRPr lang="en-AU" dirty="0"/>
-          </a:p>
-          <a:p>
-            <a:endParaRPr lang="en-AU" dirty="0"/>
-          </a:p>
-        </p:txBody>
-      </p:sp>
     </p:spTree>
     <p:extLst>
       <p:ext uri="{BB962C8B-B14F-4D97-AF65-F5344CB8AC3E}">
-        <p14:creationId xmlns:p14="http://schemas.microsoft.com/office/powerpoint/2010/main" val="3097392025"/>
+        <p14:creationId xmlns:p14="http://schemas.microsoft.com/office/powerpoint/2010/main" val="1254014129"/>
       </p:ext>
     </p:extLst>
   </p:cSld>
@@ -7057,6 +6978,210 @@
           <p:cNvPr id="4" name="Title 3">
             <a:extLst>
               <a:ext uri="{FF2B5EF4-FFF2-40B4-BE49-F238E27FC236}">
+                <a16:creationId xmlns:a16="http://schemas.microsoft.com/office/drawing/2014/main" id="{43AA49C6-3ACD-46DD-AB7B-6174274ABD38}"/>
+              </a:ext>
+            </a:extLst>
+          </p:cNvPr>
+          <p:cNvSpPr>
+            <a:spLocks noGrp="1"/>
+          </p:cNvSpPr>
+          <p:nvPr>
+            <p:ph type="title"/>
+          </p:nvPr>
+        </p:nvSpPr>
+        <p:spPr/>
+        <p:txBody>
+          <a:bodyPr/>
+          <a:lstStyle/>
+          <a:p>
+            <a:r>
+              <a:rPr lang="en-AU" dirty="0"/>
+              <a:t>Tips for Building a Bot</a:t>
+            </a:r>
+          </a:p>
+        </p:txBody>
+      </p:sp>
+      <p:sp>
+        <p:nvSpPr>
+          <p:cNvPr id="5" name="Text Placeholder 4">
+            <a:extLst>
+              <a:ext uri="{FF2B5EF4-FFF2-40B4-BE49-F238E27FC236}">
+                <a16:creationId xmlns:a16="http://schemas.microsoft.com/office/drawing/2014/main" id="{A45F0C29-37C1-4282-A87D-5BF039A88F79}"/>
+              </a:ext>
+            </a:extLst>
+          </p:cNvPr>
+          <p:cNvSpPr>
+            <a:spLocks noGrp="1"/>
+          </p:cNvSpPr>
+          <p:nvPr>
+            <p:ph type="body" idx="1"/>
+          </p:nvPr>
+        </p:nvSpPr>
+        <p:spPr/>
+        <p:txBody>
+          <a:bodyPr/>
+          <a:lstStyle/>
+          <a:p>
+            <a:endParaRPr lang="en-AU"/>
+          </a:p>
+        </p:txBody>
+      </p:sp>
+    </p:spTree>
+    <p:extLst>
+      <p:ext uri="{BB962C8B-B14F-4D97-AF65-F5344CB8AC3E}">
+        <p14:creationId xmlns:p14="http://schemas.microsoft.com/office/powerpoint/2010/main" val="2462950646"/>
+      </p:ext>
+    </p:extLst>
+  </p:cSld>
+  <p:clrMapOvr>
+    <a:masterClrMapping/>
+  </p:clrMapOvr>
+</p:sld>
+</file>
+
+<file path=ppt/slides/slide23.xml><?xml version="1.0" encoding="utf-8"?>
+<p:sld xmlns:a="http://schemas.openxmlformats.org/drawingml/2006/main" xmlns:r="http://schemas.openxmlformats.org/officeDocument/2006/relationships" xmlns:p="http://schemas.openxmlformats.org/presentationml/2006/main">
+  <p:cSld>
+    <p:spTree>
+      <p:nvGrpSpPr>
+        <p:cNvPr id="1" name=""/>
+        <p:cNvGrpSpPr/>
+        <p:nvPr/>
+      </p:nvGrpSpPr>
+      <p:grpSpPr>
+        <a:xfrm>
+          <a:off x="0" y="0"/>
+          <a:ext cx="0" cy="0"/>
+          <a:chOff x="0" y="0"/>
+          <a:chExt cx="0" cy="0"/>
+        </a:xfrm>
+      </p:grpSpPr>
+      <p:sp>
+        <p:nvSpPr>
+          <p:cNvPr id="4" name="Title 3">
+            <a:extLst>
+              <a:ext uri="{FF2B5EF4-FFF2-40B4-BE49-F238E27FC236}">
+                <a16:creationId xmlns:a16="http://schemas.microsoft.com/office/drawing/2014/main" id="{B7D12391-891F-4394-A728-99B8B3CC9AA0}"/>
+              </a:ext>
+            </a:extLst>
+          </p:cNvPr>
+          <p:cNvSpPr>
+            <a:spLocks noGrp="1"/>
+          </p:cNvSpPr>
+          <p:nvPr>
+            <p:ph type="title"/>
+          </p:nvPr>
+        </p:nvSpPr>
+        <p:spPr/>
+        <p:txBody>
+          <a:bodyPr/>
+          <a:lstStyle/>
+          <a:p>
+            <a:r>
+              <a:rPr lang="en-AU" dirty="0"/>
+              <a:t>Problems best suited to a Chatbot</a:t>
+            </a:r>
+          </a:p>
+        </p:txBody>
+      </p:sp>
+      <p:sp>
+        <p:nvSpPr>
+          <p:cNvPr id="5" name="Content Placeholder 4">
+            <a:extLst>
+              <a:ext uri="{FF2B5EF4-FFF2-40B4-BE49-F238E27FC236}">
+                <a16:creationId xmlns:a16="http://schemas.microsoft.com/office/drawing/2014/main" id="{E8F80971-90A5-4C51-92E0-8C882DFB18C2}"/>
+              </a:ext>
+            </a:extLst>
+          </p:cNvPr>
+          <p:cNvSpPr>
+            <a:spLocks noGrp="1"/>
+          </p:cNvSpPr>
+          <p:nvPr>
+            <p:ph idx="1"/>
+          </p:nvPr>
+        </p:nvSpPr>
+        <p:spPr/>
+        <p:txBody>
+          <a:bodyPr/>
+          <a:lstStyle/>
+          <a:p>
+            <a:endParaRPr lang="en-AU" dirty="0"/>
+          </a:p>
+          <a:p>
+            <a:r>
+              <a:rPr lang="en-AU" b="1" dirty="0"/>
+              <a:t>Conversational</a:t>
+            </a:r>
+            <a:r>
+              <a:rPr lang="en-AU" dirty="0"/>
+              <a:t>: </a:t>
+            </a:r>
+          </a:p>
+          <a:p>
+            <a:pPr lvl="1"/>
+            <a:r>
+              <a:rPr lang="en-AU" dirty="0"/>
+              <a:t>When an App can’t do it because multiple variable inputs are needed to solve the problem.</a:t>
+            </a:r>
+          </a:p>
+          <a:p>
+            <a:pPr lvl="1"/>
+            <a:endParaRPr lang="en-AU" dirty="0"/>
+          </a:p>
+          <a:p>
+            <a:r>
+              <a:rPr lang="en-AU" b="1" dirty="0"/>
+              <a:t>Simplicity</a:t>
+            </a:r>
+            <a:r>
+              <a:rPr lang="en-AU" dirty="0"/>
+              <a:t>: </a:t>
+            </a:r>
+          </a:p>
+          <a:p>
+            <a:pPr lvl="1"/>
+            <a:r>
+              <a:rPr lang="en-AU" dirty="0"/>
+              <a:t>When a bot offers the most immediate and direct solution to a person’s problem.</a:t>
+            </a:r>
+          </a:p>
+        </p:txBody>
+      </p:sp>
+    </p:spTree>
+    <p:extLst>
+      <p:ext uri="{BB962C8B-B14F-4D97-AF65-F5344CB8AC3E}">
+        <p14:creationId xmlns:p14="http://schemas.microsoft.com/office/powerpoint/2010/main" val="633871361"/>
+      </p:ext>
+    </p:extLst>
+  </p:cSld>
+  <p:clrMapOvr>
+    <a:masterClrMapping/>
+  </p:clrMapOvr>
+</p:sld>
+</file>
+
+<file path=ppt/slides/slide24.xml><?xml version="1.0" encoding="utf-8"?>
+<p:sld xmlns:a="http://schemas.openxmlformats.org/drawingml/2006/main" xmlns:r="http://schemas.openxmlformats.org/officeDocument/2006/relationships" xmlns:p="http://schemas.openxmlformats.org/presentationml/2006/main">
+  <p:cSld>
+    <p:spTree>
+      <p:nvGrpSpPr>
+        <p:cNvPr id="1" name=""/>
+        <p:cNvGrpSpPr/>
+        <p:nvPr/>
+      </p:nvGrpSpPr>
+      <p:grpSpPr>
+        <a:xfrm>
+          <a:off x="0" y="0"/>
+          <a:ext cx="0" cy="0"/>
+          <a:chOff x="0" y="0"/>
+          <a:chExt cx="0" cy="0"/>
+        </a:xfrm>
+      </p:grpSpPr>
+      <p:sp>
+        <p:nvSpPr>
+          <p:cNvPr id="4" name="Title 3">
+            <a:extLst>
+              <a:ext uri="{FF2B5EF4-FFF2-40B4-BE49-F238E27FC236}">
                 <a16:creationId xmlns:a16="http://schemas.microsoft.com/office/drawing/2014/main" id="{87C9D371-C884-437C-B57F-43A8029678FC}"/>
               </a:ext>
             </a:extLst>
@@ -7120,15 +7245,6 @@
           </a:p>
           <a:p>
             <a:pPr lvl="1"/>
-            <a:endParaRPr lang="en-AU" dirty="0"/>
-          </a:p>
-          <a:p>
-            <a:r>
-              <a:rPr lang="en-AU" dirty="0"/>
-              <a:t>Gender?</a:t>
-            </a:r>
-          </a:p>
-          <a:p>
             <a:endParaRPr lang="en-AU" dirty="0"/>
           </a:p>
           <a:p>
@@ -7218,7 +7334,7 @@
 </p:sld>
 </file>
 
-<file path=ppt/slides/slide23.xml><?xml version="1.0" encoding="utf-8"?>
+<file path=ppt/slides/slide25.xml><?xml version="1.0" encoding="utf-8"?>
 <p:sld xmlns:a="http://schemas.openxmlformats.org/drawingml/2006/main" xmlns:r="http://schemas.openxmlformats.org/officeDocument/2006/relationships" xmlns:p="http://schemas.openxmlformats.org/presentationml/2006/main">
   <p:cSld>
     <p:spTree>
@@ -7405,7 +7521,7 @@
 </p:sld>
 </file>
 
-<file path=ppt/slides/slide24.xml><?xml version="1.0" encoding="utf-8"?>
+<file path=ppt/slides/slide26.xml><?xml version="1.0" encoding="utf-8"?>
 <p:sld xmlns:a="http://schemas.openxmlformats.org/drawingml/2006/main" xmlns:r="http://schemas.openxmlformats.org/officeDocument/2006/relationships" xmlns:p="http://schemas.openxmlformats.org/presentationml/2006/main">
   <p:cSld>
     <p:spTree>
@@ -7445,7 +7561,7 @@
           <a:p>
             <a:r>
               <a:rPr lang="en-AU" dirty="0"/>
-              <a:t>Handle Small-Talk</a:t>
+              <a:t>Handle Small Talk</a:t>
             </a:r>
           </a:p>
         </p:txBody>
@@ -7611,7 +7727,7 @@
 </p:sld>
 </file>
 
-<file path=ppt/slides/slide25.xml><?xml version="1.0" encoding="utf-8"?>
+<file path=ppt/slides/slide27.xml><?xml version="1.0" encoding="utf-8"?>
 <p:sld xmlns:a="http://schemas.openxmlformats.org/drawingml/2006/main" xmlns:r="http://schemas.openxmlformats.org/officeDocument/2006/relationships" xmlns:p="http://schemas.openxmlformats.org/presentationml/2006/main">
   <p:cSld>
     <p:spTree>
@@ -8158,100 +8274,57 @@
           <a:chExt cx="0" cy="0"/>
         </a:xfrm>
       </p:grpSpPr>
-      <p:sp>
-        <p:nvSpPr>
-          <p:cNvPr id="4" name="Title 3">
-            <a:extLst>
-              <a:ext uri="{FF2B5EF4-FFF2-40B4-BE49-F238E27FC236}">
-                <a16:creationId xmlns:a16="http://schemas.microsoft.com/office/drawing/2014/main" id="{02E85A84-D003-46F2-B557-F2DDA4948A8D}"/>
-              </a:ext>
-            </a:extLst>
-          </p:cNvPr>
-          <p:cNvSpPr>
-            <a:spLocks noGrp="1"/>
-          </p:cNvSpPr>
-          <p:nvPr>
-            <p:ph type="title"/>
-          </p:nvPr>
-        </p:nvSpPr>
-        <p:spPr/>
-        <p:txBody>
-          <a:bodyPr/>
-          <a:lstStyle/>
-          <a:p>
-            <a:endParaRPr lang="en-AU"/>
-          </a:p>
-        </p:txBody>
-      </p:sp>
-      <p:sp>
-        <p:nvSpPr>
-          <p:cNvPr id="5" name="Content Placeholder 4">
-            <a:extLst>
-              <a:ext uri="{FF2B5EF4-FFF2-40B4-BE49-F238E27FC236}">
-                <a16:creationId xmlns:a16="http://schemas.microsoft.com/office/drawing/2014/main" id="{7169BAC2-ABA1-44E5-918B-4EB7CA8673F4}"/>
-              </a:ext>
-            </a:extLst>
-          </p:cNvPr>
-          <p:cNvSpPr>
-            <a:spLocks noGrp="1"/>
-          </p:cNvSpPr>
-          <p:nvPr>
-            <p:ph idx="1"/>
-          </p:nvPr>
-        </p:nvSpPr>
-        <p:spPr/>
-        <p:txBody>
-          <a:bodyPr/>
-          <a:lstStyle/>
-          <a:p>
-            <a:endParaRPr lang="en-AU" dirty="0"/>
-          </a:p>
-          <a:p>
-            <a:r>
-              <a:rPr lang="en-AU" dirty="0"/>
-              <a:t>User Interface that mimics chatting with a human</a:t>
-            </a:r>
-          </a:p>
-          <a:p>
-            <a:pPr lvl="1"/>
-            <a:r>
-              <a:rPr lang="en-AU" dirty="0"/>
-              <a:t>Interact in human terms, not machine terms</a:t>
-            </a:r>
-          </a:p>
-          <a:p>
-            <a:endParaRPr lang="en-AU" dirty="0"/>
-          </a:p>
-          <a:p>
-            <a:r>
-              <a:rPr lang="en-AU" dirty="0"/>
-              <a:t>Not a new idea – been around since the 1960s</a:t>
-            </a:r>
-          </a:p>
-          <a:p>
-            <a:pPr lvl="1"/>
-            <a:r>
-              <a:rPr lang="en-AU" dirty="0"/>
-              <a:t>ELIZA</a:t>
-            </a:r>
-          </a:p>
-          <a:p>
-            <a:pPr lvl="1"/>
-            <a:r>
-              <a:rPr lang="en-AU" dirty="0"/>
-              <a:t>ALICE</a:t>
-            </a:r>
-          </a:p>
-          <a:p>
-            <a:pPr lvl="1"/>
-            <a:endParaRPr lang="en-AU" dirty="0"/>
-          </a:p>
-        </p:txBody>
-      </p:sp>
+      <p:pic>
+        <p:nvPicPr>
+          <p:cNvPr id="2050" name="Picture 2" descr="Wally Replaces Himself With Chatbot - Dilbert by Scott Adams">
+            <a:extLst>
+              <a:ext uri="{FF2B5EF4-FFF2-40B4-BE49-F238E27FC236}">
+                <a16:creationId xmlns:a16="http://schemas.microsoft.com/office/drawing/2014/main" id="{7E788B8F-A272-40C0-A1F4-F5229B2EA620}"/>
+              </a:ext>
+            </a:extLst>
+          </p:cNvPr>
+          <p:cNvPicPr>
+            <a:picLocks noChangeAspect="1" noChangeArrowheads="1"/>
+          </p:cNvPicPr>
+          <p:nvPr/>
+        </p:nvPicPr>
+        <p:blipFill>
+          <a:blip r:embed="rId2">
+            <a:extLst>
+              <a:ext uri="{28A0092B-C50C-407E-A947-70E740481C1C}">
+                <a14:useLocalDpi xmlns:a14="http://schemas.microsoft.com/office/drawing/2010/main" val="0"/>
+              </a:ext>
+            </a:extLst>
+          </a:blip>
+          <a:srcRect/>
+          <a:stretch>
+            <a:fillRect/>
+          </a:stretch>
+        </p:blipFill>
+        <p:spPr bwMode="auto">
+          <a:xfrm>
+            <a:off x="1809750" y="2095500"/>
+            <a:ext cx="8572500" cy="2667000"/>
+          </a:xfrm>
+          <a:prstGeom prst="rect">
+            <a:avLst/>
+          </a:prstGeom>
+          <a:noFill/>
+          <a:extLst>
+            <a:ext uri="{909E8E84-426E-40DD-AFC4-6F175D3DCCD1}">
+              <a14:hiddenFill xmlns:a14="http://schemas.microsoft.com/office/drawing/2010/main">
+                <a:solidFill>
+                  <a:srgbClr val="FFFFFF"/>
+                </a:solidFill>
+              </a14:hiddenFill>
+            </a:ext>
+          </a:extLst>
+        </p:spPr>
+      </p:pic>
     </p:spTree>
     <p:extLst>
       <p:ext uri="{BB962C8B-B14F-4D97-AF65-F5344CB8AC3E}">
-        <p14:creationId xmlns:p14="http://schemas.microsoft.com/office/powerpoint/2010/main" val="3175724829"/>
+        <p14:creationId xmlns:p14="http://schemas.microsoft.com/office/powerpoint/2010/main" val="3911001011"/>
       </p:ext>
     </p:extLst>
   </p:cSld>
@@ -8280,6 +8353,136 @@
       </p:grpSpPr>
       <p:sp>
         <p:nvSpPr>
+          <p:cNvPr id="4" name="Title 3">
+            <a:extLst>
+              <a:ext uri="{FF2B5EF4-FFF2-40B4-BE49-F238E27FC236}">
+                <a16:creationId xmlns:a16="http://schemas.microsoft.com/office/drawing/2014/main" id="{02E85A84-D003-46F2-B557-F2DDA4948A8D}"/>
+              </a:ext>
+            </a:extLst>
+          </p:cNvPr>
+          <p:cNvSpPr>
+            <a:spLocks noGrp="1"/>
+          </p:cNvSpPr>
+          <p:nvPr>
+            <p:ph type="title"/>
+          </p:nvPr>
+        </p:nvSpPr>
+        <p:spPr/>
+        <p:txBody>
+          <a:bodyPr/>
+          <a:lstStyle/>
+          <a:p>
+            <a:endParaRPr lang="en-AU"/>
+          </a:p>
+        </p:txBody>
+      </p:sp>
+      <p:sp>
+        <p:nvSpPr>
+          <p:cNvPr id="5" name="Content Placeholder 4">
+            <a:extLst>
+              <a:ext uri="{FF2B5EF4-FFF2-40B4-BE49-F238E27FC236}">
+                <a16:creationId xmlns:a16="http://schemas.microsoft.com/office/drawing/2014/main" id="{7169BAC2-ABA1-44E5-918B-4EB7CA8673F4}"/>
+              </a:ext>
+            </a:extLst>
+          </p:cNvPr>
+          <p:cNvSpPr>
+            <a:spLocks noGrp="1"/>
+          </p:cNvSpPr>
+          <p:nvPr>
+            <p:ph idx="1"/>
+          </p:nvPr>
+        </p:nvSpPr>
+        <p:spPr/>
+        <p:txBody>
+          <a:bodyPr/>
+          <a:lstStyle/>
+          <a:p>
+            <a:endParaRPr lang="en-AU" dirty="0"/>
+          </a:p>
+          <a:p>
+            <a:r>
+              <a:rPr lang="en-AU" dirty="0"/>
+              <a:t>User Interface that mimics chatting with a human</a:t>
+            </a:r>
+          </a:p>
+          <a:p>
+            <a:pPr lvl="1"/>
+            <a:r>
+              <a:rPr lang="en-AU" dirty="0"/>
+              <a:t>Interact in human terms, not machine terms</a:t>
+            </a:r>
+          </a:p>
+          <a:p>
+            <a:pPr lvl="1"/>
+            <a:endParaRPr lang="en-AU" dirty="0"/>
+          </a:p>
+          <a:p>
+            <a:r>
+              <a:rPr lang="en-AU" dirty="0"/>
+              <a:t>Function on top of messaging platforms</a:t>
+            </a:r>
+          </a:p>
+          <a:p>
+            <a:endParaRPr lang="en-AU" dirty="0"/>
+          </a:p>
+          <a:p>
+            <a:r>
+              <a:rPr lang="en-AU" dirty="0"/>
+              <a:t>Not a new idea – been around since the 1960s</a:t>
+            </a:r>
+          </a:p>
+          <a:p>
+            <a:pPr lvl="1"/>
+            <a:r>
+              <a:rPr lang="en-AU" dirty="0"/>
+              <a:t>ELIZA</a:t>
+            </a:r>
+          </a:p>
+          <a:p>
+            <a:pPr lvl="1"/>
+            <a:r>
+              <a:rPr lang="en-AU" dirty="0"/>
+              <a:t>ALICE</a:t>
+            </a:r>
+          </a:p>
+          <a:p>
+            <a:pPr lvl="1"/>
+            <a:endParaRPr lang="en-AU" dirty="0"/>
+          </a:p>
+        </p:txBody>
+      </p:sp>
+    </p:spTree>
+    <p:extLst>
+      <p:ext uri="{BB962C8B-B14F-4D97-AF65-F5344CB8AC3E}">
+        <p14:creationId xmlns:p14="http://schemas.microsoft.com/office/powerpoint/2010/main" val="3175724829"/>
+      </p:ext>
+    </p:extLst>
+  </p:cSld>
+  <p:clrMapOvr>
+    <a:masterClrMapping/>
+  </p:clrMapOvr>
+</p:sld>
+</file>
+
+<file path=ppt/slides/slide7.xml><?xml version="1.0" encoding="utf-8"?>
+<p:sld xmlns:a="http://schemas.openxmlformats.org/drawingml/2006/main" xmlns:r="http://schemas.openxmlformats.org/officeDocument/2006/relationships" xmlns:p="http://schemas.openxmlformats.org/presentationml/2006/main">
+  <p:cSld>
+    <p:spTree>
+      <p:nvGrpSpPr>
+        <p:cNvPr id="1" name=""/>
+        <p:cNvGrpSpPr/>
+        <p:nvPr/>
+      </p:nvGrpSpPr>
+      <p:grpSpPr>
+        <a:xfrm>
+          <a:off x="0" y="0"/>
+          <a:ext cx="0" cy="0"/>
+          <a:chOff x="0" y="0"/>
+          <a:chExt cx="0" cy="0"/>
+        </a:xfrm>
+      </p:grpSpPr>
+      <p:sp>
+        <p:nvSpPr>
           <p:cNvPr id="2" name="Title 1">
             <a:extLst>
               <a:ext uri="{FF2B5EF4-FFF2-40B4-BE49-F238E27FC236}">
@@ -8462,7 +8665,7 @@
 </p:sld>
 </file>
 
-<file path=ppt/slides/slide7.xml><?xml version="1.0" encoding="utf-8"?>
+<file path=ppt/slides/slide8.xml><?xml version="1.0" encoding="utf-8"?>
 <p:sld xmlns:a="http://schemas.openxmlformats.org/drawingml/2006/main" xmlns:r="http://schemas.openxmlformats.org/officeDocument/2006/relationships" xmlns:p="http://schemas.openxmlformats.org/presentationml/2006/main">
   <p:cSld>
     <p:spTree>
@@ -8539,89 +8742,6 @@
 </p:sld>
 </file>
 
-<file path=ppt/slides/slide8.xml><?xml version="1.0" encoding="utf-8"?>
-<p:sld xmlns:a="http://schemas.openxmlformats.org/drawingml/2006/main" xmlns:r="http://schemas.openxmlformats.org/officeDocument/2006/relationships" xmlns:p="http://schemas.openxmlformats.org/presentationml/2006/main">
-  <p:cSld>
-    <p:spTree>
-      <p:nvGrpSpPr>
-        <p:cNvPr id="1" name=""/>
-        <p:cNvGrpSpPr/>
-        <p:nvPr/>
-      </p:nvGrpSpPr>
-      <p:grpSpPr>
-        <a:xfrm>
-          <a:off x="0" y="0"/>
-          <a:ext cx="0" cy="0"/>
-          <a:chOff x="0" y="0"/>
-          <a:chExt cx="0" cy="0"/>
-        </a:xfrm>
-      </p:grpSpPr>
-      <p:sp>
-        <p:nvSpPr>
-          <p:cNvPr id="5" name="Title 4">
-            <a:extLst>
-              <a:ext uri="{FF2B5EF4-FFF2-40B4-BE49-F238E27FC236}">
-                <a16:creationId xmlns:a16="http://schemas.microsoft.com/office/drawing/2014/main" id="{7F7AA2D0-FBE7-48F9-B0D6-1F9CD8F3F03D}"/>
-              </a:ext>
-            </a:extLst>
-          </p:cNvPr>
-          <p:cNvSpPr>
-            <a:spLocks noGrp="1"/>
-          </p:cNvSpPr>
-          <p:nvPr>
-            <p:ph type="title"/>
-          </p:nvPr>
-        </p:nvSpPr>
-        <p:spPr/>
-        <p:txBody>
-          <a:bodyPr/>
-          <a:lstStyle/>
-          <a:p>
-            <a:r>
-              <a:rPr lang="en-AU" dirty="0"/>
-              <a:t>Why now?</a:t>
-            </a:r>
-          </a:p>
-        </p:txBody>
-      </p:sp>
-      <p:sp>
-        <p:nvSpPr>
-          <p:cNvPr id="6" name="Text Placeholder 5">
-            <a:extLst>
-              <a:ext uri="{FF2B5EF4-FFF2-40B4-BE49-F238E27FC236}">
-                <a16:creationId xmlns:a16="http://schemas.microsoft.com/office/drawing/2014/main" id="{37973B2E-1DA5-42B8-A96A-23CD4F921B70}"/>
-              </a:ext>
-            </a:extLst>
-          </p:cNvPr>
-          <p:cNvSpPr>
-            <a:spLocks noGrp="1"/>
-          </p:cNvSpPr>
-          <p:nvPr>
-            <p:ph type="body" idx="1"/>
-          </p:nvPr>
-        </p:nvSpPr>
-        <p:spPr/>
-        <p:txBody>
-          <a:bodyPr/>
-          <a:lstStyle/>
-          <a:p>
-            <a:endParaRPr lang="en-AU"/>
-          </a:p>
-        </p:txBody>
-      </p:sp>
-    </p:spTree>
-    <p:extLst>
-      <p:ext uri="{BB962C8B-B14F-4D97-AF65-F5344CB8AC3E}">
-        <p14:creationId xmlns:p14="http://schemas.microsoft.com/office/powerpoint/2010/main" val="180669404"/>
-      </p:ext>
-    </p:extLst>
-  </p:cSld>
-  <p:clrMapOvr>
-    <a:masterClrMapping/>
-  </p:clrMapOvr>
-</p:sld>
-</file>
-
 <file path=ppt/slides/slide9.xml><?xml version="1.0" encoding="utf-8"?>
 <p:sld xmlns:a="http://schemas.openxmlformats.org/drawingml/2006/main" xmlns:r="http://schemas.openxmlformats.org/officeDocument/2006/relationships" xmlns:p="http://schemas.openxmlformats.org/presentationml/2006/main">
   <p:cSld>
@@ -8639,40 +8759,63 @@
           <a:chExt cx="0" cy="0"/>
         </a:xfrm>
       </p:grpSpPr>
-      <p:pic>
-        <p:nvPicPr>
-          <p:cNvPr id="6" name="Picture 5">
-            <a:extLst>
-              <a:ext uri="{FF2B5EF4-FFF2-40B4-BE49-F238E27FC236}">
-                <a16:creationId xmlns:a16="http://schemas.microsoft.com/office/drawing/2014/main" id="{C60CC1B5-74AB-4178-96A7-820F60D45824}"/>
-              </a:ext>
-            </a:extLst>
-          </p:cNvPr>
-          <p:cNvPicPr>
-            <a:picLocks noChangeAspect="1"/>
-          </p:cNvPicPr>
-          <p:nvPr/>
-        </p:nvPicPr>
-        <p:blipFill>
-          <a:blip r:embed="rId3"/>
-          <a:stretch>
-            <a:fillRect/>
-          </a:stretch>
-        </p:blipFill>
-        <p:spPr>
-          <a:xfrm>
-            <a:off x="585787" y="1528762"/>
-            <a:ext cx="11020425" cy="3800475"/>
-          </a:xfrm>
-          <a:prstGeom prst="rect">
-            <a:avLst/>
-          </a:prstGeom>
-        </p:spPr>
-      </p:pic>
+      <p:sp>
+        <p:nvSpPr>
+          <p:cNvPr id="5" name="Title 4">
+            <a:extLst>
+              <a:ext uri="{FF2B5EF4-FFF2-40B4-BE49-F238E27FC236}">
+                <a16:creationId xmlns:a16="http://schemas.microsoft.com/office/drawing/2014/main" id="{7F7AA2D0-FBE7-48F9-B0D6-1F9CD8F3F03D}"/>
+              </a:ext>
+            </a:extLst>
+          </p:cNvPr>
+          <p:cNvSpPr>
+            <a:spLocks noGrp="1"/>
+          </p:cNvSpPr>
+          <p:nvPr>
+            <p:ph type="title"/>
+          </p:nvPr>
+        </p:nvSpPr>
+        <p:spPr/>
+        <p:txBody>
+          <a:bodyPr/>
+          <a:lstStyle/>
+          <a:p>
+            <a:r>
+              <a:rPr lang="en-AU" dirty="0"/>
+              <a:t>Why now?</a:t>
+            </a:r>
+          </a:p>
+        </p:txBody>
+      </p:sp>
+      <p:sp>
+        <p:nvSpPr>
+          <p:cNvPr id="6" name="Text Placeholder 5">
+            <a:extLst>
+              <a:ext uri="{FF2B5EF4-FFF2-40B4-BE49-F238E27FC236}">
+                <a16:creationId xmlns:a16="http://schemas.microsoft.com/office/drawing/2014/main" id="{37973B2E-1DA5-42B8-A96A-23CD4F921B70}"/>
+              </a:ext>
+            </a:extLst>
+          </p:cNvPr>
+          <p:cNvSpPr>
+            <a:spLocks noGrp="1"/>
+          </p:cNvSpPr>
+          <p:nvPr>
+            <p:ph type="body" idx="1"/>
+          </p:nvPr>
+        </p:nvSpPr>
+        <p:spPr/>
+        <p:txBody>
+          <a:bodyPr/>
+          <a:lstStyle/>
+          <a:p>
+            <a:endParaRPr lang="en-AU"/>
+          </a:p>
+        </p:txBody>
+      </p:sp>
     </p:spTree>
     <p:extLst>
       <p:ext uri="{BB962C8B-B14F-4D97-AF65-F5344CB8AC3E}">
-        <p14:creationId xmlns:p14="http://schemas.microsoft.com/office/powerpoint/2010/main" val="882670753"/>
+        <p14:creationId xmlns:p14="http://schemas.microsoft.com/office/powerpoint/2010/main" val="180669404"/>
       </p:ext>
     </p:extLst>
   </p:cSld>

--- a/Chatbots!.pptx
+++ b/Chatbots!.pptx
@@ -5,7 +5,7 @@
     <p:sldMasterId id="2147483648" r:id="rId1"/>
   </p:sldMasterIdLst>
   <p:notesMasterIdLst>
-    <p:notesMasterId r:id="rId29"/>
+    <p:notesMasterId r:id="rId31"/>
   </p:notesMasterIdLst>
   <p:sldIdLst>
     <p:sldId id="256" r:id="rId2"/>
@@ -15,26 +15,28 @@
     <p:sldId id="285" r:id="rId6"/>
     <p:sldId id="262" r:id="rId7"/>
     <p:sldId id="263" r:id="rId8"/>
-    <p:sldId id="272" r:id="rId9"/>
-    <p:sldId id="264" r:id="rId10"/>
-    <p:sldId id="265" r:id="rId11"/>
-    <p:sldId id="271" r:id="rId12"/>
-    <p:sldId id="270" r:id="rId13"/>
-    <p:sldId id="266" r:id="rId14"/>
-    <p:sldId id="267" r:id="rId15"/>
-    <p:sldId id="268" r:id="rId16"/>
-    <p:sldId id="273" r:id="rId17"/>
-    <p:sldId id="287" r:id="rId18"/>
-    <p:sldId id="276" r:id="rId19"/>
-    <p:sldId id="275" r:id="rId20"/>
-    <p:sldId id="286" r:id="rId21"/>
-    <p:sldId id="288" r:id="rId22"/>
-    <p:sldId id="277" r:id="rId23"/>
-    <p:sldId id="284" r:id="rId24"/>
+    <p:sldId id="264" r:id="rId9"/>
+    <p:sldId id="265" r:id="rId10"/>
+    <p:sldId id="271" r:id="rId11"/>
+    <p:sldId id="270" r:id="rId12"/>
+    <p:sldId id="266" r:id="rId13"/>
+    <p:sldId id="267" r:id="rId14"/>
+    <p:sldId id="268" r:id="rId15"/>
+    <p:sldId id="273" r:id="rId16"/>
+    <p:sldId id="287" r:id="rId17"/>
+    <p:sldId id="276" r:id="rId18"/>
+    <p:sldId id="275" r:id="rId19"/>
+    <p:sldId id="286" r:id="rId20"/>
+    <p:sldId id="288" r:id="rId21"/>
+    <p:sldId id="277" r:id="rId22"/>
+    <p:sldId id="284" r:id="rId23"/>
+    <p:sldId id="290" r:id="rId24"/>
     <p:sldId id="278" r:id="rId25"/>
     <p:sldId id="282" r:id="rId26"/>
     <p:sldId id="281" r:id="rId27"/>
     <p:sldId id="283" r:id="rId28"/>
+    <p:sldId id="291" r:id="rId29"/>
+    <p:sldId id="289" r:id="rId30"/>
   </p:sldIdLst>
   <p:sldSz cx="12192000" cy="6858000"/>
   <p:notesSz cx="6858000" cy="9144000"/>
@@ -227,7 +229,7 @@
           <a:p>
             <a:fld id="{3392CE13-405C-41BA-8D6C-4758DB22BCBB}" type="datetimeFigureOut">
               <a:rPr lang="en-AU" smtClean="0"/>
-              <a:t>23/07/2017</a:t>
+              <a:t>26/07/2017</a:t>
             </a:fld>
             <a:endParaRPr lang="en-AU"/>
           </a:p>
@@ -556,16 +558,6 @@
             <a:endParaRPr lang="en-AU" dirty="0"/>
           </a:p>
           <a:p>
-            <a:pPr marL="171450" indent="-171450">
-              <a:buFontTx/>
-              <a:buChar char="-"/>
-            </a:pPr>
-            <a:r>
-              <a:rPr lang="en-AU" dirty="0"/>
-              <a:t>First identified by Turing – origin of the Turing test</a:t>
-            </a:r>
-          </a:p>
-          <a:p>
             <a:endParaRPr lang="en-AU" dirty="0"/>
           </a:p>
         </p:txBody>
@@ -652,17 +644,20 @@
           <a:p>
             <a:r>
               <a:rPr lang="en-AU" dirty="0"/>
-              <a:t>Not all interactions are conversations!</a:t>
+              <a:t>Build once – same backend across web, iOS, Android etc.</a:t>
+            </a:r>
+          </a:p>
+          <a:p>
+            <a:r>
+              <a:rPr lang="en-AU" dirty="0"/>
+              <a:t>Very simple UI</a:t>
             </a:r>
           </a:p>
           <a:p>
             <a:endParaRPr lang="en-AU" dirty="0"/>
           </a:p>
           <a:p>
-            <a:r>
-              <a:rPr lang="en-AU" dirty="0"/>
-              <a:t>NO:</a:t>
-            </a:r>
+            <a:endParaRPr lang="en-AU" dirty="0"/>
           </a:p>
         </p:txBody>
       </p:sp>
@@ -683,7 +678,7 @@
           <a:p>
             <a:fld id="{1D2B8478-9C36-4076-AFB2-BC803E1CDF2C}" type="slidenum">
               <a:rPr lang="en-AU" smtClean="0"/>
-              <a:t>23</a:t>
+              <a:t>19</a:t>
             </a:fld>
             <a:endParaRPr lang="en-AU"/>
           </a:p>
@@ -692,7 +687,7 @@
     </p:spTree>
     <p:extLst>
       <p:ext uri="{BB962C8B-B14F-4D97-AF65-F5344CB8AC3E}">
-        <p14:creationId xmlns:p14="http://schemas.microsoft.com/office/powerpoint/2010/main" val="3199502146"/>
+        <p14:creationId xmlns:p14="http://schemas.microsoft.com/office/powerpoint/2010/main" val="2998459390"/>
       </p:ext>
     </p:extLst>
   </p:cSld>
@@ -748,7 +743,16 @@
           <a:p>
             <a:r>
               <a:rPr lang="en-AU" dirty="0"/>
-              <a:t>Current digital assistants are all female – perpetuating a social norm about</a:t>
+              <a:t>Not all interactions are conversations!</a:t>
+            </a:r>
+          </a:p>
+          <a:p>
+            <a:endParaRPr lang="en-AU" dirty="0"/>
+          </a:p>
+          <a:p>
+            <a:r>
+              <a:rPr lang="en-AU" dirty="0"/>
+              <a:t>NO:</a:t>
             </a:r>
           </a:p>
         </p:txBody>
@@ -770,7 +774,7 @@
           <a:p>
             <a:fld id="{1D2B8478-9C36-4076-AFB2-BC803E1CDF2C}" type="slidenum">
               <a:rPr lang="en-AU" smtClean="0"/>
-              <a:t>24</a:t>
+              <a:t>22</a:t>
             </a:fld>
             <a:endParaRPr lang="en-AU"/>
           </a:p>
@@ -779,7 +783,7 @@
     </p:spTree>
     <p:extLst>
       <p:ext uri="{BB962C8B-B14F-4D97-AF65-F5344CB8AC3E}">
-        <p14:creationId xmlns:p14="http://schemas.microsoft.com/office/powerpoint/2010/main" val="475886587"/>
+        <p14:creationId xmlns:p14="http://schemas.microsoft.com/office/powerpoint/2010/main" val="3199502146"/>
       </p:ext>
     </p:extLst>
   </p:cSld>
@@ -835,7 +839,7 @@
           <a:p>
             <a:r>
               <a:rPr lang="en-AU" dirty="0"/>
-              <a:t>People will try to hook up with your bot.</a:t>
+              <a:t>Current digital assistants are all female – perpetuating a social norm about</a:t>
             </a:r>
           </a:p>
         </p:txBody>
@@ -857,7 +861,7 @@
           <a:p>
             <a:fld id="{1D2B8478-9C36-4076-AFB2-BC803E1CDF2C}" type="slidenum">
               <a:rPr lang="en-AU" smtClean="0"/>
-              <a:t>26</a:t>
+              <a:t>24</a:t>
             </a:fld>
             <a:endParaRPr lang="en-AU"/>
           </a:p>
@@ -866,7 +870,7 @@
     </p:spTree>
     <p:extLst>
       <p:ext uri="{BB962C8B-B14F-4D97-AF65-F5344CB8AC3E}">
-        <p14:creationId xmlns:p14="http://schemas.microsoft.com/office/powerpoint/2010/main" val="4106814891"/>
+        <p14:creationId xmlns:p14="http://schemas.microsoft.com/office/powerpoint/2010/main" val="475886587"/>
       </p:ext>
     </p:extLst>
   </p:cSld>
@@ -922,7 +926,114 @@
           <a:p>
             <a:r>
               <a:rPr lang="en-AU" dirty="0"/>
-              <a:t>“Rails” are pre-set conversation paths - NLP is syntactical analysis of free text input</a:t>
+              <a:t>People will try to hook up with your bot.</a:t>
+            </a:r>
+          </a:p>
+        </p:txBody>
+      </p:sp>
+      <p:sp>
+        <p:nvSpPr>
+          <p:cNvPr id="4" name="Slide Number Placeholder 3"/>
+          <p:cNvSpPr>
+            <a:spLocks noGrp="1"/>
+          </p:cNvSpPr>
+          <p:nvPr>
+            <p:ph type="sldNum" sz="quarter" idx="10"/>
+          </p:nvPr>
+        </p:nvSpPr>
+        <p:spPr/>
+        <p:txBody>
+          <a:bodyPr/>
+          <a:lstStyle/>
+          <a:p>
+            <a:fld id="{1D2B8478-9C36-4076-AFB2-BC803E1CDF2C}" type="slidenum">
+              <a:rPr lang="en-AU" smtClean="0"/>
+              <a:t>26</a:t>
+            </a:fld>
+            <a:endParaRPr lang="en-AU"/>
+          </a:p>
+        </p:txBody>
+      </p:sp>
+    </p:spTree>
+    <p:extLst>
+      <p:ext uri="{BB962C8B-B14F-4D97-AF65-F5344CB8AC3E}">
+        <p14:creationId xmlns:p14="http://schemas.microsoft.com/office/powerpoint/2010/main" val="4106814891"/>
+      </p:ext>
+    </p:extLst>
+  </p:cSld>
+  <p:clrMapOvr>
+    <a:masterClrMapping/>
+  </p:clrMapOvr>
+</p:notes>
+</file>
+
+<file path=ppt/notesSlides/notesSlide14.xml><?xml version="1.0" encoding="utf-8"?>
+<p:notes xmlns:a="http://schemas.openxmlformats.org/drawingml/2006/main" xmlns:r="http://schemas.openxmlformats.org/officeDocument/2006/relationships" xmlns:p="http://schemas.openxmlformats.org/presentationml/2006/main">
+  <p:cSld>
+    <p:spTree>
+      <p:nvGrpSpPr>
+        <p:cNvPr id="1" name=""/>
+        <p:cNvGrpSpPr/>
+        <p:nvPr/>
+      </p:nvGrpSpPr>
+      <p:grpSpPr>
+        <a:xfrm>
+          <a:off x="0" y="0"/>
+          <a:ext cx="0" cy="0"/>
+          <a:chOff x="0" y="0"/>
+          <a:chExt cx="0" cy="0"/>
+        </a:xfrm>
+      </p:grpSpPr>
+      <p:sp>
+        <p:nvSpPr>
+          <p:cNvPr id="2" name="Slide Image Placeholder 1"/>
+          <p:cNvSpPr>
+            <a:spLocks noGrp="1" noRot="1" noChangeAspect="1"/>
+          </p:cNvSpPr>
+          <p:nvPr>
+            <p:ph type="sldImg"/>
+          </p:nvPr>
+        </p:nvSpPr>
+        <p:spPr/>
+      </p:sp>
+      <p:sp>
+        <p:nvSpPr>
+          <p:cNvPr id="3" name="Notes Placeholder 2"/>
+          <p:cNvSpPr>
+            <a:spLocks noGrp="1"/>
+          </p:cNvSpPr>
+          <p:nvPr>
+            <p:ph type="body" idx="1"/>
+          </p:nvPr>
+        </p:nvSpPr>
+        <p:spPr/>
+        <p:txBody>
+          <a:bodyPr/>
+          <a:lstStyle/>
+          <a:p>
+            <a:r>
+              <a:rPr lang="en-AU" dirty="0"/>
+              <a:t>“Rails” are </a:t>
+            </a:r>
+            <a:r>
+              <a:rPr lang="en-AU" dirty="0" err="1"/>
+              <a:t>preset</a:t>
+            </a:r>
+            <a:r>
+              <a:rPr lang="en-AU" dirty="0"/>
+              <a:t> conversation paths</a:t>
+            </a:r>
+          </a:p>
+          <a:p>
+            <a:r>
+              <a:rPr lang="en-AU" dirty="0"/>
+              <a:t>NLP is syntactical analysis of free text input</a:t>
+            </a:r>
+          </a:p>
+          <a:p>
+            <a:r>
+              <a:rPr lang="en-AU" dirty="0"/>
+              <a:t>- Value for app is human expertise or value is in an automated task  &lt;- neither of these “require” NLP</a:t>
             </a:r>
           </a:p>
           <a:p>
@@ -1125,51 +1236,21 @@
           <a:lstStyle/>
           <a:p>
             <a:r>
-              <a:rPr lang="en-AU" sz="1200" b="0" i="0" kern="1200" dirty="0">
-                <a:solidFill>
-                  <a:schemeClr val="tx1"/>
-                </a:solidFill>
-                <a:effectLst/>
-                <a:latin typeface="+mn-lt"/>
-                <a:ea typeface="+mn-ea"/>
-                <a:cs typeface="+mn-cs"/>
-              </a:rPr>
-              <a:t>ELIZA: mock Rogerian psychotherapist</a:t>
-            </a:r>
+              <a:rPr lang="en-AU" dirty="0"/>
+              <a:t>Less structure as we move to the right</a:t>
+            </a:r>
+          </a:p>
+          <a:p>
+            <a:r>
+              <a:rPr lang="en-AU" dirty="0"/>
+              <a:t>Expensive and difficult as we move to the right</a:t>
+            </a:r>
+          </a:p>
+          <a:p>
             <a:endParaRPr lang="en-AU" dirty="0"/>
           </a:p>
           <a:p>
             <a:endParaRPr lang="en-AU" dirty="0"/>
-          </a:p>
-          <a:p>
-            <a:r>
-              <a:rPr lang="en-AU" dirty="0" err="1"/>
-              <a:t>Intetion</a:t>
-            </a:r>
-            <a:r>
-              <a:rPr lang="en-AU" dirty="0"/>
-              <a:t>-based agents:</a:t>
-            </a:r>
-          </a:p>
-          <a:p>
-            <a:pPr marL="971550" lvl="1" indent="-514350">
-              <a:buFont typeface="+mj-lt"/>
-              <a:buAutoNum type="arabicPeriod"/>
-            </a:pPr>
-            <a:r>
-              <a:rPr lang="en-AU" dirty="0"/>
-              <a:t>Identifying what the user wants the machine to do (the “intent”).</a:t>
-            </a:r>
-          </a:p>
-          <a:p>
-            <a:pPr marL="971550" lvl="1" indent="-514350">
-              <a:buFont typeface="+mj-lt"/>
-              <a:buAutoNum type="arabicPeriod"/>
-            </a:pPr>
-            <a:r>
-              <a:rPr lang="en-AU" dirty="0"/>
-              <a:t>Figuring out the details of the intent so the machine can take action.</a:t>
-            </a:r>
           </a:p>
           <a:p>
             <a:pPr marL="971550" lvl="1" indent="-514350">
@@ -1291,7 +1372,7 @@
           <a:p>
             <a:fld id="{1D2B8478-9C36-4076-AFB2-BC803E1CDF2C}" type="slidenum">
               <a:rPr lang="en-AU" smtClean="0"/>
-              <a:t>10</a:t>
+              <a:t>9</a:t>
             </a:fld>
             <a:endParaRPr lang="en-AU"/>
           </a:p>
@@ -1375,7 +1456,7 @@
           <a:p>
             <a:fld id="{1D2B8478-9C36-4076-AFB2-BC803E1CDF2C}" type="slidenum">
               <a:rPr lang="en-AU" smtClean="0"/>
-              <a:t>11</a:t>
+              <a:t>10</a:t>
             </a:fld>
             <a:endParaRPr lang="en-AU"/>
           </a:p>
@@ -1530,7 +1611,7 @@
           <a:p>
             <a:fld id="{1D2B8478-9C36-4076-AFB2-BC803E1CDF2C}" type="slidenum">
               <a:rPr lang="en-AU" smtClean="0"/>
-              <a:t>13</a:t>
+              <a:t>12</a:t>
             </a:fld>
             <a:endParaRPr lang="en-AU"/>
           </a:p>
@@ -1726,7 +1807,7 @@
           <a:p>
             <a:fld id="{1D2B8478-9C36-4076-AFB2-BC803E1CDF2C}" type="slidenum">
               <a:rPr lang="en-AU" smtClean="0"/>
-              <a:t>14</a:t>
+              <a:t>13</a:t>
             </a:fld>
             <a:endParaRPr lang="en-AU"/>
           </a:p>
@@ -1836,7 +1917,7 @@
           <a:p>
             <a:fld id="{1D2B8478-9C36-4076-AFB2-BC803E1CDF2C}" type="slidenum">
               <a:rPr lang="en-AU" smtClean="0"/>
-              <a:t>15</a:t>
+              <a:t>14</a:t>
             </a:fld>
             <a:endParaRPr lang="en-AU"/>
           </a:p>
@@ -1899,10 +1980,7 @@
           <a:bodyPr/>
           <a:lstStyle/>
           <a:p>
-            <a:r>
-              <a:rPr lang="en-AU" dirty="0"/>
-              <a:t>Can iterate and innovate fast. Much faster than traditional app development.</a:t>
-            </a:r>
+            <a:endParaRPr lang="en-AU" dirty="0"/>
           </a:p>
         </p:txBody>
       </p:sp>
@@ -1923,7 +2001,7 @@
           <a:p>
             <a:fld id="{1D2B8478-9C36-4076-AFB2-BC803E1CDF2C}" type="slidenum">
               <a:rPr lang="en-AU" smtClean="0"/>
-              <a:t>18</a:t>
+              <a:t>17</a:t>
             </a:fld>
             <a:endParaRPr lang="en-AU"/>
           </a:p>
@@ -2007,7 +2085,7 @@
           <a:p>
             <a:fld id="{1D2B8478-9C36-4076-AFB2-BC803E1CDF2C}" type="slidenum">
               <a:rPr lang="en-AU" smtClean="0"/>
-              <a:t>19</a:t>
+              <a:t>18</a:t>
             </a:fld>
             <a:endParaRPr lang="en-AU"/>
           </a:p>
@@ -2175,7 +2253,7 @@
           <a:p>
             <a:fld id="{1ECA68B9-4691-40D0-B98B-1DA09131E5F3}" type="datetimeFigureOut">
               <a:rPr lang="en-AU" smtClean="0"/>
-              <a:t>23/07/2017</a:t>
+              <a:t>26/07/2017</a:t>
             </a:fld>
             <a:endParaRPr lang="en-AU"/>
           </a:p>
@@ -2375,7 +2453,7 @@
           <a:p>
             <a:fld id="{1ECA68B9-4691-40D0-B98B-1DA09131E5F3}" type="datetimeFigureOut">
               <a:rPr lang="en-AU" smtClean="0"/>
-              <a:t>23/07/2017</a:t>
+              <a:t>26/07/2017</a:t>
             </a:fld>
             <a:endParaRPr lang="en-AU"/>
           </a:p>
@@ -2620,7 +2698,7 @@
           <a:p>
             <a:fld id="{1ECA68B9-4691-40D0-B98B-1DA09131E5F3}" type="datetimeFigureOut">
               <a:rPr lang="en-AU" smtClean="0"/>
-              <a:t>23/07/2017</a:t>
+              <a:t>26/07/2017</a:t>
             </a:fld>
             <a:endParaRPr lang="en-AU"/>
           </a:p>
@@ -2855,7 +2933,7 @@
           <a:p>
             <a:fld id="{1ECA68B9-4691-40D0-B98B-1DA09131E5F3}" type="datetimeFigureOut">
               <a:rPr lang="en-AU" smtClean="0"/>
-              <a:t>23/07/2017</a:t>
+              <a:t>26/07/2017</a:t>
             </a:fld>
             <a:endParaRPr lang="en-AU"/>
           </a:p>
@@ -3166,7 +3244,7 @@
           <a:p>
             <a:fld id="{1ECA68B9-4691-40D0-B98B-1DA09131E5F3}" type="datetimeFigureOut">
               <a:rPr lang="en-AU" smtClean="0"/>
-              <a:t>23/07/2017</a:t>
+              <a:t>26/07/2017</a:t>
             </a:fld>
             <a:endParaRPr lang="en-AU"/>
           </a:p>
@@ -3469,7 +3547,7 @@
           <a:p>
             <a:fld id="{1ECA68B9-4691-40D0-B98B-1DA09131E5F3}" type="datetimeFigureOut">
               <a:rPr lang="en-AU" smtClean="0"/>
-              <a:t>23/07/2017</a:t>
+              <a:t>26/07/2017</a:t>
             </a:fld>
             <a:endParaRPr lang="en-AU"/>
           </a:p>
@@ -3919,7 +3997,7 @@
           <a:p>
             <a:fld id="{1ECA68B9-4691-40D0-B98B-1DA09131E5F3}" type="datetimeFigureOut">
               <a:rPr lang="en-AU" smtClean="0"/>
-              <a:t>23/07/2017</a:t>
+              <a:t>26/07/2017</a:t>
             </a:fld>
             <a:endParaRPr lang="en-AU"/>
           </a:p>
@@ -4096,7 +4174,7 @@
           <a:p>
             <a:fld id="{1ECA68B9-4691-40D0-B98B-1DA09131E5F3}" type="datetimeFigureOut">
               <a:rPr lang="en-AU" smtClean="0"/>
-              <a:t>23/07/2017</a:t>
+              <a:t>26/07/2017</a:t>
             </a:fld>
             <a:endParaRPr lang="en-AU"/>
           </a:p>
@@ -4244,7 +4322,7 @@
           <a:p>
             <a:fld id="{1ECA68B9-4691-40D0-B98B-1DA09131E5F3}" type="datetimeFigureOut">
               <a:rPr lang="en-AU" smtClean="0"/>
-              <a:t>23/07/2017</a:t>
+              <a:t>26/07/2017</a:t>
             </a:fld>
             <a:endParaRPr lang="en-AU"/>
           </a:p>
@@ -4592,7 +4670,7 @@
           <a:p>
             <a:fld id="{1ECA68B9-4691-40D0-B98B-1DA09131E5F3}" type="datetimeFigureOut">
               <a:rPr lang="en-AU" smtClean="0"/>
-              <a:t>23/07/2017</a:t>
+              <a:t>26/07/2017</a:t>
             </a:fld>
             <a:endParaRPr lang="en-AU"/>
           </a:p>
@@ -4916,7 +4994,7 @@
           <a:p>
             <a:fld id="{1ECA68B9-4691-40D0-B98B-1DA09131E5F3}" type="datetimeFigureOut">
               <a:rPr lang="en-AU" smtClean="0"/>
-              <a:t>23/07/2017</a:t>
+              <a:t>26/07/2017</a:t>
             </a:fld>
             <a:endParaRPr lang="en-AU"/>
           </a:p>
@@ -5194,7 +5272,7 @@
           <a:p>
             <a:fld id="{1ECA68B9-4691-40D0-B98B-1DA09131E5F3}" type="datetimeFigureOut">
               <a:rPr lang="en-AU" smtClean="0"/>
-              <a:t>23/07/2017</a:t>
+              <a:t>26/07/2017</a:t>
             </a:fld>
             <a:endParaRPr lang="en-AU"/>
           </a:p>
@@ -5713,40 +5791,56 @@
           <a:chExt cx="0" cy="0"/>
         </a:xfrm>
       </p:grpSpPr>
-      <p:pic>
-        <p:nvPicPr>
-          <p:cNvPr id="6" name="Picture 5">
-            <a:extLst>
-              <a:ext uri="{FF2B5EF4-FFF2-40B4-BE49-F238E27FC236}">
-                <a16:creationId xmlns:a16="http://schemas.microsoft.com/office/drawing/2014/main" id="{C60CC1B5-74AB-4178-96A7-820F60D45824}"/>
-              </a:ext>
-            </a:extLst>
-          </p:cNvPr>
-          <p:cNvPicPr>
-            <a:picLocks noChangeAspect="1"/>
-          </p:cNvPicPr>
-          <p:nvPr/>
-        </p:nvPicPr>
-        <p:blipFill>
-          <a:blip r:embed="rId3"/>
-          <a:stretch>
-            <a:fillRect/>
-          </a:stretch>
-        </p:blipFill>
+      <p:sp>
+        <p:nvSpPr>
+          <p:cNvPr id="3" name="Content Placeholder 2">
+            <a:extLst>
+              <a:ext uri="{FF2B5EF4-FFF2-40B4-BE49-F238E27FC236}">
+                <a16:creationId xmlns:a16="http://schemas.microsoft.com/office/drawing/2014/main" id="{98D023C3-1634-44CD-B423-9E8CABA4EC71}"/>
+              </a:ext>
+            </a:extLst>
+          </p:cNvPr>
+          <p:cNvSpPr>
+            <a:spLocks noGrp="1"/>
+          </p:cNvSpPr>
+          <p:nvPr>
+            <p:ph idx="1"/>
+          </p:nvPr>
+        </p:nvSpPr>
         <p:spPr>
           <a:xfrm>
-            <a:off x="585787" y="1528762"/>
-            <a:ext cx="11020425" cy="3800475"/>
+            <a:off x="838200" y="487680"/>
+            <a:ext cx="10515600" cy="5689283"/>
           </a:xfrm>
-          <a:prstGeom prst="rect">
-            <a:avLst/>
-          </a:prstGeom>
         </p:spPr>
-      </p:pic>
+        <p:txBody>
+          <a:bodyPr anchor="ctr"/>
+          <a:lstStyle/>
+          <a:p>
+            <a:pPr marL="0" indent="0" algn="ctr">
+              <a:buNone/>
+            </a:pPr>
+            <a:r>
+              <a:rPr lang="en-AU" i="1" dirty="0"/>
+              <a:t>“Chatbots will fundamentally revolutionize how computing is experienced by everybody.” </a:t>
+            </a:r>
+          </a:p>
+          <a:p>
+            <a:pPr marL="0" indent="0" algn="ctr">
+              <a:buNone/>
+            </a:pPr>
+            <a:r>
+              <a:rPr lang="en-AU" i="1" dirty="0"/>
+              <a:t>				— Satya Nadella, Microsoft CEO</a:t>
+            </a:r>
+            <a:endParaRPr lang="en-AU" dirty="0"/>
+          </a:p>
+        </p:txBody>
+      </p:sp>
     </p:spTree>
     <p:extLst>
       <p:ext uri="{BB962C8B-B14F-4D97-AF65-F5344CB8AC3E}">
-        <p14:creationId xmlns:p14="http://schemas.microsoft.com/office/powerpoint/2010/main" val="882670753"/>
+        <p14:creationId xmlns:p14="http://schemas.microsoft.com/office/powerpoint/2010/main" val="1234573341"/>
       </p:ext>
     </p:extLst>
   </p:cSld>
@@ -5775,82 +5869,6 @@
       </p:grpSpPr>
       <p:sp>
         <p:nvSpPr>
-          <p:cNvPr id="3" name="Content Placeholder 2">
-            <a:extLst>
-              <a:ext uri="{FF2B5EF4-FFF2-40B4-BE49-F238E27FC236}">
-                <a16:creationId xmlns:a16="http://schemas.microsoft.com/office/drawing/2014/main" id="{98D023C3-1634-44CD-B423-9E8CABA4EC71}"/>
-              </a:ext>
-            </a:extLst>
-          </p:cNvPr>
-          <p:cNvSpPr>
-            <a:spLocks noGrp="1"/>
-          </p:cNvSpPr>
-          <p:nvPr>
-            <p:ph idx="1"/>
-          </p:nvPr>
-        </p:nvSpPr>
-        <p:spPr>
-          <a:xfrm>
-            <a:off x="838200" y="487680"/>
-            <a:ext cx="10515600" cy="5689283"/>
-          </a:xfrm>
-        </p:spPr>
-        <p:txBody>
-          <a:bodyPr anchor="ctr"/>
-          <a:lstStyle/>
-          <a:p>
-            <a:pPr marL="0" indent="0" algn="ctr">
-              <a:buNone/>
-            </a:pPr>
-            <a:r>
-              <a:rPr lang="en-AU" i="1" dirty="0"/>
-              <a:t>“Chatbots will fundamentally revolutionize how computing is experienced by everybody.” </a:t>
-            </a:r>
-          </a:p>
-          <a:p>
-            <a:pPr marL="0" indent="0" algn="ctr">
-              <a:buNone/>
-            </a:pPr>
-            <a:r>
-              <a:rPr lang="en-AU" i="1" dirty="0"/>
-              <a:t>				— Satya Nadella, Microsoft CEO</a:t>
-            </a:r>
-            <a:endParaRPr lang="en-AU" dirty="0"/>
-          </a:p>
-        </p:txBody>
-      </p:sp>
-    </p:spTree>
-    <p:extLst>
-      <p:ext uri="{BB962C8B-B14F-4D97-AF65-F5344CB8AC3E}">
-        <p14:creationId xmlns:p14="http://schemas.microsoft.com/office/powerpoint/2010/main" val="1234573341"/>
-      </p:ext>
-    </p:extLst>
-  </p:cSld>
-  <p:clrMapOvr>
-    <a:masterClrMapping/>
-  </p:clrMapOvr>
-</p:sld>
-</file>
-
-<file path=ppt/slides/slide12.xml><?xml version="1.0" encoding="utf-8"?>
-<p:sld xmlns:a="http://schemas.openxmlformats.org/drawingml/2006/main" xmlns:r="http://schemas.openxmlformats.org/officeDocument/2006/relationships" xmlns:p="http://schemas.openxmlformats.org/presentationml/2006/main">
-  <p:cSld>
-    <p:spTree>
-      <p:nvGrpSpPr>
-        <p:cNvPr id="1" name=""/>
-        <p:cNvGrpSpPr/>
-        <p:nvPr/>
-      </p:nvGrpSpPr>
-      <p:grpSpPr>
-        <a:xfrm>
-          <a:off x="0" y="0"/>
-          <a:ext cx="0" cy="0"/>
-          <a:chOff x="0" y="0"/>
-          <a:chExt cx="0" cy="0"/>
-        </a:xfrm>
-      </p:grpSpPr>
-      <p:sp>
-        <p:nvSpPr>
           <p:cNvPr id="2" name="Title 1">
             <a:extLst>
               <a:ext uri="{FF2B5EF4-FFF2-40B4-BE49-F238E27FC236}">
@@ -5956,7 +5974,7 @@
 </p:sld>
 </file>
 
-<file path=ppt/slides/slide13.xml><?xml version="1.0" encoding="utf-8"?>
+<file path=ppt/slides/slide12.xml><?xml version="1.0" encoding="utf-8"?>
 <p:sld xmlns:a="http://schemas.openxmlformats.org/drawingml/2006/main" xmlns:r="http://schemas.openxmlformats.org/officeDocument/2006/relationships" xmlns:p="http://schemas.openxmlformats.org/presentationml/2006/main">
   <p:cSld>
     <p:spTree>
@@ -6033,7 +6051,7 @@
 </p:sld>
 </file>
 
-<file path=ppt/slides/slide14.xml><?xml version="1.0" encoding="utf-8"?>
+<file path=ppt/slides/slide13.xml><?xml version="1.0" encoding="utf-8"?>
 <p:sld xmlns:a="http://schemas.openxmlformats.org/drawingml/2006/main" xmlns:r="http://schemas.openxmlformats.org/officeDocument/2006/relationships" xmlns:p="http://schemas.openxmlformats.org/presentationml/2006/main">
   <p:cSld>
     <p:spTree>
@@ -6110,7 +6128,7 @@
 </p:sld>
 </file>
 
-<file path=ppt/slides/slide15.xml><?xml version="1.0" encoding="utf-8"?>
+<file path=ppt/slides/slide14.xml><?xml version="1.0" encoding="utf-8"?>
 <p:sld xmlns:a="http://schemas.openxmlformats.org/drawingml/2006/main" xmlns:r="http://schemas.openxmlformats.org/officeDocument/2006/relationships" xmlns:p="http://schemas.openxmlformats.org/presentationml/2006/main">
   <p:cSld>
     <p:spTree>
@@ -6285,6 +6303,89 @@
 </p:sld>
 </file>
 
+<file path=ppt/slides/slide15.xml><?xml version="1.0" encoding="utf-8"?>
+<p:sld xmlns:a="http://schemas.openxmlformats.org/drawingml/2006/main" xmlns:r="http://schemas.openxmlformats.org/officeDocument/2006/relationships" xmlns:p="http://schemas.openxmlformats.org/presentationml/2006/main">
+  <p:cSld>
+    <p:spTree>
+      <p:nvGrpSpPr>
+        <p:cNvPr id="1" name=""/>
+        <p:cNvGrpSpPr/>
+        <p:nvPr/>
+      </p:nvGrpSpPr>
+      <p:grpSpPr>
+        <a:xfrm>
+          <a:off x="0" y="0"/>
+          <a:ext cx="0" cy="0"/>
+          <a:chOff x="0" y="0"/>
+          <a:chExt cx="0" cy="0"/>
+        </a:xfrm>
+      </p:grpSpPr>
+      <p:sp>
+        <p:nvSpPr>
+          <p:cNvPr id="5" name="Title 4">
+            <a:extLst>
+              <a:ext uri="{FF2B5EF4-FFF2-40B4-BE49-F238E27FC236}">
+                <a16:creationId xmlns:a16="http://schemas.microsoft.com/office/drawing/2014/main" id="{CED5D5AC-CD20-4057-A569-92AAE7E8013A}"/>
+              </a:ext>
+            </a:extLst>
+          </p:cNvPr>
+          <p:cNvSpPr>
+            <a:spLocks noGrp="1"/>
+          </p:cNvSpPr>
+          <p:nvPr>
+            <p:ph type="title"/>
+          </p:nvPr>
+        </p:nvSpPr>
+        <p:spPr/>
+        <p:txBody>
+          <a:bodyPr/>
+          <a:lstStyle/>
+          <a:p>
+            <a:r>
+              <a:rPr lang="en-AU" dirty="0"/>
+              <a:t>Opportunities</a:t>
+            </a:r>
+          </a:p>
+        </p:txBody>
+      </p:sp>
+      <p:sp>
+        <p:nvSpPr>
+          <p:cNvPr id="6" name="Text Placeholder 5">
+            <a:extLst>
+              <a:ext uri="{FF2B5EF4-FFF2-40B4-BE49-F238E27FC236}">
+                <a16:creationId xmlns:a16="http://schemas.microsoft.com/office/drawing/2014/main" id="{767362A1-F889-4FF9-96D3-29CC9B204536}"/>
+              </a:ext>
+            </a:extLst>
+          </p:cNvPr>
+          <p:cNvSpPr>
+            <a:spLocks noGrp="1"/>
+          </p:cNvSpPr>
+          <p:nvPr>
+            <p:ph type="body" idx="1"/>
+          </p:nvPr>
+        </p:nvSpPr>
+        <p:spPr/>
+        <p:txBody>
+          <a:bodyPr/>
+          <a:lstStyle/>
+          <a:p>
+            <a:endParaRPr lang="en-AU"/>
+          </a:p>
+        </p:txBody>
+      </p:sp>
+    </p:spTree>
+    <p:extLst>
+      <p:ext uri="{BB962C8B-B14F-4D97-AF65-F5344CB8AC3E}">
+        <p14:creationId xmlns:p14="http://schemas.microsoft.com/office/powerpoint/2010/main" val="2575848382"/>
+      </p:ext>
+    </p:extLst>
+  </p:cSld>
+  <p:clrMapOvr>
+    <a:masterClrMapping/>
+  </p:clrMapOvr>
+</p:sld>
+</file>
+
 <file path=ppt/slides/slide16.xml><?xml version="1.0" encoding="utf-8"?>
 <p:sld xmlns:a="http://schemas.openxmlformats.org/drawingml/2006/main" xmlns:r="http://schemas.openxmlformats.org/officeDocument/2006/relationships" xmlns:p="http://schemas.openxmlformats.org/presentationml/2006/main">
   <p:cSld>
@@ -6304,10 +6405,10 @@
       </p:grpSpPr>
       <p:sp>
         <p:nvSpPr>
-          <p:cNvPr id="5" name="Title 4">
-            <a:extLst>
-              <a:ext uri="{FF2B5EF4-FFF2-40B4-BE49-F238E27FC236}">
-                <a16:creationId xmlns:a16="http://schemas.microsoft.com/office/drawing/2014/main" id="{CED5D5AC-CD20-4057-A569-92AAE7E8013A}"/>
+          <p:cNvPr id="2" name="Title 1">
+            <a:extLst>
+              <a:ext uri="{FF2B5EF4-FFF2-40B4-BE49-F238E27FC236}">
+                <a16:creationId xmlns:a16="http://schemas.microsoft.com/office/drawing/2014/main" id="{DFC36366-6FD7-42C5-9E07-111CABC1E1E9}"/>
               </a:ext>
             </a:extLst>
           </p:cNvPr>
@@ -6325,40 +6426,87 @@
           <a:p>
             <a:r>
               <a:rPr lang="en-AU" dirty="0"/>
-              <a:t>Opportunities</a:t>
-            </a:r>
-          </a:p>
-        </p:txBody>
-      </p:sp>
-      <p:sp>
-        <p:nvSpPr>
-          <p:cNvPr id="6" name="Text Placeholder 5">
-            <a:extLst>
-              <a:ext uri="{FF2B5EF4-FFF2-40B4-BE49-F238E27FC236}">
-                <a16:creationId xmlns:a16="http://schemas.microsoft.com/office/drawing/2014/main" id="{767362A1-F889-4FF9-96D3-29CC9B204536}"/>
-              </a:ext>
-            </a:extLst>
-          </p:cNvPr>
-          <p:cNvSpPr>
-            <a:spLocks noGrp="1"/>
-          </p:cNvSpPr>
-          <p:nvPr>
-            <p:ph type="body" idx="1"/>
-          </p:nvPr>
-        </p:nvSpPr>
-        <p:spPr/>
-        <p:txBody>
-          <a:bodyPr/>
-          <a:lstStyle/>
-          <a:p>
-            <a:endParaRPr lang="en-AU"/>
+              <a:t>Companies</a:t>
+            </a:r>
+          </a:p>
+        </p:txBody>
+      </p:sp>
+      <p:sp>
+        <p:nvSpPr>
+          <p:cNvPr id="3" name="Content Placeholder 2">
+            <a:extLst>
+              <a:ext uri="{FF2B5EF4-FFF2-40B4-BE49-F238E27FC236}">
+                <a16:creationId xmlns:a16="http://schemas.microsoft.com/office/drawing/2014/main" id="{DEBB4F40-EDA4-4C25-9A99-2B39ECDAB4A3}"/>
+              </a:ext>
+            </a:extLst>
+          </p:cNvPr>
+          <p:cNvSpPr>
+            <a:spLocks noGrp="1"/>
+          </p:cNvSpPr>
+          <p:nvPr>
+            <p:ph idx="1"/>
+          </p:nvPr>
+        </p:nvSpPr>
+        <p:spPr/>
+        <p:txBody>
+          <a:bodyPr/>
+          <a:lstStyle/>
+          <a:p>
+            <a:r>
+              <a:rPr lang="en-AU" dirty="0"/>
+              <a:t>Interact with brands </a:t>
+            </a:r>
+            <a:r>
+              <a:rPr lang="en-AU" u="sng" dirty="0"/>
+              <a:t>inside </a:t>
+            </a:r>
+            <a:r>
+              <a:rPr lang="en-AU" dirty="0"/>
+              <a:t>messaging apps</a:t>
+            </a:r>
+          </a:p>
+          <a:p>
+            <a:endParaRPr lang="en-AU" dirty="0"/>
+          </a:p>
+          <a:p>
+            <a:r>
+              <a:rPr lang="en-AU" dirty="0"/>
+              <a:t>Manage simple customer service requests</a:t>
+            </a:r>
+          </a:p>
+          <a:p>
+            <a:pPr lvl="1"/>
+            <a:r>
+              <a:rPr lang="en-AU" dirty="0"/>
+              <a:t>E.g. FAQ Generator</a:t>
+            </a:r>
+          </a:p>
+          <a:p>
+            <a:pPr lvl="1"/>
+            <a:endParaRPr lang="en-AU" dirty="0"/>
+          </a:p>
+          <a:p>
+            <a:r>
+              <a:rPr lang="en-AU" dirty="0"/>
+              <a:t>Automate tedious/repetitive tasks</a:t>
+            </a:r>
+          </a:p>
+          <a:p>
+            <a:pPr lvl="1"/>
+            <a:endParaRPr lang="en-AU" dirty="0"/>
+          </a:p>
+          <a:p>
+            <a:r>
+              <a:rPr lang="en-AU" dirty="0"/>
+              <a:t>Surface data from internal systems for employees</a:t>
+            </a:r>
           </a:p>
         </p:txBody>
       </p:sp>
     </p:spTree>
     <p:extLst>
       <p:ext uri="{BB962C8B-B14F-4D97-AF65-F5344CB8AC3E}">
-        <p14:creationId xmlns:p14="http://schemas.microsoft.com/office/powerpoint/2010/main" val="2575848382"/>
+        <p14:creationId xmlns:p14="http://schemas.microsoft.com/office/powerpoint/2010/main" val="1572674236"/>
       </p:ext>
     </p:extLst>
   </p:cSld>
@@ -6390,7 +6538,7 @@
           <p:cNvPr id="2" name="Title 1">
             <a:extLst>
               <a:ext uri="{FF2B5EF4-FFF2-40B4-BE49-F238E27FC236}">
-                <a16:creationId xmlns:a16="http://schemas.microsoft.com/office/drawing/2014/main" id="{DFC36366-6FD7-42C5-9E07-111CABC1E1E9}"/>
+                <a16:creationId xmlns:a16="http://schemas.microsoft.com/office/drawing/2014/main" id="{E4C3A25C-03E2-4E33-8782-3081E5602370}"/>
               </a:ext>
             </a:extLst>
           </p:cNvPr>
@@ -6408,137 +6556,7 @@
           <a:p>
             <a:r>
               <a:rPr lang="en-AU" dirty="0"/>
-              <a:t>Companies</a:t>
-            </a:r>
-          </a:p>
-        </p:txBody>
-      </p:sp>
-      <p:sp>
-        <p:nvSpPr>
-          <p:cNvPr id="3" name="Content Placeholder 2">
-            <a:extLst>
-              <a:ext uri="{FF2B5EF4-FFF2-40B4-BE49-F238E27FC236}">
-                <a16:creationId xmlns:a16="http://schemas.microsoft.com/office/drawing/2014/main" id="{DEBB4F40-EDA4-4C25-9A99-2B39ECDAB4A3}"/>
-              </a:ext>
-            </a:extLst>
-          </p:cNvPr>
-          <p:cNvSpPr>
-            <a:spLocks noGrp="1"/>
-          </p:cNvSpPr>
-          <p:nvPr>
-            <p:ph idx="1"/>
-          </p:nvPr>
-        </p:nvSpPr>
-        <p:spPr/>
-        <p:txBody>
-          <a:bodyPr/>
-          <a:lstStyle/>
-          <a:p>
-            <a:r>
-              <a:rPr lang="en-AU" dirty="0"/>
-              <a:t>Interact with brands </a:t>
-            </a:r>
-            <a:r>
-              <a:rPr lang="en-AU" u="sng" dirty="0"/>
-              <a:t>inside </a:t>
-            </a:r>
-            <a:r>
-              <a:rPr lang="en-AU" dirty="0"/>
-              <a:t>messaging apps</a:t>
-            </a:r>
-          </a:p>
-          <a:p>
-            <a:endParaRPr lang="en-AU" dirty="0"/>
-          </a:p>
-          <a:p>
-            <a:r>
-              <a:rPr lang="en-AU" dirty="0"/>
-              <a:t>Manage simple customer service requests</a:t>
-            </a:r>
-          </a:p>
-          <a:p>
-            <a:pPr lvl="1"/>
-            <a:r>
-              <a:rPr lang="en-AU" dirty="0"/>
-              <a:t>E.g. FAQ Generator</a:t>
-            </a:r>
-          </a:p>
-          <a:p>
-            <a:pPr lvl="1"/>
-            <a:endParaRPr lang="en-AU" dirty="0"/>
-          </a:p>
-          <a:p>
-            <a:r>
-              <a:rPr lang="en-AU" dirty="0"/>
-              <a:t>Automate tedious/repetitive tasks</a:t>
-            </a:r>
-          </a:p>
-          <a:p>
-            <a:pPr lvl="1"/>
-            <a:endParaRPr lang="en-AU" dirty="0"/>
-          </a:p>
-          <a:p>
-            <a:r>
-              <a:rPr lang="en-AU" dirty="0"/>
-              <a:t>Surface data from internal systems for employees</a:t>
-            </a:r>
-          </a:p>
-        </p:txBody>
-      </p:sp>
-    </p:spTree>
-    <p:extLst>
-      <p:ext uri="{BB962C8B-B14F-4D97-AF65-F5344CB8AC3E}">
-        <p14:creationId xmlns:p14="http://schemas.microsoft.com/office/powerpoint/2010/main" val="1572674236"/>
-      </p:ext>
-    </p:extLst>
-  </p:cSld>
-  <p:clrMapOvr>
-    <a:masterClrMapping/>
-  </p:clrMapOvr>
-</p:sld>
-</file>
-
-<file path=ppt/slides/slide18.xml><?xml version="1.0" encoding="utf-8"?>
-<p:sld xmlns:a="http://schemas.openxmlformats.org/drawingml/2006/main" xmlns:r="http://schemas.openxmlformats.org/officeDocument/2006/relationships" xmlns:p="http://schemas.openxmlformats.org/presentationml/2006/main">
-  <p:cSld>
-    <p:spTree>
-      <p:nvGrpSpPr>
-        <p:cNvPr id="1" name=""/>
-        <p:cNvGrpSpPr/>
-        <p:nvPr/>
-      </p:nvGrpSpPr>
-      <p:grpSpPr>
-        <a:xfrm>
-          <a:off x="0" y="0"/>
-          <a:ext cx="0" cy="0"/>
-          <a:chOff x="0" y="0"/>
-          <a:chExt cx="0" cy="0"/>
-        </a:xfrm>
-      </p:grpSpPr>
-      <p:sp>
-        <p:nvSpPr>
-          <p:cNvPr id="2" name="Title 1">
-            <a:extLst>
-              <a:ext uri="{FF2B5EF4-FFF2-40B4-BE49-F238E27FC236}">
-                <a16:creationId xmlns:a16="http://schemas.microsoft.com/office/drawing/2014/main" id="{E4C3A25C-03E2-4E33-8782-3081E5602370}"/>
-              </a:ext>
-            </a:extLst>
-          </p:cNvPr>
-          <p:cNvSpPr>
-            <a:spLocks noGrp="1"/>
-          </p:cNvSpPr>
-          <p:nvPr>
-            <p:ph type="title"/>
-          </p:nvPr>
-        </p:nvSpPr>
-        <p:spPr/>
-        <p:txBody>
-          <a:bodyPr/>
-          <a:lstStyle/>
-          <a:p>
-            <a:r>
-              <a:rPr lang="en-AU" dirty="0"/>
-              <a:t>Brands – Minimal Programming</a:t>
+              <a:t>Companies – Rapid Delivery</a:t>
             </a:r>
           </a:p>
         </p:txBody>
@@ -6603,7 +6621,7 @@
 </p:sld>
 </file>
 
-<file path=ppt/slides/slide19.xml><?xml version="1.0" encoding="utf-8"?>
+<file path=ppt/slides/slide18.xml><?xml version="1.0" encoding="utf-8"?>
 <p:sld xmlns:a="http://schemas.openxmlformats.org/drawingml/2006/main" xmlns:r="http://schemas.openxmlformats.org/officeDocument/2006/relationships" xmlns:p="http://schemas.openxmlformats.org/presentationml/2006/main">
   <p:cSld>
     <p:spTree>
@@ -6691,6 +6709,145 @@
 </p:sld>
 </file>
 
+<file path=ppt/slides/slide19.xml><?xml version="1.0" encoding="utf-8"?>
+<p:sld xmlns:a="http://schemas.openxmlformats.org/drawingml/2006/main" xmlns:r="http://schemas.openxmlformats.org/officeDocument/2006/relationships" xmlns:p="http://schemas.openxmlformats.org/presentationml/2006/main">
+  <p:cSld>
+    <p:spTree>
+      <p:nvGrpSpPr>
+        <p:cNvPr id="1" name=""/>
+        <p:cNvGrpSpPr/>
+        <p:nvPr/>
+      </p:nvGrpSpPr>
+      <p:grpSpPr>
+        <a:xfrm>
+          <a:off x="0" y="0"/>
+          <a:ext cx="0" cy="0"/>
+          <a:chOff x="0" y="0"/>
+          <a:chExt cx="0" cy="0"/>
+        </a:xfrm>
+      </p:grpSpPr>
+      <p:sp>
+        <p:nvSpPr>
+          <p:cNvPr id="4" name="Title 3">
+            <a:extLst>
+              <a:ext uri="{FF2B5EF4-FFF2-40B4-BE49-F238E27FC236}">
+                <a16:creationId xmlns:a16="http://schemas.microsoft.com/office/drawing/2014/main" id="{E84DAF49-D74E-462C-A42C-68A11656E97D}"/>
+              </a:ext>
+            </a:extLst>
+          </p:cNvPr>
+          <p:cNvSpPr>
+            <a:spLocks noGrp="1"/>
+          </p:cNvSpPr>
+          <p:nvPr>
+            <p:ph type="title"/>
+          </p:nvPr>
+        </p:nvSpPr>
+        <p:spPr/>
+        <p:txBody>
+          <a:bodyPr/>
+          <a:lstStyle/>
+          <a:p>
+            <a:r>
+              <a:rPr lang="en-AU" dirty="0"/>
+              <a:t>Developers</a:t>
+            </a:r>
+          </a:p>
+        </p:txBody>
+      </p:sp>
+      <p:sp>
+        <p:nvSpPr>
+          <p:cNvPr id="5" name="Content Placeholder 4">
+            <a:extLst>
+              <a:ext uri="{FF2B5EF4-FFF2-40B4-BE49-F238E27FC236}">
+                <a16:creationId xmlns:a16="http://schemas.microsoft.com/office/drawing/2014/main" id="{C98AD16A-E0C4-447C-B5EA-E3739FA2B8DE}"/>
+              </a:ext>
+            </a:extLst>
+          </p:cNvPr>
+          <p:cNvSpPr>
+            <a:spLocks noGrp="1"/>
+          </p:cNvSpPr>
+          <p:nvPr>
+            <p:ph idx="1"/>
+          </p:nvPr>
+        </p:nvSpPr>
+        <p:spPr/>
+        <p:txBody>
+          <a:bodyPr>
+            <a:normAutofit fontScale="92500" lnSpcReduction="20000"/>
+          </a:bodyPr>
+          <a:lstStyle/>
+          <a:p>
+            <a:endParaRPr lang="en-AU" dirty="0"/>
+          </a:p>
+          <a:p>
+            <a:r>
+              <a:rPr lang="en-AU" dirty="0"/>
+              <a:t>Actually Build Once (for a change)!</a:t>
+            </a:r>
+          </a:p>
+          <a:p>
+            <a:endParaRPr lang="en-AU" dirty="0"/>
+          </a:p>
+          <a:p>
+            <a:r>
+              <a:rPr lang="en-AU" dirty="0"/>
+              <a:t>Iterate quickly</a:t>
+            </a:r>
+          </a:p>
+          <a:p>
+            <a:endParaRPr lang="en-AU" dirty="0"/>
+          </a:p>
+          <a:p>
+            <a:r>
+              <a:rPr lang="en-AU" dirty="0"/>
+              <a:t>Distribute broadly</a:t>
+            </a:r>
+          </a:p>
+          <a:p>
+            <a:endParaRPr lang="en-AU" dirty="0"/>
+          </a:p>
+          <a:p>
+            <a:r>
+              <a:rPr lang="en-AU" dirty="0"/>
+              <a:t>Replace legacy LOB applications</a:t>
+            </a:r>
+          </a:p>
+          <a:p>
+            <a:endParaRPr lang="en-AU" dirty="0"/>
+          </a:p>
+          <a:p>
+            <a:r>
+              <a:rPr lang="en-AU" dirty="0"/>
+              <a:t>Extend using API’s</a:t>
+            </a:r>
+          </a:p>
+          <a:p>
+            <a:endParaRPr lang="en-AU" dirty="0"/>
+          </a:p>
+          <a:p>
+            <a:endParaRPr lang="en-AU" dirty="0"/>
+          </a:p>
+          <a:p>
+            <a:endParaRPr lang="en-AU" dirty="0"/>
+          </a:p>
+          <a:p>
+            <a:endParaRPr lang="en-AU" dirty="0"/>
+          </a:p>
+        </p:txBody>
+      </p:sp>
+    </p:spTree>
+    <p:extLst>
+      <p:ext uri="{BB962C8B-B14F-4D97-AF65-F5344CB8AC3E}">
+        <p14:creationId xmlns:p14="http://schemas.microsoft.com/office/powerpoint/2010/main" val="3085761006"/>
+      </p:ext>
+    </p:extLst>
+  </p:cSld>
+  <p:clrMapOvr>
+    <a:masterClrMapping/>
+  </p:clrMapOvr>
+</p:sld>
+</file>
+
 <file path=ppt/slides/slide2.xml><?xml version="1.0" encoding="utf-8"?>
 <p:sld xmlns:a="http://schemas.openxmlformats.org/drawingml/2006/main" xmlns:r="http://schemas.openxmlformats.org/officeDocument/2006/relationships" xmlns:p="http://schemas.openxmlformats.org/presentationml/2006/main">
   <p:cSld>
@@ -6826,97 +6983,44 @@
       </p:grpSpPr>
       <p:sp>
         <p:nvSpPr>
-          <p:cNvPr id="4" name="Title 3">
-            <a:extLst>
-              <a:ext uri="{FF2B5EF4-FFF2-40B4-BE49-F238E27FC236}">
-                <a16:creationId xmlns:a16="http://schemas.microsoft.com/office/drawing/2014/main" id="{E84DAF49-D74E-462C-A42C-68A11656E97D}"/>
-              </a:ext>
-            </a:extLst>
-          </p:cNvPr>
-          <p:cNvSpPr>
-            <a:spLocks noGrp="1"/>
-          </p:cNvSpPr>
-          <p:nvPr>
-            <p:ph type="title"/>
-          </p:nvPr>
-        </p:nvSpPr>
-        <p:spPr/>
-        <p:txBody>
-          <a:bodyPr/>
-          <a:lstStyle/>
-          <a:p>
-            <a:r>
-              <a:rPr lang="en-AU" dirty="0"/>
-              <a:t>Developers</a:t>
-            </a:r>
-          </a:p>
-        </p:txBody>
-      </p:sp>
-      <p:sp>
-        <p:nvSpPr>
-          <p:cNvPr id="5" name="Content Placeholder 4">
-            <a:extLst>
-              <a:ext uri="{FF2B5EF4-FFF2-40B4-BE49-F238E27FC236}">
-                <a16:creationId xmlns:a16="http://schemas.microsoft.com/office/drawing/2014/main" id="{C98AD16A-E0C4-447C-B5EA-E3739FA2B8DE}"/>
-              </a:ext>
-            </a:extLst>
-          </p:cNvPr>
-          <p:cNvSpPr>
-            <a:spLocks noGrp="1"/>
-          </p:cNvSpPr>
-          <p:nvPr>
-            <p:ph idx="1"/>
-          </p:nvPr>
-        </p:nvSpPr>
-        <p:spPr/>
-        <p:txBody>
-          <a:bodyPr/>
-          <a:lstStyle/>
-          <a:p>
-            <a:endParaRPr lang="en-AU" dirty="0"/>
-          </a:p>
-          <a:p>
-            <a:r>
-              <a:rPr lang="en-AU" dirty="0"/>
-              <a:t>Build Once!</a:t>
-            </a:r>
-          </a:p>
-          <a:p>
-            <a:endParaRPr lang="en-AU" dirty="0"/>
-          </a:p>
-          <a:p>
-            <a:r>
-              <a:rPr lang="en-AU" dirty="0"/>
-              <a:t>Replace legacy LOB applications</a:t>
-            </a:r>
-          </a:p>
-          <a:p>
-            <a:endParaRPr lang="en-AU" dirty="0"/>
-          </a:p>
-          <a:p>
-            <a:r>
-              <a:rPr lang="en-AU" dirty="0"/>
-              <a:t>Extend using API’s</a:t>
-            </a:r>
-          </a:p>
-          <a:p>
-            <a:endParaRPr lang="en-AU" dirty="0"/>
-          </a:p>
-          <a:p>
-            <a:endParaRPr lang="en-AU" dirty="0"/>
-          </a:p>
-          <a:p>
-            <a:endParaRPr lang="en-AU" dirty="0"/>
-          </a:p>
-          <a:p>
-            <a:endParaRPr lang="en-AU" dirty="0"/>
+          <p:cNvPr id="2" name="TextBox 1">
+            <a:extLst>
+              <a:ext uri="{FF2B5EF4-FFF2-40B4-BE49-F238E27FC236}">
+                <a16:creationId xmlns:a16="http://schemas.microsoft.com/office/drawing/2014/main" id="{AAB52846-6535-4426-8412-3AED5B20028C}"/>
+              </a:ext>
+            </a:extLst>
+          </p:cNvPr>
+          <p:cNvSpPr txBox="1"/>
+          <p:nvPr/>
+        </p:nvSpPr>
+        <p:spPr>
+          <a:xfrm>
+            <a:off x="2306320" y="2804160"/>
+            <a:ext cx="6431280" cy="707886"/>
+          </a:xfrm>
+          <a:prstGeom prst="rect">
+            <a:avLst/>
+          </a:prstGeom>
+          <a:noFill/>
+        </p:spPr>
+        <p:txBody>
+          <a:bodyPr wrap="square" rtlCol="0">
+            <a:spAutoFit/>
+          </a:bodyPr>
+          <a:lstStyle/>
+          <a:p>
+            <a:pPr algn="ctr"/>
+            <a:r>
+              <a:rPr lang="en-AU" sz="4000" dirty="0"/>
+              <a:t>Bot Hacking Time!</a:t>
+            </a:r>
           </a:p>
         </p:txBody>
       </p:sp>
     </p:spTree>
     <p:extLst>
       <p:ext uri="{BB962C8B-B14F-4D97-AF65-F5344CB8AC3E}">
-        <p14:creationId xmlns:p14="http://schemas.microsoft.com/office/powerpoint/2010/main" val="3085761006"/>
+        <p14:creationId xmlns:p14="http://schemas.microsoft.com/office/powerpoint/2010/main" val="1254014129"/>
       </p:ext>
     </p:extLst>
   </p:cSld>
@@ -6943,10 +7047,63 @@
           <a:chExt cx="0" cy="0"/>
         </a:xfrm>
       </p:grpSpPr>
+      <p:sp>
+        <p:nvSpPr>
+          <p:cNvPr id="4" name="Title 3">
+            <a:extLst>
+              <a:ext uri="{FF2B5EF4-FFF2-40B4-BE49-F238E27FC236}">
+                <a16:creationId xmlns:a16="http://schemas.microsoft.com/office/drawing/2014/main" id="{43AA49C6-3ACD-46DD-AB7B-6174274ABD38}"/>
+              </a:ext>
+            </a:extLst>
+          </p:cNvPr>
+          <p:cNvSpPr>
+            <a:spLocks noGrp="1"/>
+          </p:cNvSpPr>
+          <p:nvPr>
+            <p:ph type="title"/>
+          </p:nvPr>
+        </p:nvSpPr>
+        <p:spPr/>
+        <p:txBody>
+          <a:bodyPr/>
+          <a:lstStyle/>
+          <a:p>
+            <a:r>
+              <a:rPr lang="en-AU" dirty="0"/>
+              <a:t>Tips for Building a Bot</a:t>
+            </a:r>
+          </a:p>
+        </p:txBody>
+      </p:sp>
+      <p:sp>
+        <p:nvSpPr>
+          <p:cNvPr id="5" name="Text Placeholder 4">
+            <a:extLst>
+              <a:ext uri="{FF2B5EF4-FFF2-40B4-BE49-F238E27FC236}">
+                <a16:creationId xmlns:a16="http://schemas.microsoft.com/office/drawing/2014/main" id="{A45F0C29-37C1-4282-A87D-5BF039A88F79}"/>
+              </a:ext>
+            </a:extLst>
+          </p:cNvPr>
+          <p:cNvSpPr>
+            <a:spLocks noGrp="1"/>
+          </p:cNvSpPr>
+          <p:nvPr>
+            <p:ph type="body" idx="1"/>
+          </p:nvPr>
+        </p:nvSpPr>
+        <p:spPr/>
+        <p:txBody>
+          <a:bodyPr/>
+          <a:lstStyle/>
+          <a:p>
+            <a:endParaRPr lang="en-AU"/>
+          </a:p>
+        </p:txBody>
+      </p:sp>
     </p:spTree>
     <p:extLst>
       <p:ext uri="{BB962C8B-B14F-4D97-AF65-F5344CB8AC3E}">
-        <p14:creationId xmlns:p14="http://schemas.microsoft.com/office/powerpoint/2010/main" val="1254014129"/>
+        <p14:creationId xmlns:p14="http://schemas.microsoft.com/office/powerpoint/2010/main" val="2462950646"/>
       </p:ext>
     </p:extLst>
   </p:cSld>
@@ -6978,7 +7135,7 @@
           <p:cNvPr id="4" name="Title 3">
             <a:extLst>
               <a:ext uri="{FF2B5EF4-FFF2-40B4-BE49-F238E27FC236}">
-                <a16:creationId xmlns:a16="http://schemas.microsoft.com/office/drawing/2014/main" id="{43AA49C6-3ACD-46DD-AB7B-6174274ABD38}"/>
+                <a16:creationId xmlns:a16="http://schemas.microsoft.com/office/drawing/2014/main" id="{B7D12391-891F-4394-A728-99B8B3CC9AA0}"/>
               </a:ext>
             </a:extLst>
           </p:cNvPr>
@@ -6996,40 +7153,78 @@
           <a:p>
             <a:r>
               <a:rPr lang="en-AU" dirty="0"/>
-              <a:t>Tips for Building a Bot</a:t>
-            </a:r>
-          </a:p>
-        </p:txBody>
-      </p:sp>
-      <p:sp>
-        <p:nvSpPr>
-          <p:cNvPr id="5" name="Text Placeholder 4">
-            <a:extLst>
-              <a:ext uri="{FF2B5EF4-FFF2-40B4-BE49-F238E27FC236}">
-                <a16:creationId xmlns:a16="http://schemas.microsoft.com/office/drawing/2014/main" id="{A45F0C29-37C1-4282-A87D-5BF039A88F79}"/>
-              </a:ext>
-            </a:extLst>
-          </p:cNvPr>
-          <p:cNvSpPr>
-            <a:spLocks noGrp="1"/>
-          </p:cNvSpPr>
-          <p:nvPr>
-            <p:ph type="body" idx="1"/>
-          </p:nvPr>
-        </p:nvSpPr>
-        <p:spPr/>
-        <p:txBody>
-          <a:bodyPr/>
-          <a:lstStyle/>
-          <a:p>
-            <a:endParaRPr lang="en-AU"/>
+              <a:t>Problems best suited to a Chatbot</a:t>
+            </a:r>
+          </a:p>
+        </p:txBody>
+      </p:sp>
+      <p:sp>
+        <p:nvSpPr>
+          <p:cNvPr id="5" name="Content Placeholder 4">
+            <a:extLst>
+              <a:ext uri="{FF2B5EF4-FFF2-40B4-BE49-F238E27FC236}">
+                <a16:creationId xmlns:a16="http://schemas.microsoft.com/office/drawing/2014/main" id="{E8F80971-90A5-4C51-92E0-8C882DFB18C2}"/>
+              </a:ext>
+            </a:extLst>
+          </p:cNvPr>
+          <p:cNvSpPr>
+            <a:spLocks noGrp="1"/>
+          </p:cNvSpPr>
+          <p:nvPr>
+            <p:ph idx="1"/>
+          </p:nvPr>
+        </p:nvSpPr>
+        <p:spPr/>
+        <p:txBody>
+          <a:bodyPr/>
+          <a:lstStyle/>
+          <a:p>
+            <a:endParaRPr lang="en-AU" dirty="0"/>
+          </a:p>
+          <a:p>
+            <a:r>
+              <a:rPr lang="en-AU" b="1" dirty="0"/>
+              <a:t>Conversational</a:t>
+            </a:r>
+            <a:r>
+              <a:rPr lang="en-AU" dirty="0"/>
+              <a:t>: </a:t>
+            </a:r>
+          </a:p>
+          <a:p>
+            <a:pPr lvl="1"/>
+            <a:r>
+              <a:rPr lang="en-AU" dirty="0"/>
+              <a:t>When an App can’t do it because multiple variable inputs are needed to solve the problem.</a:t>
+            </a:r>
+          </a:p>
+          <a:p>
+            <a:pPr lvl="1"/>
+            <a:endParaRPr lang="en-AU" dirty="0"/>
+          </a:p>
+          <a:p>
+            <a:r>
+              <a:rPr lang="en-AU" b="1" dirty="0"/>
+              <a:t>Simplicity</a:t>
+            </a:r>
+            <a:r>
+              <a:rPr lang="en-AU" dirty="0"/>
+              <a:t>: </a:t>
+            </a:r>
+          </a:p>
+          <a:p>
+            <a:pPr lvl="1"/>
+            <a:r>
+              <a:rPr lang="en-AU" dirty="0"/>
+              <a:t>When a bot offers the most immediate and direct solution to a person’s problem.</a:t>
+            </a:r>
           </a:p>
         </p:txBody>
       </p:sp>
     </p:spTree>
     <p:extLst>
       <p:ext uri="{BB962C8B-B14F-4D97-AF65-F5344CB8AC3E}">
-        <p14:creationId xmlns:p14="http://schemas.microsoft.com/office/powerpoint/2010/main" val="2462950646"/>
+        <p14:creationId xmlns:p14="http://schemas.microsoft.com/office/powerpoint/2010/main" val="633871361"/>
       </p:ext>
     </p:extLst>
   </p:cSld>
@@ -7056,101 +7251,57 @@
           <a:chExt cx="0" cy="0"/>
         </a:xfrm>
       </p:grpSpPr>
-      <p:sp>
-        <p:nvSpPr>
-          <p:cNvPr id="4" name="Title 3">
-            <a:extLst>
-              <a:ext uri="{FF2B5EF4-FFF2-40B4-BE49-F238E27FC236}">
-                <a16:creationId xmlns:a16="http://schemas.microsoft.com/office/drawing/2014/main" id="{B7D12391-891F-4394-A728-99B8B3CC9AA0}"/>
-              </a:ext>
-            </a:extLst>
-          </p:cNvPr>
-          <p:cNvSpPr>
-            <a:spLocks noGrp="1"/>
-          </p:cNvSpPr>
-          <p:nvPr>
-            <p:ph type="title"/>
-          </p:nvPr>
-        </p:nvSpPr>
-        <p:spPr/>
-        <p:txBody>
-          <a:bodyPr/>
-          <a:lstStyle/>
-          <a:p>
-            <a:r>
-              <a:rPr lang="en-AU" dirty="0"/>
-              <a:t>Problems best suited to a Chatbot</a:t>
-            </a:r>
-          </a:p>
-        </p:txBody>
-      </p:sp>
-      <p:sp>
-        <p:nvSpPr>
-          <p:cNvPr id="5" name="Content Placeholder 4">
-            <a:extLst>
-              <a:ext uri="{FF2B5EF4-FFF2-40B4-BE49-F238E27FC236}">
-                <a16:creationId xmlns:a16="http://schemas.microsoft.com/office/drawing/2014/main" id="{E8F80971-90A5-4C51-92E0-8C882DFB18C2}"/>
-              </a:ext>
-            </a:extLst>
-          </p:cNvPr>
-          <p:cNvSpPr>
-            <a:spLocks noGrp="1"/>
-          </p:cNvSpPr>
-          <p:nvPr>
-            <p:ph idx="1"/>
-          </p:nvPr>
-        </p:nvSpPr>
-        <p:spPr/>
-        <p:txBody>
-          <a:bodyPr/>
-          <a:lstStyle/>
-          <a:p>
-            <a:endParaRPr lang="en-AU" dirty="0"/>
-          </a:p>
-          <a:p>
-            <a:r>
-              <a:rPr lang="en-AU" b="1" dirty="0"/>
-              <a:t>Conversational</a:t>
-            </a:r>
-            <a:r>
-              <a:rPr lang="en-AU" dirty="0"/>
-              <a:t>: </a:t>
-            </a:r>
-          </a:p>
-          <a:p>
-            <a:pPr lvl="1"/>
-            <a:r>
-              <a:rPr lang="en-AU" dirty="0"/>
-              <a:t>When an App can’t do it because multiple variable inputs are needed to solve the problem.</a:t>
-            </a:r>
-          </a:p>
-          <a:p>
-            <a:pPr lvl="1"/>
-            <a:endParaRPr lang="en-AU" dirty="0"/>
-          </a:p>
-          <a:p>
-            <a:r>
-              <a:rPr lang="en-AU" b="1" dirty="0"/>
-              <a:t>Simplicity</a:t>
-            </a:r>
-            <a:r>
-              <a:rPr lang="en-AU" dirty="0"/>
-              <a:t>: </a:t>
-            </a:r>
-          </a:p>
-          <a:p>
-            <a:pPr lvl="1"/>
-            <a:r>
-              <a:rPr lang="en-AU" dirty="0"/>
-              <a:t>When a bot offers the most immediate and direct solution to a person’s problem.</a:t>
-            </a:r>
-          </a:p>
-        </p:txBody>
-      </p:sp>
+      <p:pic>
+        <p:nvPicPr>
+          <p:cNvPr id="2050" name="Picture 2" descr="https://cdn-images-1.medium.com/max/1000/1*MKLzDC_MxSX4J-KEQjKn6g.png">
+            <a:extLst>
+              <a:ext uri="{FF2B5EF4-FFF2-40B4-BE49-F238E27FC236}">
+                <a16:creationId xmlns:a16="http://schemas.microsoft.com/office/drawing/2014/main" id="{4D103A61-85E2-4697-8FDF-BD954CEEFEA6}"/>
+              </a:ext>
+            </a:extLst>
+          </p:cNvPr>
+          <p:cNvPicPr>
+            <a:picLocks noChangeAspect="1" noChangeArrowheads="1"/>
+          </p:cNvPicPr>
+          <p:nvPr/>
+        </p:nvPicPr>
+        <p:blipFill>
+          <a:blip r:embed="rId2">
+            <a:extLst>
+              <a:ext uri="{28A0092B-C50C-407E-A947-70E740481C1C}">
+                <a14:useLocalDpi xmlns:a14="http://schemas.microsoft.com/office/drawing/2010/main" val="0"/>
+              </a:ext>
+            </a:extLst>
+          </a:blip>
+          <a:srcRect/>
+          <a:stretch>
+            <a:fillRect/>
+          </a:stretch>
+        </p:blipFill>
+        <p:spPr bwMode="auto">
+          <a:xfrm>
+            <a:off x="-129540" y="0"/>
+            <a:ext cx="9525000" cy="6153150"/>
+          </a:xfrm>
+          <a:prstGeom prst="rect">
+            <a:avLst/>
+          </a:prstGeom>
+          <a:noFill/>
+          <a:extLst>
+            <a:ext uri="{909E8E84-426E-40DD-AFC4-6F175D3DCCD1}">
+              <a14:hiddenFill xmlns:a14="http://schemas.microsoft.com/office/drawing/2010/main">
+                <a:solidFill>
+                  <a:srgbClr val="FFFFFF"/>
+                </a:solidFill>
+              </a14:hiddenFill>
+            </a:ext>
+          </a:extLst>
+        </p:spPr>
+      </p:pic>
     </p:spTree>
     <p:extLst>
       <p:ext uri="{BB962C8B-B14F-4D97-AF65-F5344CB8AC3E}">
-        <p14:creationId xmlns:p14="http://schemas.microsoft.com/office/powerpoint/2010/main" val="633871361"/>
+        <p14:creationId xmlns:p14="http://schemas.microsoft.com/office/powerpoint/2010/main" val="604723337"/>
       </p:ext>
     </p:extLst>
   </p:cSld>
@@ -7622,10 +7773,10 @@
       </p:sp>
       <p:pic>
         <p:nvPicPr>
-          <p:cNvPr id="12290" name="Picture 2" descr="https://cdn-images-1.medium.com/max/800/1*BOrzqeZwdAMCxhBKKt1kdw.png">
-            <a:extLst>
-              <a:ext uri="{FF2B5EF4-FFF2-40B4-BE49-F238E27FC236}">
-                <a16:creationId xmlns:a16="http://schemas.microsoft.com/office/drawing/2014/main" id="{FC0303C5-3EC6-4757-BDB3-6D192CD42413}"/>
+          <p:cNvPr id="12292" name="Picture 4" descr="https://cdn-images-1.medium.com/max/800/1*aCeZps-yYI8a7S7dAxsXgA.png">
+            <a:extLst>
+              <a:ext uri="{FF2B5EF4-FFF2-40B4-BE49-F238E27FC236}">
+                <a16:creationId xmlns:a16="http://schemas.microsoft.com/office/drawing/2014/main" id="{43026C58-E0D8-4C8C-8E0F-1B5C867D86BE}"/>
               </a:ext>
             </a:extLst>
           </p:cNvPr>
@@ -7636,53 +7787,6 @@
         </p:nvPicPr>
         <p:blipFill>
           <a:blip r:embed="rId3">
-            <a:extLst>
-              <a:ext uri="{28A0092B-C50C-407E-A947-70E740481C1C}">
-                <a14:useLocalDpi xmlns:a14="http://schemas.microsoft.com/office/drawing/2010/main" val="0"/>
-              </a:ext>
-            </a:extLst>
-          </a:blip>
-          <a:srcRect/>
-          <a:stretch>
-            <a:fillRect/>
-          </a:stretch>
-        </p:blipFill>
-        <p:spPr bwMode="auto">
-          <a:xfrm>
-            <a:off x="933450" y="1690688"/>
-            <a:ext cx="4095750" cy="2190750"/>
-          </a:xfrm>
-          <a:prstGeom prst="rect">
-            <a:avLst/>
-          </a:prstGeom>
-          <a:noFill/>
-          <a:extLst>
-            <a:ext uri="{909E8E84-426E-40DD-AFC4-6F175D3DCCD1}">
-              <a14:hiddenFill xmlns:a14="http://schemas.microsoft.com/office/drawing/2010/main">
-                <a:solidFill>
-                  <a:srgbClr val="FFFFFF"/>
-                </a:solidFill>
-              </a14:hiddenFill>
-            </a:ext>
-          </a:extLst>
-        </p:spPr>
-      </p:pic>
-      <p:pic>
-        <p:nvPicPr>
-          <p:cNvPr id="12292" name="Picture 4" descr="https://cdn-images-1.medium.com/max/800/1*aCeZps-yYI8a7S7dAxsXgA.png">
-            <a:extLst>
-              <a:ext uri="{FF2B5EF4-FFF2-40B4-BE49-F238E27FC236}">
-                <a16:creationId xmlns:a16="http://schemas.microsoft.com/office/drawing/2014/main" id="{43026C58-E0D8-4C8C-8E0F-1B5C867D86BE}"/>
-              </a:ext>
-            </a:extLst>
-          </p:cNvPr>
-          <p:cNvPicPr>
-            <a:picLocks noChangeAspect="1" noChangeArrowheads="1"/>
-          </p:cNvPicPr>
-          <p:nvPr/>
-        </p:nvPicPr>
-        <p:blipFill>
-          <a:blip r:embed="rId4">
             <a:extLst>
               <a:ext uri="{28A0092B-C50C-407E-A947-70E740481C1C}">
                 <a14:useLocalDpi xmlns:a14="http://schemas.microsoft.com/office/drawing/2010/main" val="0"/>
@@ -7712,6 +7816,36 @@
               </a14:hiddenFill>
             </a:ext>
           </a:extLst>
+        </p:spPr>
+      </p:pic>
+      <p:pic>
+        <p:nvPicPr>
+          <p:cNvPr id="3" name="Picture 2">
+            <a:extLst>
+              <a:ext uri="{FF2B5EF4-FFF2-40B4-BE49-F238E27FC236}">
+                <a16:creationId xmlns:a16="http://schemas.microsoft.com/office/drawing/2014/main" id="{07F8D936-3ED8-4999-A098-A71DD1FC39D9}"/>
+              </a:ext>
+            </a:extLst>
+          </p:cNvPr>
+          <p:cNvPicPr>
+            <a:picLocks noChangeAspect="1"/>
+          </p:cNvPicPr>
+          <p:nvPr/>
+        </p:nvPicPr>
+        <p:blipFill>
+          <a:blip r:embed="rId4"/>
+          <a:stretch>
+            <a:fillRect/>
+          </a:stretch>
+        </p:blipFill>
+        <p:spPr>
+          <a:xfrm>
+            <a:off x="2100262" y="1690688"/>
+            <a:ext cx="1952625" cy="2190750"/>
+          </a:xfrm>
+          <a:prstGeom prst="rect">
+            <a:avLst/>
+          </a:prstGeom>
         </p:spPr>
       </p:pic>
     </p:spTree>
@@ -7767,7 +7901,7 @@
           <a:p>
             <a:r>
               <a:rPr lang="en-AU" dirty="0"/>
-              <a:t>Plan your Conversations</a:t>
+              <a:t>Plan Your Conversations</a:t>
             </a:r>
           </a:p>
         </p:txBody>
@@ -7839,6 +7973,208 @@
     <p:extLst>
       <p:ext uri="{BB962C8B-B14F-4D97-AF65-F5344CB8AC3E}">
         <p14:creationId xmlns:p14="http://schemas.microsoft.com/office/powerpoint/2010/main" val="3372059729"/>
+      </p:ext>
+    </p:extLst>
+  </p:cSld>
+  <p:clrMapOvr>
+    <a:masterClrMapping/>
+  </p:clrMapOvr>
+</p:sld>
+</file>
+
+<file path=ppt/slides/slide28.xml><?xml version="1.0" encoding="utf-8"?>
+<p:sld xmlns:a="http://schemas.openxmlformats.org/drawingml/2006/main" xmlns:r="http://schemas.openxmlformats.org/officeDocument/2006/relationships" xmlns:p="http://schemas.openxmlformats.org/presentationml/2006/main">
+  <p:cSld>
+    <p:spTree>
+      <p:nvGrpSpPr>
+        <p:cNvPr id="1" name=""/>
+        <p:cNvGrpSpPr/>
+        <p:nvPr/>
+      </p:nvGrpSpPr>
+      <p:grpSpPr>
+        <a:xfrm>
+          <a:off x="0" y="0"/>
+          <a:ext cx="0" cy="0"/>
+          <a:chOff x="0" y="0"/>
+          <a:chExt cx="0" cy="0"/>
+        </a:xfrm>
+      </p:grpSpPr>
+      <p:pic>
+        <p:nvPicPr>
+          <p:cNvPr id="3074" name="Picture 2" descr="https://cdn-images-1.medium.com/max/800/1*TUvvs237UlYXY3cylLW53w.png">
+            <a:extLst>
+              <a:ext uri="{FF2B5EF4-FFF2-40B4-BE49-F238E27FC236}">
+                <a16:creationId xmlns:a16="http://schemas.microsoft.com/office/drawing/2014/main" id="{D3A27915-F4F5-4AF4-B62A-125A90ACC196}"/>
+              </a:ext>
+            </a:extLst>
+          </p:cNvPr>
+          <p:cNvPicPr>
+            <a:picLocks noChangeAspect="1" noChangeArrowheads="1"/>
+          </p:cNvPicPr>
+          <p:nvPr/>
+        </p:nvPicPr>
+        <p:blipFill>
+          <a:blip r:embed="rId2">
+            <a:extLst>
+              <a:ext uri="{28A0092B-C50C-407E-A947-70E740481C1C}">
+                <a14:useLocalDpi xmlns:a14="http://schemas.microsoft.com/office/drawing/2010/main" val="0"/>
+              </a:ext>
+            </a:extLst>
+          </a:blip>
+          <a:srcRect/>
+          <a:stretch>
+            <a:fillRect/>
+          </a:stretch>
+        </p:blipFill>
+        <p:spPr bwMode="auto">
+          <a:xfrm>
+            <a:off x="2052320" y="1690688"/>
+            <a:ext cx="7620000" cy="4286250"/>
+          </a:xfrm>
+          <a:prstGeom prst="rect">
+            <a:avLst/>
+          </a:prstGeom>
+          <a:noFill/>
+          <a:extLst>
+            <a:ext uri="{909E8E84-426E-40DD-AFC4-6F175D3DCCD1}">
+              <a14:hiddenFill xmlns:a14="http://schemas.microsoft.com/office/drawing/2010/main">
+                <a:solidFill>
+                  <a:srgbClr val="FFFFFF"/>
+                </a:solidFill>
+              </a14:hiddenFill>
+            </a:ext>
+          </a:extLst>
+        </p:spPr>
+      </p:pic>
+    </p:spTree>
+    <p:extLst>
+      <p:ext uri="{BB962C8B-B14F-4D97-AF65-F5344CB8AC3E}">
+        <p14:creationId xmlns:p14="http://schemas.microsoft.com/office/powerpoint/2010/main" val="2578089521"/>
+      </p:ext>
+    </p:extLst>
+  </p:cSld>
+  <p:clrMapOvr>
+    <a:masterClrMapping/>
+  </p:clrMapOvr>
+</p:sld>
+</file>
+
+<file path=ppt/slides/slide29.xml><?xml version="1.0" encoding="utf-8"?>
+<p:sld xmlns:a="http://schemas.openxmlformats.org/drawingml/2006/main" xmlns:r="http://schemas.openxmlformats.org/officeDocument/2006/relationships" xmlns:p="http://schemas.openxmlformats.org/presentationml/2006/main">
+  <p:cSld>
+    <p:spTree>
+      <p:nvGrpSpPr>
+        <p:cNvPr id="1" name=""/>
+        <p:cNvGrpSpPr/>
+        <p:nvPr/>
+      </p:nvGrpSpPr>
+      <p:grpSpPr>
+        <a:xfrm>
+          <a:off x="0" y="0"/>
+          <a:ext cx="0" cy="0"/>
+          <a:chOff x="0" y="0"/>
+          <a:chExt cx="0" cy="0"/>
+        </a:xfrm>
+      </p:grpSpPr>
+      <p:sp>
+        <p:nvSpPr>
+          <p:cNvPr id="2" name="Title 1">
+            <a:extLst>
+              <a:ext uri="{FF2B5EF4-FFF2-40B4-BE49-F238E27FC236}">
+                <a16:creationId xmlns:a16="http://schemas.microsoft.com/office/drawing/2014/main" id="{559C637D-805C-46AA-870E-883EEBB88680}"/>
+              </a:ext>
+            </a:extLst>
+          </p:cNvPr>
+          <p:cNvSpPr>
+            <a:spLocks noGrp="1"/>
+          </p:cNvSpPr>
+          <p:nvPr>
+            <p:ph type="title"/>
+          </p:nvPr>
+        </p:nvSpPr>
+        <p:spPr/>
+        <p:txBody>
+          <a:bodyPr/>
+          <a:lstStyle/>
+          <a:p>
+            <a:endParaRPr lang="en-AU" dirty="0"/>
+          </a:p>
+        </p:txBody>
+      </p:sp>
+      <p:sp>
+        <p:nvSpPr>
+          <p:cNvPr id="3" name="Content Placeholder 2">
+            <a:extLst>
+              <a:ext uri="{FF2B5EF4-FFF2-40B4-BE49-F238E27FC236}">
+                <a16:creationId xmlns:a16="http://schemas.microsoft.com/office/drawing/2014/main" id="{C15CE4C8-9BEB-4E86-9190-68FA8D1AFE35}"/>
+              </a:ext>
+            </a:extLst>
+          </p:cNvPr>
+          <p:cNvSpPr>
+            <a:spLocks noGrp="1"/>
+          </p:cNvSpPr>
+          <p:nvPr>
+            <p:ph idx="1"/>
+          </p:nvPr>
+        </p:nvSpPr>
+        <p:spPr/>
+        <p:txBody>
+          <a:bodyPr/>
+          <a:lstStyle/>
+          <a:p>
+            <a:pPr marL="0" indent="0">
+              <a:buNone/>
+            </a:pPr>
+            <a:r>
+              <a:rPr lang="en-AU" i="1" dirty="0"/>
+              <a:t>I was putting so much effort on making it “conversational” and actually a few helps and hints was much easier and effective than spending hours on getting the models right.</a:t>
+            </a:r>
+          </a:p>
+          <a:p>
+            <a:pPr marL="0" indent="0">
+              <a:buNone/>
+            </a:pPr>
+            <a:endParaRPr lang="en-AU" i="1" dirty="0"/>
+          </a:p>
+          <a:p>
+            <a:pPr marL="0" indent="0" algn="r">
+              <a:buNone/>
+            </a:pPr>
+            <a:r>
+              <a:rPr lang="en-AU" dirty="0"/>
+              <a:t>- Guillermo </a:t>
+            </a:r>
+            <a:r>
+              <a:rPr lang="en-AU" dirty="0" err="1"/>
+              <a:t>Gette</a:t>
+            </a:r>
+            <a:r>
+              <a:rPr lang="en-AU" dirty="0"/>
+              <a:t>, maker of the popular </a:t>
+            </a:r>
+            <a:r>
+              <a:rPr lang="en-AU" dirty="0">
+                <a:hlinkClick r:id="rId2"/>
+              </a:rPr>
+              <a:t>/</a:t>
+            </a:r>
+            <a:r>
+              <a:rPr lang="en-AU" dirty="0" err="1">
+                <a:hlinkClick r:id="rId2"/>
+              </a:rPr>
+              <a:t>todo</a:t>
+            </a:r>
+            <a:r>
+              <a:rPr lang="en-AU" dirty="0"/>
+              <a:t> Slack app</a:t>
+            </a:r>
+          </a:p>
+        </p:txBody>
+      </p:sp>
+    </p:spTree>
+    <p:extLst>
+      <p:ext uri="{BB962C8B-B14F-4D97-AF65-F5344CB8AC3E}">
+        <p14:creationId xmlns:p14="http://schemas.microsoft.com/office/powerpoint/2010/main" val="505906126"/>
       </p:ext>
     </p:extLst>
   </p:cSld>
@@ -8511,10 +8847,10 @@
       </p:sp>
       <p:sp>
         <p:nvSpPr>
-          <p:cNvPr id="3" name="Content Placeholder 2">
-            <a:extLst>
-              <a:ext uri="{FF2B5EF4-FFF2-40B4-BE49-F238E27FC236}">
-                <a16:creationId xmlns:a16="http://schemas.microsoft.com/office/drawing/2014/main" id="{D9B4FDDC-7E07-44CD-9F4E-AF7EB19C85F4}"/>
+          <p:cNvPr id="5" name="Content Placeholder 4">
+            <a:extLst>
+              <a:ext uri="{FF2B5EF4-FFF2-40B4-BE49-F238E27FC236}">
+                <a16:creationId xmlns:a16="http://schemas.microsoft.com/office/drawing/2014/main" id="{479957D6-7D22-4AC5-9174-35E5CE8A7149}"/>
               </a:ext>
             </a:extLst>
           </p:cNvPr>
@@ -8523,135 +8859,636 @@
           </p:cNvSpPr>
           <p:nvPr>
             <p:ph sz="half" idx="1"/>
-          </p:nvPr>
-        </p:nvSpPr>
-        <p:spPr/>
-        <p:txBody>
-          <a:bodyPr>
-            <a:normAutofit lnSpcReduction="10000"/>
-          </a:bodyPr>
-          <a:lstStyle/>
-          <a:p>
-            <a:r>
-              <a:rPr lang="en-AU" b="1" dirty="0"/>
-              <a:t>Mimicry Agents</a:t>
-            </a:r>
-          </a:p>
-          <a:p>
-            <a:pPr lvl="1"/>
-            <a:r>
-              <a:rPr lang="en-AU" dirty="0"/>
-              <a:t>Appearance of conversation</a:t>
-            </a:r>
-          </a:p>
-          <a:p>
-            <a:pPr lvl="1"/>
-            <a:r>
-              <a:rPr lang="en-AU" dirty="0"/>
-              <a:t>No understanding of what is being said</a:t>
-            </a:r>
-          </a:p>
-          <a:p>
-            <a:pPr lvl="1"/>
-            <a:endParaRPr lang="en-AU" dirty="0"/>
-          </a:p>
-          <a:p>
-            <a:pPr lvl="1"/>
-            <a:r>
-              <a:rPr lang="en-AU" dirty="0"/>
-              <a:t>ELIZA etc.</a:t>
-            </a:r>
-          </a:p>
-          <a:p>
-            <a:pPr lvl="1"/>
-            <a:endParaRPr lang="en-AU" dirty="0"/>
-          </a:p>
-          <a:p>
-            <a:r>
-              <a:rPr lang="en-AU" b="1" dirty="0"/>
-              <a:t>Intention-based Agents</a:t>
-            </a:r>
-          </a:p>
-          <a:p>
-            <a:pPr lvl="1"/>
-            <a:r>
-              <a:rPr lang="en-AU" dirty="0"/>
-              <a:t>Understand language as commands</a:t>
-            </a:r>
-          </a:p>
-          <a:p>
-            <a:pPr lvl="1"/>
-            <a:endParaRPr lang="en-AU" dirty="0"/>
-          </a:p>
-          <a:p>
-            <a:pPr lvl="1"/>
-            <a:r>
-              <a:rPr lang="en-AU" dirty="0"/>
-              <a:t>Alexa, Google Home, Siri, Cortana</a:t>
-            </a:r>
-          </a:p>
-        </p:txBody>
-      </p:sp>
-      <p:sp>
-        <p:nvSpPr>
-          <p:cNvPr id="7" name="Content Placeholder 6">
-            <a:extLst>
-              <a:ext uri="{FF2B5EF4-FFF2-40B4-BE49-F238E27FC236}">
-                <a16:creationId xmlns:a16="http://schemas.microsoft.com/office/drawing/2014/main" id="{95CEABEC-F2E3-4408-B5C3-DE7D14866EE0}"/>
-              </a:ext>
-            </a:extLst>
-          </p:cNvPr>
-          <p:cNvSpPr>
-            <a:spLocks noGrp="1"/>
-          </p:cNvSpPr>
-          <p:nvPr>
-            <p:ph sz="half" idx="2"/>
           </p:nvPr>
         </p:nvSpPr>
         <p:spPr>
           <a:xfrm>
-            <a:off x="6172200" y="1825625"/>
-            <a:ext cx="5181600" cy="2522855"/>
+            <a:off x="4447540" y="1964690"/>
+            <a:ext cx="3296920" cy="4351338"/>
           </a:xfrm>
         </p:spPr>
         <p:txBody>
-          <a:bodyPr>
+          <a:bodyPr/>
+          <a:lstStyle/>
+          <a:p>
+            <a:pPr marL="0" indent="0">
+              <a:buNone/>
+            </a:pPr>
+            <a:endParaRPr lang="en-AU" dirty="0"/>
+          </a:p>
+          <a:p>
+            <a:pPr marL="0" indent="0" algn="ctr">
+              <a:buNone/>
+            </a:pPr>
+            <a:endParaRPr lang="en-AU" dirty="0"/>
+          </a:p>
+          <a:p>
+            <a:pPr marL="0" indent="0">
+              <a:buNone/>
+            </a:pPr>
+            <a:endParaRPr lang="en-AU" dirty="0"/>
+          </a:p>
+          <a:p>
+            <a:pPr marL="0" indent="0" algn="ctr">
+              <a:buNone/>
+            </a:pPr>
+            <a:r>
+              <a:rPr lang="en-AU" dirty="0"/>
+              <a:t>Task-Based</a:t>
+            </a:r>
+          </a:p>
+          <a:p>
+            <a:pPr marL="0" indent="0">
+              <a:buNone/>
+            </a:pPr>
+            <a:endParaRPr lang="en-AU" dirty="0"/>
+          </a:p>
+          <a:p>
+            <a:r>
+              <a:rPr lang="en-AU" sz="2000" dirty="0"/>
+              <a:t>Order a Pizza</a:t>
+            </a:r>
+          </a:p>
+        </p:txBody>
+      </p:sp>
+      <p:sp>
+        <p:nvSpPr>
+          <p:cNvPr id="4" name="Content Placeholder 4">
+            <a:extLst>
+              <a:ext uri="{FF2B5EF4-FFF2-40B4-BE49-F238E27FC236}">
+                <a16:creationId xmlns:a16="http://schemas.microsoft.com/office/drawing/2014/main" id="{80FE9824-3D89-4834-8F4A-6CFDA4A26B1F}"/>
+              </a:ext>
+            </a:extLst>
+          </p:cNvPr>
+          <p:cNvSpPr txBox="1">
+            <a:spLocks/>
+          </p:cNvSpPr>
+          <p:nvPr/>
+        </p:nvSpPr>
+        <p:spPr>
+          <a:xfrm>
+            <a:off x="8056880" y="1978025"/>
+            <a:ext cx="3296920" cy="4351338"/>
+          </a:xfrm>
+          <a:prstGeom prst="rect">
+            <a:avLst/>
+          </a:prstGeom>
+        </p:spPr>
+        <p:txBody>
+          <a:bodyPr vert="horz" lIns="91440" tIns="45720" rIns="91440" bIns="45720" rtlCol="0">
             <a:normAutofit/>
           </a:bodyPr>
-          <a:lstStyle/>
-          <a:p>
-            <a:r>
-              <a:rPr lang="en-AU" b="1" dirty="0"/>
-              <a:t>Conversational Agents</a:t>
-            </a:r>
-          </a:p>
-          <a:p>
-            <a:pPr lvl="1"/>
+          <a:lstStyle>
+            <a:lvl1pPr marL="228600" indent="-228600" algn="l" defTabSz="914400" rtl="0" eaLnBrk="1" latinLnBrk="0" hangingPunct="1">
+              <a:lnSpc>
+                <a:spcPct val="90000"/>
+              </a:lnSpc>
+              <a:spcBef>
+                <a:spcPts val="1000"/>
+              </a:spcBef>
+              <a:buFont typeface="Arial" panose="020B0604020202020204" pitchFamily="34" charset="0"/>
+              <a:buChar char="•"/>
+              <a:defRPr sz="2800" kern="1200">
+                <a:solidFill>
+                  <a:schemeClr val="tx1"/>
+                </a:solidFill>
+                <a:latin typeface="+mn-lt"/>
+                <a:ea typeface="+mn-ea"/>
+                <a:cs typeface="+mn-cs"/>
+              </a:defRPr>
+            </a:lvl1pPr>
+            <a:lvl2pPr marL="685800" indent="-228600" algn="l" defTabSz="914400" rtl="0" eaLnBrk="1" latinLnBrk="0" hangingPunct="1">
+              <a:lnSpc>
+                <a:spcPct val="90000"/>
+              </a:lnSpc>
+              <a:spcBef>
+                <a:spcPts val="500"/>
+              </a:spcBef>
+              <a:buFont typeface="Arial" panose="020B0604020202020204" pitchFamily="34" charset="0"/>
+              <a:buChar char="•"/>
+              <a:defRPr sz="2400" kern="1200">
+                <a:solidFill>
+                  <a:schemeClr val="tx1"/>
+                </a:solidFill>
+                <a:latin typeface="+mn-lt"/>
+                <a:ea typeface="+mn-ea"/>
+                <a:cs typeface="+mn-cs"/>
+              </a:defRPr>
+            </a:lvl2pPr>
+            <a:lvl3pPr marL="1143000" indent="-228600" algn="l" defTabSz="914400" rtl="0" eaLnBrk="1" latinLnBrk="0" hangingPunct="1">
+              <a:lnSpc>
+                <a:spcPct val="90000"/>
+              </a:lnSpc>
+              <a:spcBef>
+                <a:spcPts val="500"/>
+              </a:spcBef>
+              <a:buFont typeface="Arial" panose="020B0604020202020204" pitchFamily="34" charset="0"/>
+              <a:buChar char="•"/>
+              <a:defRPr sz="2000" kern="1200">
+                <a:solidFill>
+                  <a:schemeClr val="tx1"/>
+                </a:solidFill>
+                <a:latin typeface="+mn-lt"/>
+                <a:ea typeface="+mn-ea"/>
+                <a:cs typeface="+mn-cs"/>
+              </a:defRPr>
+            </a:lvl3pPr>
+            <a:lvl4pPr marL="1600200" indent="-228600" algn="l" defTabSz="914400" rtl="0" eaLnBrk="1" latinLnBrk="0" hangingPunct="1">
+              <a:lnSpc>
+                <a:spcPct val="90000"/>
+              </a:lnSpc>
+              <a:spcBef>
+                <a:spcPts val="500"/>
+              </a:spcBef>
+              <a:buFont typeface="Arial" panose="020B0604020202020204" pitchFamily="34" charset="0"/>
+              <a:buChar char="•"/>
+              <a:defRPr sz="1800" kern="1200">
+                <a:solidFill>
+                  <a:schemeClr val="tx1"/>
+                </a:solidFill>
+                <a:latin typeface="+mn-lt"/>
+                <a:ea typeface="+mn-ea"/>
+                <a:cs typeface="+mn-cs"/>
+              </a:defRPr>
+            </a:lvl4pPr>
+            <a:lvl5pPr marL="2057400" indent="-228600" algn="l" defTabSz="914400" rtl="0" eaLnBrk="1" latinLnBrk="0" hangingPunct="1">
+              <a:lnSpc>
+                <a:spcPct val="90000"/>
+              </a:lnSpc>
+              <a:spcBef>
+                <a:spcPts val="500"/>
+              </a:spcBef>
+              <a:buFont typeface="Arial" panose="020B0604020202020204" pitchFamily="34" charset="0"/>
+              <a:buChar char="•"/>
+              <a:defRPr sz="1800" kern="1200">
+                <a:solidFill>
+                  <a:schemeClr val="tx1"/>
+                </a:solidFill>
+                <a:latin typeface="+mn-lt"/>
+                <a:ea typeface="+mn-ea"/>
+                <a:cs typeface="+mn-cs"/>
+              </a:defRPr>
+            </a:lvl5pPr>
+            <a:lvl6pPr marL="2514600" indent="-228600" algn="l" defTabSz="914400" rtl="0" eaLnBrk="1" latinLnBrk="0" hangingPunct="1">
+              <a:lnSpc>
+                <a:spcPct val="90000"/>
+              </a:lnSpc>
+              <a:spcBef>
+                <a:spcPts val="500"/>
+              </a:spcBef>
+              <a:buFont typeface="Arial" panose="020B0604020202020204" pitchFamily="34" charset="0"/>
+              <a:buChar char="•"/>
+              <a:defRPr sz="1800" kern="1200">
+                <a:solidFill>
+                  <a:schemeClr val="tx1"/>
+                </a:solidFill>
+                <a:latin typeface="+mn-lt"/>
+                <a:ea typeface="+mn-ea"/>
+                <a:cs typeface="+mn-cs"/>
+              </a:defRPr>
+            </a:lvl6pPr>
+            <a:lvl7pPr marL="2971800" indent="-228600" algn="l" defTabSz="914400" rtl="0" eaLnBrk="1" latinLnBrk="0" hangingPunct="1">
+              <a:lnSpc>
+                <a:spcPct val="90000"/>
+              </a:lnSpc>
+              <a:spcBef>
+                <a:spcPts val="500"/>
+              </a:spcBef>
+              <a:buFont typeface="Arial" panose="020B0604020202020204" pitchFamily="34" charset="0"/>
+              <a:buChar char="•"/>
+              <a:defRPr sz="1800" kern="1200">
+                <a:solidFill>
+                  <a:schemeClr val="tx1"/>
+                </a:solidFill>
+                <a:latin typeface="+mn-lt"/>
+                <a:ea typeface="+mn-ea"/>
+                <a:cs typeface="+mn-cs"/>
+              </a:defRPr>
+            </a:lvl7pPr>
+            <a:lvl8pPr marL="3429000" indent="-228600" algn="l" defTabSz="914400" rtl="0" eaLnBrk="1" latinLnBrk="0" hangingPunct="1">
+              <a:lnSpc>
+                <a:spcPct val="90000"/>
+              </a:lnSpc>
+              <a:spcBef>
+                <a:spcPts val="500"/>
+              </a:spcBef>
+              <a:buFont typeface="Arial" panose="020B0604020202020204" pitchFamily="34" charset="0"/>
+              <a:buChar char="•"/>
+              <a:defRPr sz="1800" kern="1200">
+                <a:solidFill>
+                  <a:schemeClr val="tx1"/>
+                </a:solidFill>
+                <a:latin typeface="+mn-lt"/>
+                <a:ea typeface="+mn-ea"/>
+                <a:cs typeface="+mn-cs"/>
+              </a:defRPr>
+            </a:lvl8pPr>
+            <a:lvl9pPr marL="3886200" indent="-228600" algn="l" defTabSz="914400" rtl="0" eaLnBrk="1" latinLnBrk="0" hangingPunct="1">
+              <a:lnSpc>
+                <a:spcPct val="90000"/>
+              </a:lnSpc>
+              <a:spcBef>
+                <a:spcPts val="500"/>
+              </a:spcBef>
+              <a:buFont typeface="Arial" panose="020B0604020202020204" pitchFamily="34" charset="0"/>
+              <a:buChar char="•"/>
+              <a:defRPr sz="1800" kern="1200">
+                <a:solidFill>
+                  <a:schemeClr val="tx1"/>
+                </a:solidFill>
+                <a:latin typeface="+mn-lt"/>
+                <a:ea typeface="+mn-ea"/>
+                <a:cs typeface="+mn-cs"/>
+              </a:defRPr>
+            </a:lvl9pPr>
+          </a:lstStyle>
+          <a:p>
+            <a:pPr marL="0" indent="0">
+              <a:buFont typeface="Arial" panose="020B0604020202020204" pitchFamily="34" charset="0"/>
+              <a:buNone/>
+            </a:pPr>
+            <a:endParaRPr lang="en-AU" dirty="0"/>
+          </a:p>
+          <a:p>
+            <a:pPr marL="0" indent="0">
+              <a:buFont typeface="Arial" panose="020B0604020202020204" pitchFamily="34" charset="0"/>
+              <a:buNone/>
+            </a:pPr>
+            <a:endParaRPr lang="en-AU" dirty="0"/>
+          </a:p>
+          <a:p>
+            <a:pPr marL="0" indent="0">
+              <a:buFont typeface="Arial" panose="020B0604020202020204" pitchFamily="34" charset="0"/>
+              <a:buNone/>
+            </a:pPr>
+            <a:endParaRPr lang="en-AU" dirty="0"/>
+          </a:p>
+          <a:p>
+            <a:pPr marL="0" indent="0" algn="ctr">
+              <a:buFont typeface="Arial" panose="020B0604020202020204" pitchFamily="34" charset="0"/>
+              <a:buNone/>
+            </a:pPr>
             <a:r>
               <a:rPr lang="en-AU" dirty="0"/>
-              <a:t>Engage in multi-turn conversations</a:t>
-            </a:r>
-          </a:p>
-          <a:p>
-            <a:pPr lvl="1"/>
+              <a:t>Conversational</a:t>
+            </a:r>
+          </a:p>
+          <a:p>
+            <a:pPr marL="0" indent="0">
+              <a:buFont typeface="Arial" panose="020B0604020202020204" pitchFamily="34" charset="0"/>
+              <a:buNone/>
+            </a:pPr>
+            <a:endParaRPr lang="en-AU" dirty="0"/>
+          </a:p>
+          <a:p>
+            <a:r>
+              <a:rPr lang="en-AU" sz="2000" dirty="0"/>
+              <a:t>Answer support questions</a:t>
+            </a:r>
+          </a:p>
+        </p:txBody>
+      </p:sp>
+      <p:sp>
+        <p:nvSpPr>
+          <p:cNvPr id="6" name="Content Placeholder 4">
+            <a:extLst>
+              <a:ext uri="{FF2B5EF4-FFF2-40B4-BE49-F238E27FC236}">
+                <a16:creationId xmlns:a16="http://schemas.microsoft.com/office/drawing/2014/main" id="{07372612-CA48-47EF-8AF2-39954CC4D037}"/>
+              </a:ext>
+            </a:extLst>
+          </p:cNvPr>
+          <p:cNvSpPr txBox="1">
+            <a:spLocks/>
+          </p:cNvSpPr>
+          <p:nvPr/>
+        </p:nvSpPr>
+        <p:spPr>
+          <a:xfrm>
+            <a:off x="807083" y="1978025"/>
+            <a:ext cx="3296920" cy="4351338"/>
+          </a:xfrm>
+          <a:prstGeom prst="rect">
+            <a:avLst/>
+          </a:prstGeom>
+        </p:spPr>
+        <p:txBody>
+          <a:bodyPr vert="horz" lIns="91440" tIns="45720" rIns="91440" bIns="45720" rtlCol="0">
+            <a:normAutofit/>
+          </a:bodyPr>
+          <a:lstStyle>
+            <a:lvl1pPr marL="228600" indent="-228600" algn="l" defTabSz="914400" rtl="0" eaLnBrk="1" latinLnBrk="0" hangingPunct="1">
+              <a:lnSpc>
+                <a:spcPct val="90000"/>
+              </a:lnSpc>
+              <a:spcBef>
+                <a:spcPts val="1000"/>
+              </a:spcBef>
+              <a:buFont typeface="Arial" panose="020B0604020202020204" pitchFamily="34" charset="0"/>
+              <a:buChar char="•"/>
+              <a:defRPr sz="2800" kern="1200">
+                <a:solidFill>
+                  <a:schemeClr val="tx1"/>
+                </a:solidFill>
+                <a:latin typeface="+mn-lt"/>
+                <a:ea typeface="+mn-ea"/>
+                <a:cs typeface="+mn-cs"/>
+              </a:defRPr>
+            </a:lvl1pPr>
+            <a:lvl2pPr marL="685800" indent="-228600" algn="l" defTabSz="914400" rtl="0" eaLnBrk="1" latinLnBrk="0" hangingPunct="1">
+              <a:lnSpc>
+                <a:spcPct val="90000"/>
+              </a:lnSpc>
+              <a:spcBef>
+                <a:spcPts val="500"/>
+              </a:spcBef>
+              <a:buFont typeface="Arial" panose="020B0604020202020204" pitchFamily="34" charset="0"/>
+              <a:buChar char="•"/>
+              <a:defRPr sz="2400" kern="1200">
+                <a:solidFill>
+                  <a:schemeClr val="tx1"/>
+                </a:solidFill>
+                <a:latin typeface="+mn-lt"/>
+                <a:ea typeface="+mn-ea"/>
+                <a:cs typeface="+mn-cs"/>
+              </a:defRPr>
+            </a:lvl2pPr>
+            <a:lvl3pPr marL="1143000" indent="-228600" algn="l" defTabSz="914400" rtl="0" eaLnBrk="1" latinLnBrk="0" hangingPunct="1">
+              <a:lnSpc>
+                <a:spcPct val="90000"/>
+              </a:lnSpc>
+              <a:spcBef>
+                <a:spcPts val="500"/>
+              </a:spcBef>
+              <a:buFont typeface="Arial" panose="020B0604020202020204" pitchFamily="34" charset="0"/>
+              <a:buChar char="•"/>
+              <a:defRPr sz="2000" kern="1200">
+                <a:solidFill>
+                  <a:schemeClr val="tx1"/>
+                </a:solidFill>
+                <a:latin typeface="+mn-lt"/>
+                <a:ea typeface="+mn-ea"/>
+                <a:cs typeface="+mn-cs"/>
+              </a:defRPr>
+            </a:lvl3pPr>
+            <a:lvl4pPr marL="1600200" indent="-228600" algn="l" defTabSz="914400" rtl="0" eaLnBrk="1" latinLnBrk="0" hangingPunct="1">
+              <a:lnSpc>
+                <a:spcPct val="90000"/>
+              </a:lnSpc>
+              <a:spcBef>
+                <a:spcPts val="500"/>
+              </a:spcBef>
+              <a:buFont typeface="Arial" panose="020B0604020202020204" pitchFamily="34" charset="0"/>
+              <a:buChar char="•"/>
+              <a:defRPr sz="1800" kern="1200">
+                <a:solidFill>
+                  <a:schemeClr val="tx1"/>
+                </a:solidFill>
+                <a:latin typeface="+mn-lt"/>
+                <a:ea typeface="+mn-ea"/>
+                <a:cs typeface="+mn-cs"/>
+              </a:defRPr>
+            </a:lvl4pPr>
+            <a:lvl5pPr marL="2057400" indent="-228600" algn="l" defTabSz="914400" rtl="0" eaLnBrk="1" latinLnBrk="0" hangingPunct="1">
+              <a:lnSpc>
+                <a:spcPct val="90000"/>
+              </a:lnSpc>
+              <a:spcBef>
+                <a:spcPts val="500"/>
+              </a:spcBef>
+              <a:buFont typeface="Arial" panose="020B0604020202020204" pitchFamily="34" charset="0"/>
+              <a:buChar char="•"/>
+              <a:defRPr sz="1800" kern="1200">
+                <a:solidFill>
+                  <a:schemeClr val="tx1"/>
+                </a:solidFill>
+                <a:latin typeface="+mn-lt"/>
+                <a:ea typeface="+mn-ea"/>
+                <a:cs typeface="+mn-cs"/>
+              </a:defRPr>
+            </a:lvl5pPr>
+            <a:lvl6pPr marL="2514600" indent="-228600" algn="l" defTabSz="914400" rtl="0" eaLnBrk="1" latinLnBrk="0" hangingPunct="1">
+              <a:lnSpc>
+                <a:spcPct val="90000"/>
+              </a:lnSpc>
+              <a:spcBef>
+                <a:spcPts val="500"/>
+              </a:spcBef>
+              <a:buFont typeface="Arial" panose="020B0604020202020204" pitchFamily="34" charset="0"/>
+              <a:buChar char="•"/>
+              <a:defRPr sz="1800" kern="1200">
+                <a:solidFill>
+                  <a:schemeClr val="tx1"/>
+                </a:solidFill>
+                <a:latin typeface="+mn-lt"/>
+                <a:ea typeface="+mn-ea"/>
+                <a:cs typeface="+mn-cs"/>
+              </a:defRPr>
+            </a:lvl6pPr>
+            <a:lvl7pPr marL="2971800" indent="-228600" algn="l" defTabSz="914400" rtl="0" eaLnBrk="1" latinLnBrk="0" hangingPunct="1">
+              <a:lnSpc>
+                <a:spcPct val="90000"/>
+              </a:lnSpc>
+              <a:spcBef>
+                <a:spcPts val="500"/>
+              </a:spcBef>
+              <a:buFont typeface="Arial" panose="020B0604020202020204" pitchFamily="34" charset="0"/>
+              <a:buChar char="•"/>
+              <a:defRPr sz="1800" kern="1200">
+                <a:solidFill>
+                  <a:schemeClr val="tx1"/>
+                </a:solidFill>
+                <a:latin typeface="+mn-lt"/>
+                <a:ea typeface="+mn-ea"/>
+                <a:cs typeface="+mn-cs"/>
+              </a:defRPr>
+            </a:lvl7pPr>
+            <a:lvl8pPr marL="3429000" indent="-228600" algn="l" defTabSz="914400" rtl="0" eaLnBrk="1" latinLnBrk="0" hangingPunct="1">
+              <a:lnSpc>
+                <a:spcPct val="90000"/>
+              </a:lnSpc>
+              <a:spcBef>
+                <a:spcPts val="500"/>
+              </a:spcBef>
+              <a:buFont typeface="Arial" panose="020B0604020202020204" pitchFamily="34" charset="0"/>
+              <a:buChar char="•"/>
+              <a:defRPr sz="1800" kern="1200">
+                <a:solidFill>
+                  <a:schemeClr val="tx1"/>
+                </a:solidFill>
+                <a:latin typeface="+mn-lt"/>
+                <a:ea typeface="+mn-ea"/>
+                <a:cs typeface="+mn-cs"/>
+              </a:defRPr>
+            </a:lvl8pPr>
+            <a:lvl9pPr marL="3886200" indent="-228600" algn="l" defTabSz="914400" rtl="0" eaLnBrk="1" latinLnBrk="0" hangingPunct="1">
+              <a:lnSpc>
+                <a:spcPct val="90000"/>
+              </a:lnSpc>
+              <a:spcBef>
+                <a:spcPts val="500"/>
+              </a:spcBef>
+              <a:buFont typeface="Arial" panose="020B0604020202020204" pitchFamily="34" charset="0"/>
+              <a:buChar char="•"/>
+              <a:defRPr sz="1800" kern="1200">
+                <a:solidFill>
+                  <a:schemeClr val="tx1"/>
+                </a:solidFill>
+                <a:latin typeface="+mn-lt"/>
+                <a:ea typeface="+mn-ea"/>
+                <a:cs typeface="+mn-cs"/>
+              </a:defRPr>
+            </a:lvl9pPr>
+          </a:lstStyle>
+          <a:p>
+            <a:pPr marL="0" indent="0">
+              <a:buFont typeface="Arial" panose="020B0604020202020204" pitchFamily="34" charset="0"/>
+              <a:buNone/>
+            </a:pPr>
+            <a:endParaRPr lang="en-AU" dirty="0"/>
+          </a:p>
+          <a:p>
+            <a:pPr marL="0" indent="0" algn="ctr">
+              <a:buFont typeface="Arial" panose="020B0604020202020204" pitchFamily="34" charset="0"/>
+              <a:buNone/>
+            </a:pPr>
             <a:r>
               <a:rPr lang="en-AU" dirty="0"/>
-              <a:t>Able to reason based on conversation history</a:t>
-            </a:r>
-          </a:p>
-          <a:p>
-            <a:pPr lvl="1"/>
+              <a:t>/rebuild</a:t>
+            </a:r>
+          </a:p>
+          <a:p>
+            <a:pPr marL="0" indent="0">
+              <a:buFont typeface="Arial" panose="020B0604020202020204" pitchFamily="34" charset="0"/>
+              <a:buNone/>
+            </a:pPr>
             <a:endParaRPr lang="en-AU" dirty="0"/>
           </a:p>
           <a:p>
-            <a:pPr lvl="1"/>
+            <a:pPr marL="0" indent="0" algn="ctr">
+              <a:buFont typeface="Arial" panose="020B0604020202020204" pitchFamily="34" charset="0"/>
+              <a:buNone/>
+            </a:pPr>
             <a:r>
               <a:rPr lang="en-AU" dirty="0"/>
-              <a:t>Limited examples – all academic</a:t>
-            </a:r>
-          </a:p>
-        </p:txBody>
-      </p:sp>
+              <a:t>Command bots</a:t>
+            </a:r>
+          </a:p>
+          <a:p>
+            <a:pPr marL="0" indent="0">
+              <a:buFont typeface="Arial" panose="020B0604020202020204" pitchFamily="34" charset="0"/>
+              <a:buNone/>
+            </a:pPr>
+            <a:endParaRPr lang="en-AU" dirty="0"/>
+          </a:p>
+          <a:p>
+            <a:r>
+              <a:rPr lang="en-AU" sz="2000" dirty="0"/>
+              <a:t>Command-line over chat</a:t>
+            </a:r>
+          </a:p>
+          <a:p>
+            <a:pPr marL="0" indent="0">
+              <a:buFont typeface="Arial" panose="020B0604020202020204" pitchFamily="34" charset="0"/>
+              <a:buNone/>
+            </a:pPr>
+            <a:endParaRPr lang="en-AU" dirty="0"/>
+          </a:p>
+        </p:txBody>
+      </p:sp>
+      <p:pic>
+        <p:nvPicPr>
+          <p:cNvPr id="1026" name="Picture 2" descr="Image result for pizza clip">
+            <a:extLst>
+              <a:ext uri="{FF2B5EF4-FFF2-40B4-BE49-F238E27FC236}">
+                <a16:creationId xmlns:a16="http://schemas.microsoft.com/office/drawing/2014/main" id="{329E1BF7-7FDB-44C3-932D-AE5F36A48D3C}"/>
+              </a:ext>
+            </a:extLst>
+          </p:cNvPr>
+          <p:cNvPicPr>
+            <a:picLocks noChangeAspect="1" noChangeArrowheads="1"/>
+          </p:cNvPicPr>
+          <p:nvPr/>
+        </p:nvPicPr>
+        <p:blipFill>
+          <a:blip r:embed="rId3">
+            <a:extLst>
+              <a:ext uri="{28A0092B-C50C-407E-A947-70E740481C1C}">
+                <a14:useLocalDpi xmlns:a14="http://schemas.microsoft.com/office/drawing/2010/main" val="0"/>
+              </a:ext>
+            </a:extLst>
+          </a:blip>
+          <a:srcRect/>
+          <a:stretch>
+            <a:fillRect/>
+          </a:stretch>
+        </p:blipFill>
+        <p:spPr bwMode="auto">
+          <a:xfrm>
+            <a:off x="4991734" y="2078601"/>
+            <a:ext cx="1360805" cy="1079572"/>
+          </a:xfrm>
+          <a:prstGeom prst="rect">
+            <a:avLst/>
+          </a:prstGeom>
+          <a:noFill/>
+          <a:extLst>
+            <a:ext uri="{909E8E84-426E-40DD-AFC4-6F175D3DCCD1}">
+              <a14:hiddenFill xmlns:a14="http://schemas.microsoft.com/office/drawing/2010/main">
+                <a:solidFill>
+                  <a:srgbClr val="FFFFFF"/>
+                </a:solidFill>
+              </a14:hiddenFill>
+            </a:ext>
+          </a:extLst>
+        </p:spPr>
+      </p:pic>
+      <p:pic>
+        <p:nvPicPr>
+          <p:cNvPr id="1028" name="Picture 4" descr="Image result for support call clip">
+            <a:extLst>
+              <a:ext uri="{FF2B5EF4-FFF2-40B4-BE49-F238E27FC236}">
+                <a16:creationId xmlns:a16="http://schemas.microsoft.com/office/drawing/2014/main" id="{ACBBA73E-844B-4F97-9823-748D3D45C630}"/>
+              </a:ext>
+            </a:extLst>
+          </p:cNvPr>
+          <p:cNvPicPr>
+            <a:picLocks noChangeAspect="1" noChangeArrowheads="1"/>
+          </p:cNvPicPr>
+          <p:nvPr/>
+        </p:nvPicPr>
+        <p:blipFill>
+          <a:blip r:embed="rId4">
+            <a:extLst>
+              <a:ext uri="{28A0092B-C50C-407E-A947-70E740481C1C}">
+                <a14:useLocalDpi xmlns:a14="http://schemas.microsoft.com/office/drawing/2010/main" val="0"/>
+              </a:ext>
+            </a:extLst>
+          </a:blip>
+          <a:srcRect/>
+          <a:stretch>
+            <a:fillRect/>
+          </a:stretch>
+        </p:blipFill>
+        <p:spPr bwMode="auto">
+          <a:xfrm>
+            <a:off x="8982710" y="1895757"/>
+            <a:ext cx="1445260" cy="1445260"/>
+          </a:xfrm>
+          <a:prstGeom prst="rect">
+            <a:avLst/>
+          </a:prstGeom>
+          <a:noFill/>
+          <a:extLst>
+            <a:ext uri="{909E8E84-426E-40DD-AFC4-6F175D3DCCD1}">
+              <a14:hiddenFill xmlns:a14="http://schemas.microsoft.com/office/drawing/2010/main">
+                <a:solidFill>
+                  <a:srgbClr val="FFFFFF"/>
+                </a:solidFill>
+              </a14:hiddenFill>
+            </a:ext>
+          </a:extLst>
+        </p:spPr>
+      </p:pic>
     </p:spTree>
     <p:extLst>
       <p:ext uri="{BB962C8B-B14F-4D97-AF65-F5344CB8AC3E}">
@@ -8682,57 +9519,63 @@
           <a:chExt cx="0" cy="0"/>
         </a:xfrm>
       </p:grpSpPr>
-      <p:pic>
-        <p:nvPicPr>
-          <p:cNvPr id="6150" name="Picture 6" descr="http://www.douglasadams.com/creations/infocom.gif">
-            <a:extLst>
-              <a:ext uri="{FF2B5EF4-FFF2-40B4-BE49-F238E27FC236}">
-                <a16:creationId xmlns:a16="http://schemas.microsoft.com/office/drawing/2014/main" id="{5A87DBD9-C387-452F-8D38-BB7C23C6B4D3}"/>
-              </a:ext>
-            </a:extLst>
-          </p:cNvPr>
-          <p:cNvPicPr>
-            <a:picLocks noChangeAspect="1" noChangeArrowheads="1" noCrop="1"/>
-          </p:cNvPicPr>
-          <p:nvPr/>
-        </p:nvPicPr>
-        <p:blipFill>
-          <a:blip r:embed="rId2">
-            <a:extLst>
-              <a:ext uri="{28A0092B-C50C-407E-A947-70E740481C1C}">
-                <a14:useLocalDpi xmlns:a14="http://schemas.microsoft.com/office/drawing/2010/main" val="0"/>
-              </a:ext>
-            </a:extLst>
-          </a:blip>
-          <a:srcRect/>
-          <a:stretch>
-            <a:fillRect/>
-          </a:stretch>
-        </p:blipFill>
-        <p:spPr bwMode="auto">
-          <a:xfrm>
-            <a:off x="1991359" y="623214"/>
-            <a:ext cx="7294613" cy="5543906"/>
-          </a:xfrm>
-          <a:prstGeom prst="rect">
-            <a:avLst/>
-          </a:prstGeom>
-          <a:noFill/>
-          <a:extLst>
-            <a:ext uri="{909E8E84-426E-40DD-AFC4-6F175D3DCCD1}">
-              <a14:hiddenFill xmlns:a14="http://schemas.microsoft.com/office/drawing/2010/main">
-                <a:solidFill>
-                  <a:srgbClr val="FFFFFF"/>
-                </a:solidFill>
-              </a14:hiddenFill>
-            </a:ext>
-          </a:extLst>
-        </p:spPr>
-      </p:pic>
+      <p:sp>
+        <p:nvSpPr>
+          <p:cNvPr id="5" name="Title 4">
+            <a:extLst>
+              <a:ext uri="{FF2B5EF4-FFF2-40B4-BE49-F238E27FC236}">
+                <a16:creationId xmlns:a16="http://schemas.microsoft.com/office/drawing/2014/main" id="{7F7AA2D0-FBE7-48F9-B0D6-1F9CD8F3F03D}"/>
+              </a:ext>
+            </a:extLst>
+          </p:cNvPr>
+          <p:cNvSpPr>
+            <a:spLocks noGrp="1"/>
+          </p:cNvSpPr>
+          <p:nvPr>
+            <p:ph type="title"/>
+          </p:nvPr>
+        </p:nvSpPr>
+        <p:spPr/>
+        <p:txBody>
+          <a:bodyPr/>
+          <a:lstStyle/>
+          <a:p>
+            <a:r>
+              <a:rPr lang="en-AU" dirty="0"/>
+              <a:t>Why now?</a:t>
+            </a:r>
+          </a:p>
+        </p:txBody>
+      </p:sp>
+      <p:sp>
+        <p:nvSpPr>
+          <p:cNvPr id="6" name="Text Placeholder 5">
+            <a:extLst>
+              <a:ext uri="{FF2B5EF4-FFF2-40B4-BE49-F238E27FC236}">
+                <a16:creationId xmlns:a16="http://schemas.microsoft.com/office/drawing/2014/main" id="{37973B2E-1DA5-42B8-A96A-23CD4F921B70}"/>
+              </a:ext>
+            </a:extLst>
+          </p:cNvPr>
+          <p:cNvSpPr>
+            <a:spLocks noGrp="1"/>
+          </p:cNvSpPr>
+          <p:nvPr>
+            <p:ph type="body" idx="1"/>
+          </p:nvPr>
+        </p:nvSpPr>
+        <p:spPr/>
+        <p:txBody>
+          <a:bodyPr/>
+          <a:lstStyle/>
+          <a:p>
+            <a:endParaRPr lang="en-AU"/>
+          </a:p>
+        </p:txBody>
+      </p:sp>
     </p:spTree>
     <p:extLst>
       <p:ext uri="{BB962C8B-B14F-4D97-AF65-F5344CB8AC3E}">
-        <p14:creationId xmlns:p14="http://schemas.microsoft.com/office/powerpoint/2010/main" val="2968275344"/>
+        <p14:creationId xmlns:p14="http://schemas.microsoft.com/office/powerpoint/2010/main" val="180669404"/>
       </p:ext>
     </p:extLst>
   </p:cSld>
@@ -8759,63 +9602,40 @@
           <a:chExt cx="0" cy="0"/>
         </a:xfrm>
       </p:grpSpPr>
-      <p:sp>
-        <p:nvSpPr>
-          <p:cNvPr id="5" name="Title 4">
-            <a:extLst>
-              <a:ext uri="{FF2B5EF4-FFF2-40B4-BE49-F238E27FC236}">
-                <a16:creationId xmlns:a16="http://schemas.microsoft.com/office/drawing/2014/main" id="{7F7AA2D0-FBE7-48F9-B0D6-1F9CD8F3F03D}"/>
-              </a:ext>
-            </a:extLst>
-          </p:cNvPr>
-          <p:cNvSpPr>
-            <a:spLocks noGrp="1"/>
-          </p:cNvSpPr>
-          <p:nvPr>
-            <p:ph type="title"/>
-          </p:nvPr>
-        </p:nvSpPr>
-        <p:spPr/>
-        <p:txBody>
-          <a:bodyPr/>
-          <a:lstStyle/>
-          <a:p>
-            <a:r>
-              <a:rPr lang="en-AU" dirty="0"/>
-              <a:t>Why now?</a:t>
-            </a:r>
-          </a:p>
-        </p:txBody>
-      </p:sp>
-      <p:sp>
-        <p:nvSpPr>
-          <p:cNvPr id="6" name="Text Placeholder 5">
-            <a:extLst>
-              <a:ext uri="{FF2B5EF4-FFF2-40B4-BE49-F238E27FC236}">
-                <a16:creationId xmlns:a16="http://schemas.microsoft.com/office/drawing/2014/main" id="{37973B2E-1DA5-42B8-A96A-23CD4F921B70}"/>
-              </a:ext>
-            </a:extLst>
-          </p:cNvPr>
-          <p:cNvSpPr>
-            <a:spLocks noGrp="1"/>
-          </p:cNvSpPr>
-          <p:nvPr>
-            <p:ph type="body" idx="1"/>
-          </p:nvPr>
-        </p:nvSpPr>
-        <p:spPr/>
-        <p:txBody>
-          <a:bodyPr/>
-          <a:lstStyle/>
-          <a:p>
-            <a:endParaRPr lang="en-AU"/>
-          </a:p>
-        </p:txBody>
-      </p:sp>
+      <p:pic>
+        <p:nvPicPr>
+          <p:cNvPr id="6" name="Picture 5">
+            <a:extLst>
+              <a:ext uri="{FF2B5EF4-FFF2-40B4-BE49-F238E27FC236}">
+                <a16:creationId xmlns:a16="http://schemas.microsoft.com/office/drawing/2014/main" id="{C60CC1B5-74AB-4178-96A7-820F60D45824}"/>
+              </a:ext>
+            </a:extLst>
+          </p:cNvPr>
+          <p:cNvPicPr>
+            <a:picLocks noChangeAspect="1"/>
+          </p:cNvPicPr>
+          <p:nvPr/>
+        </p:nvPicPr>
+        <p:blipFill>
+          <a:blip r:embed="rId3"/>
+          <a:stretch>
+            <a:fillRect/>
+          </a:stretch>
+        </p:blipFill>
+        <p:spPr>
+          <a:xfrm>
+            <a:off x="585787" y="1528762"/>
+            <a:ext cx="11020425" cy="3800475"/>
+          </a:xfrm>
+          <a:prstGeom prst="rect">
+            <a:avLst/>
+          </a:prstGeom>
+        </p:spPr>
+      </p:pic>
     </p:spTree>
     <p:extLst>
       <p:ext uri="{BB962C8B-B14F-4D97-AF65-F5344CB8AC3E}">
-        <p14:creationId xmlns:p14="http://schemas.microsoft.com/office/powerpoint/2010/main" val="180669404"/>
+        <p14:creationId xmlns:p14="http://schemas.microsoft.com/office/powerpoint/2010/main" val="882670753"/>
       </p:ext>
     </p:extLst>
   </p:cSld>

--- a/Chatbots!.pptx
+++ b/Chatbots!.pptx
@@ -5,38 +5,42 @@
     <p:sldMasterId id="2147483648" r:id="rId1"/>
   </p:sldMasterIdLst>
   <p:notesMasterIdLst>
-    <p:notesMasterId r:id="rId31"/>
+    <p:notesMasterId r:id="rId35"/>
   </p:notesMasterIdLst>
   <p:sldIdLst>
     <p:sldId id="256" r:id="rId2"/>
     <p:sldId id="259" r:id="rId3"/>
     <p:sldId id="260" r:id="rId4"/>
-    <p:sldId id="261" r:id="rId5"/>
-    <p:sldId id="285" r:id="rId6"/>
-    <p:sldId id="262" r:id="rId7"/>
-    <p:sldId id="263" r:id="rId8"/>
-    <p:sldId id="264" r:id="rId9"/>
-    <p:sldId id="265" r:id="rId10"/>
-    <p:sldId id="271" r:id="rId11"/>
-    <p:sldId id="270" r:id="rId12"/>
-    <p:sldId id="266" r:id="rId13"/>
-    <p:sldId id="267" r:id="rId14"/>
-    <p:sldId id="268" r:id="rId15"/>
-    <p:sldId id="273" r:id="rId16"/>
-    <p:sldId id="287" r:id="rId17"/>
-    <p:sldId id="276" r:id="rId18"/>
-    <p:sldId id="275" r:id="rId19"/>
-    <p:sldId id="286" r:id="rId20"/>
-    <p:sldId id="288" r:id="rId21"/>
-    <p:sldId id="277" r:id="rId22"/>
-    <p:sldId id="284" r:id="rId23"/>
-    <p:sldId id="290" r:id="rId24"/>
-    <p:sldId id="278" r:id="rId25"/>
-    <p:sldId id="282" r:id="rId26"/>
-    <p:sldId id="281" r:id="rId27"/>
-    <p:sldId id="283" r:id="rId28"/>
-    <p:sldId id="291" r:id="rId29"/>
-    <p:sldId id="289" r:id="rId30"/>
+    <p:sldId id="293" r:id="rId5"/>
+    <p:sldId id="261" r:id="rId6"/>
+    <p:sldId id="285" r:id="rId7"/>
+    <p:sldId id="262" r:id="rId8"/>
+    <p:sldId id="263" r:id="rId9"/>
+    <p:sldId id="264" r:id="rId10"/>
+    <p:sldId id="265" r:id="rId11"/>
+    <p:sldId id="271" r:id="rId12"/>
+    <p:sldId id="270" r:id="rId13"/>
+    <p:sldId id="266" r:id="rId14"/>
+    <p:sldId id="267" r:id="rId15"/>
+    <p:sldId id="268" r:id="rId16"/>
+    <p:sldId id="273" r:id="rId17"/>
+    <p:sldId id="287" r:id="rId18"/>
+    <p:sldId id="276" r:id="rId19"/>
+    <p:sldId id="275" r:id="rId20"/>
+    <p:sldId id="286" r:id="rId21"/>
+    <p:sldId id="288" r:id="rId22"/>
+    <p:sldId id="277" r:id="rId23"/>
+    <p:sldId id="284" r:id="rId24"/>
+    <p:sldId id="290" r:id="rId25"/>
+    <p:sldId id="278" r:id="rId26"/>
+    <p:sldId id="282" r:id="rId27"/>
+    <p:sldId id="281" r:id="rId28"/>
+    <p:sldId id="283" r:id="rId29"/>
+    <p:sldId id="291" r:id="rId30"/>
+    <p:sldId id="295" r:id="rId31"/>
+    <p:sldId id="292" r:id="rId32"/>
+    <p:sldId id="294" r:id="rId33"/>
+    <p:sldId id="289" r:id="rId34"/>
   </p:sldIdLst>
   <p:sldSz cx="12192000" cy="6858000"/>
   <p:notesSz cx="6858000" cy="9144000"/>
@@ -229,7 +233,7 @@
           <a:p>
             <a:fld id="{3392CE13-405C-41BA-8D6C-4758DB22BCBB}" type="datetimeFigureOut">
               <a:rPr lang="en-AU" smtClean="0"/>
-              <a:t>26/07/2017</a:t>
+              <a:t>29/07/2017</a:t>
             </a:fld>
             <a:endParaRPr lang="en-AU"/>
           </a:p>
@@ -579,7 +583,7 @@
           <a:p>
             <a:fld id="{1D2B8478-9C36-4076-AFB2-BC803E1CDF2C}" type="slidenum">
               <a:rPr lang="en-AU" smtClean="0"/>
-              <a:t>6</a:t>
+              <a:t>7</a:t>
             </a:fld>
             <a:endParaRPr lang="en-AU"/>
           </a:p>
@@ -678,7 +682,7 @@
           <a:p>
             <a:fld id="{1D2B8478-9C36-4076-AFB2-BC803E1CDF2C}" type="slidenum">
               <a:rPr lang="en-AU" smtClean="0"/>
-              <a:t>19</a:t>
+              <a:t>20</a:t>
             </a:fld>
             <a:endParaRPr lang="en-AU"/>
           </a:p>
@@ -774,7 +778,7 @@
           <a:p>
             <a:fld id="{1D2B8478-9C36-4076-AFB2-BC803E1CDF2C}" type="slidenum">
               <a:rPr lang="en-AU" smtClean="0"/>
-              <a:t>22</a:t>
+              <a:t>23</a:t>
             </a:fld>
             <a:endParaRPr lang="en-AU"/>
           </a:p>
@@ -861,7 +865,7 @@
           <a:p>
             <a:fld id="{1D2B8478-9C36-4076-AFB2-BC803E1CDF2C}" type="slidenum">
               <a:rPr lang="en-AU" smtClean="0"/>
-              <a:t>24</a:t>
+              <a:t>25</a:t>
             </a:fld>
             <a:endParaRPr lang="en-AU"/>
           </a:p>
@@ -948,7 +952,7 @@
           <a:p>
             <a:fld id="{1D2B8478-9C36-4076-AFB2-BC803E1CDF2C}" type="slidenum">
               <a:rPr lang="en-AU" smtClean="0"/>
-              <a:t>26</a:t>
+              <a:t>27</a:t>
             </a:fld>
             <a:endParaRPr lang="en-AU"/>
           </a:p>
@@ -1172,7 +1176,7 @@
           <a:p>
             <a:fld id="{1D2B8478-9C36-4076-AFB2-BC803E1CDF2C}" type="slidenum">
               <a:rPr lang="en-AU" smtClean="0"/>
-              <a:t>27</a:t>
+              <a:t>28</a:t>
             </a:fld>
             <a:endParaRPr lang="en-AU"/>
           </a:p>
@@ -1288,7 +1292,7 @@
           <a:p>
             <a:fld id="{1D2B8478-9C36-4076-AFB2-BC803E1CDF2C}" type="slidenum">
               <a:rPr lang="en-AU" smtClean="0"/>
-              <a:t>7</a:t>
+              <a:t>8</a:t>
             </a:fld>
             <a:endParaRPr lang="en-AU"/>
           </a:p>
@@ -1372,7 +1376,7 @@
           <a:p>
             <a:fld id="{1D2B8478-9C36-4076-AFB2-BC803E1CDF2C}" type="slidenum">
               <a:rPr lang="en-AU" smtClean="0"/>
-              <a:t>9</a:t>
+              <a:t>10</a:t>
             </a:fld>
             <a:endParaRPr lang="en-AU"/>
           </a:p>
@@ -1456,7 +1460,7 @@
           <a:p>
             <a:fld id="{1D2B8478-9C36-4076-AFB2-BC803E1CDF2C}" type="slidenum">
               <a:rPr lang="en-AU" smtClean="0"/>
-              <a:t>10</a:t>
+              <a:t>11</a:t>
             </a:fld>
             <a:endParaRPr lang="en-AU"/>
           </a:p>
@@ -1611,7 +1615,7 @@
           <a:p>
             <a:fld id="{1D2B8478-9C36-4076-AFB2-BC803E1CDF2C}" type="slidenum">
               <a:rPr lang="en-AU" smtClean="0"/>
-              <a:t>12</a:t>
+              <a:t>13</a:t>
             </a:fld>
             <a:endParaRPr lang="en-AU"/>
           </a:p>
@@ -1807,7 +1811,7 @@
           <a:p>
             <a:fld id="{1D2B8478-9C36-4076-AFB2-BC803E1CDF2C}" type="slidenum">
               <a:rPr lang="en-AU" smtClean="0"/>
-              <a:t>13</a:t>
+              <a:t>14</a:t>
             </a:fld>
             <a:endParaRPr lang="en-AU"/>
           </a:p>
@@ -1917,7 +1921,7 @@
           <a:p>
             <a:fld id="{1D2B8478-9C36-4076-AFB2-BC803E1CDF2C}" type="slidenum">
               <a:rPr lang="en-AU" smtClean="0"/>
-              <a:t>14</a:t>
+              <a:t>15</a:t>
             </a:fld>
             <a:endParaRPr lang="en-AU"/>
           </a:p>
@@ -2001,7 +2005,7 @@
           <a:p>
             <a:fld id="{1D2B8478-9C36-4076-AFB2-BC803E1CDF2C}" type="slidenum">
               <a:rPr lang="en-AU" smtClean="0"/>
-              <a:t>17</a:t>
+              <a:t>18</a:t>
             </a:fld>
             <a:endParaRPr lang="en-AU"/>
           </a:p>
@@ -2085,7 +2089,7 @@
           <a:p>
             <a:fld id="{1D2B8478-9C36-4076-AFB2-BC803E1CDF2C}" type="slidenum">
               <a:rPr lang="en-AU" smtClean="0"/>
-              <a:t>18</a:t>
+              <a:t>19</a:t>
             </a:fld>
             <a:endParaRPr lang="en-AU"/>
           </a:p>
@@ -2253,7 +2257,7 @@
           <a:p>
             <a:fld id="{1ECA68B9-4691-40D0-B98B-1DA09131E5F3}" type="datetimeFigureOut">
               <a:rPr lang="en-AU" smtClean="0"/>
-              <a:t>26/07/2017</a:t>
+              <a:t>29/07/2017</a:t>
             </a:fld>
             <a:endParaRPr lang="en-AU"/>
           </a:p>
@@ -2453,7 +2457,7 @@
           <a:p>
             <a:fld id="{1ECA68B9-4691-40D0-B98B-1DA09131E5F3}" type="datetimeFigureOut">
               <a:rPr lang="en-AU" smtClean="0"/>
-              <a:t>26/07/2017</a:t>
+              <a:t>29/07/2017</a:t>
             </a:fld>
             <a:endParaRPr lang="en-AU"/>
           </a:p>
@@ -2698,7 +2702,7 @@
           <a:p>
             <a:fld id="{1ECA68B9-4691-40D0-B98B-1DA09131E5F3}" type="datetimeFigureOut">
               <a:rPr lang="en-AU" smtClean="0"/>
-              <a:t>26/07/2017</a:t>
+              <a:t>29/07/2017</a:t>
             </a:fld>
             <a:endParaRPr lang="en-AU"/>
           </a:p>
@@ -2933,7 +2937,7 @@
           <a:p>
             <a:fld id="{1ECA68B9-4691-40D0-B98B-1DA09131E5F3}" type="datetimeFigureOut">
               <a:rPr lang="en-AU" smtClean="0"/>
-              <a:t>26/07/2017</a:t>
+              <a:t>29/07/2017</a:t>
             </a:fld>
             <a:endParaRPr lang="en-AU"/>
           </a:p>
@@ -3244,7 +3248,7 @@
           <a:p>
             <a:fld id="{1ECA68B9-4691-40D0-B98B-1DA09131E5F3}" type="datetimeFigureOut">
               <a:rPr lang="en-AU" smtClean="0"/>
-              <a:t>26/07/2017</a:t>
+              <a:t>29/07/2017</a:t>
             </a:fld>
             <a:endParaRPr lang="en-AU"/>
           </a:p>
@@ -3547,7 +3551,7 @@
           <a:p>
             <a:fld id="{1ECA68B9-4691-40D0-B98B-1DA09131E5F3}" type="datetimeFigureOut">
               <a:rPr lang="en-AU" smtClean="0"/>
-              <a:t>26/07/2017</a:t>
+              <a:t>29/07/2017</a:t>
             </a:fld>
             <a:endParaRPr lang="en-AU"/>
           </a:p>
@@ -3997,7 +4001,7 @@
           <a:p>
             <a:fld id="{1ECA68B9-4691-40D0-B98B-1DA09131E5F3}" type="datetimeFigureOut">
               <a:rPr lang="en-AU" smtClean="0"/>
-              <a:t>26/07/2017</a:t>
+              <a:t>29/07/2017</a:t>
             </a:fld>
             <a:endParaRPr lang="en-AU"/>
           </a:p>
@@ -4174,7 +4178,7 @@
           <a:p>
             <a:fld id="{1ECA68B9-4691-40D0-B98B-1DA09131E5F3}" type="datetimeFigureOut">
               <a:rPr lang="en-AU" smtClean="0"/>
-              <a:t>26/07/2017</a:t>
+              <a:t>29/07/2017</a:t>
             </a:fld>
             <a:endParaRPr lang="en-AU"/>
           </a:p>
@@ -4322,7 +4326,7 @@
           <a:p>
             <a:fld id="{1ECA68B9-4691-40D0-B98B-1DA09131E5F3}" type="datetimeFigureOut">
               <a:rPr lang="en-AU" smtClean="0"/>
-              <a:t>26/07/2017</a:t>
+              <a:t>29/07/2017</a:t>
             </a:fld>
             <a:endParaRPr lang="en-AU"/>
           </a:p>
@@ -4670,7 +4674,7 @@
           <a:p>
             <a:fld id="{1ECA68B9-4691-40D0-B98B-1DA09131E5F3}" type="datetimeFigureOut">
               <a:rPr lang="en-AU" smtClean="0"/>
-              <a:t>26/07/2017</a:t>
+              <a:t>29/07/2017</a:t>
             </a:fld>
             <a:endParaRPr lang="en-AU"/>
           </a:p>
@@ -4994,7 +4998,7 @@
           <a:p>
             <a:fld id="{1ECA68B9-4691-40D0-B98B-1DA09131E5F3}" type="datetimeFigureOut">
               <a:rPr lang="en-AU" smtClean="0"/>
-              <a:t>26/07/2017</a:t>
+              <a:t>29/07/2017</a:t>
             </a:fld>
             <a:endParaRPr lang="en-AU"/>
           </a:p>
@@ -5272,7 +5276,7 @@
           <a:p>
             <a:fld id="{1ECA68B9-4691-40D0-B98B-1DA09131E5F3}" type="datetimeFigureOut">
               <a:rPr lang="en-AU" smtClean="0"/>
-              <a:t>26/07/2017</a:t>
+              <a:t>29/07/2017</a:t>
             </a:fld>
             <a:endParaRPr lang="en-AU"/>
           </a:p>
@@ -5791,56 +5795,40 @@
           <a:chExt cx="0" cy="0"/>
         </a:xfrm>
       </p:grpSpPr>
-      <p:sp>
-        <p:nvSpPr>
-          <p:cNvPr id="3" name="Content Placeholder 2">
-            <a:extLst>
-              <a:ext uri="{FF2B5EF4-FFF2-40B4-BE49-F238E27FC236}">
-                <a16:creationId xmlns:a16="http://schemas.microsoft.com/office/drawing/2014/main" id="{98D023C3-1634-44CD-B423-9E8CABA4EC71}"/>
-              </a:ext>
-            </a:extLst>
-          </p:cNvPr>
-          <p:cNvSpPr>
-            <a:spLocks noGrp="1"/>
-          </p:cNvSpPr>
-          <p:nvPr>
-            <p:ph idx="1"/>
-          </p:nvPr>
-        </p:nvSpPr>
+      <p:pic>
+        <p:nvPicPr>
+          <p:cNvPr id="6" name="Picture 5">
+            <a:extLst>
+              <a:ext uri="{FF2B5EF4-FFF2-40B4-BE49-F238E27FC236}">
+                <a16:creationId xmlns:a16="http://schemas.microsoft.com/office/drawing/2014/main" id="{C60CC1B5-74AB-4178-96A7-820F60D45824}"/>
+              </a:ext>
+            </a:extLst>
+          </p:cNvPr>
+          <p:cNvPicPr>
+            <a:picLocks noChangeAspect="1"/>
+          </p:cNvPicPr>
+          <p:nvPr/>
+        </p:nvPicPr>
+        <p:blipFill>
+          <a:blip r:embed="rId3"/>
+          <a:stretch>
+            <a:fillRect/>
+          </a:stretch>
+        </p:blipFill>
         <p:spPr>
           <a:xfrm>
-            <a:off x="838200" y="487680"/>
-            <a:ext cx="10515600" cy="5689283"/>
+            <a:off x="585787" y="1528762"/>
+            <a:ext cx="11020425" cy="3800475"/>
           </a:xfrm>
+          <a:prstGeom prst="rect">
+            <a:avLst/>
+          </a:prstGeom>
         </p:spPr>
-        <p:txBody>
-          <a:bodyPr anchor="ctr"/>
-          <a:lstStyle/>
-          <a:p>
-            <a:pPr marL="0" indent="0" algn="ctr">
-              <a:buNone/>
-            </a:pPr>
-            <a:r>
-              <a:rPr lang="en-AU" i="1" dirty="0"/>
-              <a:t>“Chatbots will fundamentally revolutionize how computing is experienced by everybody.” </a:t>
-            </a:r>
-          </a:p>
-          <a:p>
-            <a:pPr marL="0" indent="0" algn="ctr">
-              <a:buNone/>
-            </a:pPr>
-            <a:r>
-              <a:rPr lang="en-AU" i="1" dirty="0"/>
-              <a:t>				— Satya Nadella, Microsoft CEO</a:t>
-            </a:r>
-            <a:endParaRPr lang="en-AU" dirty="0"/>
-          </a:p>
-        </p:txBody>
-      </p:sp>
+      </p:pic>
     </p:spTree>
     <p:extLst>
       <p:ext uri="{BB962C8B-B14F-4D97-AF65-F5344CB8AC3E}">
-        <p14:creationId xmlns:p14="http://schemas.microsoft.com/office/powerpoint/2010/main" val="1234573341"/>
+        <p14:creationId xmlns:p14="http://schemas.microsoft.com/office/powerpoint/2010/main" val="882670753"/>
       </p:ext>
     </p:extLst>
   </p:cSld>
@@ -5869,6 +5857,82 @@
       </p:grpSpPr>
       <p:sp>
         <p:nvSpPr>
+          <p:cNvPr id="3" name="Content Placeholder 2">
+            <a:extLst>
+              <a:ext uri="{FF2B5EF4-FFF2-40B4-BE49-F238E27FC236}">
+                <a16:creationId xmlns:a16="http://schemas.microsoft.com/office/drawing/2014/main" id="{98D023C3-1634-44CD-B423-9E8CABA4EC71}"/>
+              </a:ext>
+            </a:extLst>
+          </p:cNvPr>
+          <p:cNvSpPr>
+            <a:spLocks noGrp="1"/>
+          </p:cNvSpPr>
+          <p:nvPr>
+            <p:ph idx="1"/>
+          </p:nvPr>
+        </p:nvSpPr>
+        <p:spPr>
+          <a:xfrm>
+            <a:off x="838200" y="487680"/>
+            <a:ext cx="10515600" cy="5689283"/>
+          </a:xfrm>
+        </p:spPr>
+        <p:txBody>
+          <a:bodyPr anchor="ctr"/>
+          <a:lstStyle/>
+          <a:p>
+            <a:pPr marL="0" indent="0" algn="ctr">
+              <a:buNone/>
+            </a:pPr>
+            <a:r>
+              <a:rPr lang="en-AU" i="1" dirty="0"/>
+              <a:t>“Chatbots will fundamentally revolutionize how computing is experienced by everybody.” </a:t>
+            </a:r>
+          </a:p>
+          <a:p>
+            <a:pPr marL="0" indent="0" algn="ctr">
+              <a:buNone/>
+            </a:pPr>
+            <a:r>
+              <a:rPr lang="en-AU" i="1" dirty="0"/>
+              <a:t>				— Satya Nadella, Microsoft CEO</a:t>
+            </a:r>
+            <a:endParaRPr lang="en-AU" dirty="0"/>
+          </a:p>
+        </p:txBody>
+      </p:sp>
+    </p:spTree>
+    <p:extLst>
+      <p:ext uri="{BB962C8B-B14F-4D97-AF65-F5344CB8AC3E}">
+        <p14:creationId xmlns:p14="http://schemas.microsoft.com/office/powerpoint/2010/main" val="1234573341"/>
+      </p:ext>
+    </p:extLst>
+  </p:cSld>
+  <p:clrMapOvr>
+    <a:masterClrMapping/>
+  </p:clrMapOvr>
+</p:sld>
+</file>
+
+<file path=ppt/slides/slide12.xml><?xml version="1.0" encoding="utf-8"?>
+<p:sld xmlns:a="http://schemas.openxmlformats.org/drawingml/2006/main" xmlns:r="http://schemas.openxmlformats.org/officeDocument/2006/relationships" xmlns:p="http://schemas.openxmlformats.org/presentationml/2006/main">
+  <p:cSld>
+    <p:spTree>
+      <p:nvGrpSpPr>
+        <p:cNvPr id="1" name=""/>
+        <p:cNvGrpSpPr/>
+        <p:nvPr/>
+      </p:nvGrpSpPr>
+      <p:grpSpPr>
+        <a:xfrm>
+          <a:off x="0" y="0"/>
+          <a:ext cx="0" cy="0"/>
+          <a:chOff x="0" y="0"/>
+          <a:chExt cx="0" cy="0"/>
+        </a:xfrm>
+      </p:grpSpPr>
+      <p:sp>
+        <p:nvSpPr>
           <p:cNvPr id="2" name="Title 1">
             <a:extLst>
               <a:ext uri="{FF2B5EF4-FFF2-40B4-BE49-F238E27FC236}">
@@ -5974,7 +6038,7 @@
 </p:sld>
 </file>
 
-<file path=ppt/slides/slide12.xml><?xml version="1.0" encoding="utf-8"?>
+<file path=ppt/slides/slide13.xml><?xml version="1.0" encoding="utf-8"?>
 <p:sld xmlns:a="http://schemas.openxmlformats.org/drawingml/2006/main" xmlns:r="http://schemas.openxmlformats.org/officeDocument/2006/relationships" xmlns:p="http://schemas.openxmlformats.org/presentationml/2006/main">
   <p:cSld>
     <p:spTree>
@@ -6051,7 +6115,7 @@
 </p:sld>
 </file>
 
-<file path=ppt/slides/slide13.xml><?xml version="1.0" encoding="utf-8"?>
+<file path=ppt/slides/slide14.xml><?xml version="1.0" encoding="utf-8"?>
 <p:sld xmlns:a="http://schemas.openxmlformats.org/drawingml/2006/main" xmlns:r="http://schemas.openxmlformats.org/officeDocument/2006/relationships" xmlns:p="http://schemas.openxmlformats.org/presentationml/2006/main">
   <p:cSld>
     <p:spTree>
@@ -6128,7 +6192,7 @@
 </p:sld>
 </file>
 
-<file path=ppt/slides/slide14.xml><?xml version="1.0" encoding="utf-8"?>
+<file path=ppt/slides/slide15.xml><?xml version="1.0" encoding="utf-8"?>
 <p:sld xmlns:a="http://schemas.openxmlformats.org/drawingml/2006/main" xmlns:r="http://schemas.openxmlformats.org/officeDocument/2006/relationships" xmlns:p="http://schemas.openxmlformats.org/presentationml/2006/main">
   <p:cSld>
     <p:spTree>
@@ -6303,89 +6367,6 @@
 </p:sld>
 </file>
 
-<file path=ppt/slides/slide15.xml><?xml version="1.0" encoding="utf-8"?>
-<p:sld xmlns:a="http://schemas.openxmlformats.org/drawingml/2006/main" xmlns:r="http://schemas.openxmlformats.org/officeDocument/2006/relationships" xmlns:p="http://schemas.openxmlformats.org/presentationml/2006/main">
-  <p:cSld>
-    <p:spTree>
-      <p:nvGrpSpPr>
-        <p:cNvPr id="1" name=""/>
-        <p:cNvGrpSpPr/>
-        <p:nvPr/>
-      </p:nvGrpSpPr>
-      <p:grpSpPr>
-        <a:xfrm>
-          <a:off x="0" y="0"/>
-          <a:ext cx="0" cy="0"/>
-          <a:chOff x="0" y="0"/>
-          <a:chExt cx="0" cy="0"/>
-        </a:xfrm>
-      </p:grpSpPr>
-      <p:sp>
-        <p:nvSpPr>
-          <p:cNvPr id="5" name="Title 4">
-            <a:extLst>
-              <a:ext uri="{FF2B5EF4-FFF2-40B4-BE49-F238E27FC236}">
-                <a16:creationId xmlns:a16="http://schemas.microsoft.com/office/drawing/2014/main" id="{CED5D5AC-CD20-4057-A569-92AAE7E8013A}"/>
-              </a:ext>
-            </a:extLst>
-          </p:cNvPr>
-          <p:cNvSpPr>
-            <a:spLocks noGrp="1"/>
-          </p:cNvSpPr>
-          <p:nvPr>
-            <p:ph type="title"/>
-          </p:nvPr>
-        </p:nvSpPr>
-        <p:spPr/>
-        <p:txBody>
-          <a:bodyPr/>
-          <a:lstStyle/>
-          <a:p>
-            <a:r>
-              <a:rPr lang="en-AU" dirty="0"/>
-              <a:t>Opportunities</a:t>
-            </a:r>
-          </a:p>
-        </p:txBody>
-      </p:sp>
-      <p:sp>
-        <p:nvSpPr>
-          <p:cNvPr id="6" name="Text Placeholder 5">
-            <a:extLst>
-              <a:ext uri="{FF2B5EF4-FFF2-40B4-BE49-F238E27FC236}">
-                <a16:creationId xmlns:a16="http://schemas.microsoft.com/office/drawing/2014/main" id="{767362A1-F889-4FF9-96D3-29CC9B204536}"/>
-              </a:ext>
-            </a:extLst>
-          </p:cNvPr>
-          <p:cNvSpPr>
-            <a:spLocks noGrp="1"/>
-          </p:cNvSpPr>
-          <p:nvPr>
-            <p:ph type="body" idx="1"/>
-          </p:nvPr>
-        </p:nvSpPr>
-        <p:spPr/>
-        <p:txBody>
-          <a:bodyPr/>
-          <a:lstStyle/>
-          <a:p>
-            <a:endParaRPr lang="en-AU"/>
-          </a:p>
-        </p:txBody>
-      </p:sp>
-    </p:spTree>
-    <p:extLst>
-      <p:ext uri="{BB962C8B-B14F-4D97-AF65-F5344CB8AC3E}">
-        <p14:creationId xmlns:p14="http://schemas.microsoft.com/office/powerpoint/2010/main" val="2575848382"/>
-      </p:ext>
-    </p:extLst>
-  </p:cSld>
-  <p:clrMapOvr>
-    <a:masterClrMapping/>
-  </p:clrMapOvr>
-</p:sld>
-</file>
-
 <file path=ppt/slides/slide16.xml><?xml version="1.0" encoding="utf-8"?>
 <p:sld xmlns:a="http://schemas.openxmlformats.org/drawingml/2006/main" xmlns:r="http://schemas.openxmlformats.org/officeDocument/2006/relationships" xmlns:p="http://schemas.openxmlformats.org/presentationml/2006/main">
   <p:cSld>
@@ -6405,6 +6386,89 @@
       </p:grpSpPr>
       <p:sp>
         <p:nvSpPr>
+          <p:cNvPr id="5" name="Title 4">
+            <a:extLst>
+              <a:ext uri="{FF2B5EF4-FFF2-40B4-BE49-F238E27FC236}">
+                <a16:creationId xmlns:a16="http://schemas.microsoft.com/office/drawing/2014/main" id="{CED5D5AC-CD20-4057-A569-92AAE7E8013A}"/>
+              </a:ext>
+            </a:extLst>
+          </p:cNvPr>
+          <p:cNvSpPr>
+            <a:spLocks noGrp="1"/>
+          </p:cNvSpPr>
+          <p:nvPr>
+            <p:ph type="title"/>
+          </p:nvPr>
+        </p:nvSpPr>
+        <p:spPr/>
+        <p:txBody>
+          <a:bodyPr/>
+          <a:lstStyle/>
+          <a:p>
+            <a:r>
+              <a:rPr lang="en-AU" dirty="0"/>
+              <a:t>Opportunities</a:t>
+            </a:r>
+          </a:p>
+        </p:txBody>
+      </p:sp>
+      <p:sp>
+        <p:nvSpPr>
+          <p:cNvPr id="6" name="Text Placeholder 5">
+            <a:extLst>
+              <a:ext uri="{FF2B5EF4-FFF2-40B4-BE49-F238E27FC236}">
+                <a16:creationId xmlns:a16="http://schemas.microsoft.com/office/drawing/2014/main" id="{767362A1-F889-4FF9-96D3-29CC9B204536}"/>
+              </a:ext>
+            </a:extLst>
+          </p:cNvPr>
+          <p:cNvSpPr>
+            <a:spLocks noGrp="1"/>
+          </p:cNvSpPr>
+          <p:nvPr>
+            <p:ph type="body" idx="1"/>
+          </p:nvPr>
+        </p:nvSpPr>
+        <p:spPr/>
+        <p:txBody>
+          <a:bodyPr/>
+          <a:lstStyle/>
+          <a:p>
+            <a:endParaRPr lang="en-AU"/>
+          </a:p>
+        </p:txBody>
+      </p:sp>
+    </p:spTree>
+    <p:extLst>
+      <p:ext uri="{BB962C8B-B14F-4D97-AF65-F5344CB8AC3E}">
+        <p14:creationId xmlns:p14="http://schemas.microsoft.com/office/powerpoint/2010/main" val="2575848382"/>
+      </p:ext>
+    </p:extLst>
+  </p:cSld>
+  <p:clrMapOvr>
+    <a:masterClrMapping/>
+  </p:clrMapOvr>
+</p:sld>
+</file>
+
+<file path=ppt/slides/slide17.xml><?xml version="1.0" encoding="utf-8"?>
+<p:sld xmlns:a="http://schemas.openxmlformats.org/drawingml/2006/main" xmlns:r="http://schemas.openxmlformats.org/officeDocument/2006/relationships" xmlns:p="http://schemas.openxmlformats.org/presentationml/2006/main">
+  <p:cSld>
+    <p:spTree>
+      <p:nvGrpSpPr>
+        <p:cNvPr id="1" name=""/>
+        <p:cNvGrpSpPr/>
+        <p:nvPr/>
+      </p:nvGrpSpPr>
+      <p:grpSpPr>
+        <a:xfrm>
+          <a:off x="0" y="0"/>
+          <a:ext cx="0" cy="0"/>
+          <a:chOff x="0" y="0"/>
+          <a:chExt cx="0" cy="0"/>
+        </a:xfrm>
+      </p:grpSpPr>
+      <p:sp>
+        <p:nvSpPr>
           <p:cNvPr id="2" name="Title 1">
             <a:extLst>
               <a:ext uri="{FF2B5EF4-FFF2-40B4-BE49-F238E27FC236}">
@@ -6516,7 +6580,7 @@
 </p:sld>
 </file>
 
-<file path=ppt/slides/slide17.xml><?xml version="1.0" encoding="utf-8"?>
+<file path=ppt/slides/slide18.xml><?xml version="1.0" encoding="utf-8"?>
 <p:sld xmlns:a="http://schemas.openxmlformats.org/drawingml/2006/main" xmlns:r="http://schemas.openxmlformats.org/officeDocument/2006/relationships" xmlns:p="http://schemas.openxmlformats.org/presentationml/2006/main">
   <p:cSld>
     <p:spTree>
@@ -6621,7 +6685,7 @@
 </p:sld>
 </file>
 
-<file path=ppt/slides/slide18.xml><?xml version="1.0" encoding="utf-8"?>
+<file path=ppt/slides/slide19.xml><?xml version="1.0" encoding="utf-8"?>
 <p:sld xmlns:a="http://schemas.openxmlformats.org/drawingml/2006/main" xmlns:r="http://schemas.openxmlformats.org/officeDocument/2006/relationships" xmlns:p="http://schemas.openxmlformats.org/presentationml/2006/main">
   <p:cSld>
     <p:spTree>
@@ -6709,145 +6773,6 @@
 </p:sld>
 </file>
 
-<file path=ppt/slides/slide19.xml><?xml version="1.0" encoding="utf-8"?>
-<p:sld xmlns:a="http://schemas.openxmlformats.org/drawingml/2006/main" xmlns:r="http://schemas.openxmlformats.org/officeDocument/2006/relationships" xmlns:p="http://schemas.openxmlformats.org/presentationml/2006/main">
-  <p:cSld>
-    <p:spTree>
-      <p:nvGrpSpPr>
-        <p:cNvPr id="1" name=""/>
-        <p:cNvGrpSpPr/>
-        <p:nvPr/>
-      </p:nvGrpSpPr>
-      <p:grpSpPr>
-        <a:xfrm>
-          <a:off x="0" y="0"/>
-          <a:ext cx="0" cy="0"/>
-          <a:chOff x="0" y="0"/>
-          <a:chExt cx="0" cy="0"/>
-        </a:xfrm>
-      </p:grpSpPr>
-      <p:sp>
-        <p:nvSpPr>
-          <p:cNvPr id="4" name="Title 3">
-            <a:extLst>
-              <a:ext uri="{FF2B5EF4-FFF2-40B4-BE49-F238E27FC236}">
-                <a16:creationId xmlns:a16="http://schemas.microsoft.com/office/drawing/2014/main" id="{E84DAF49-D74E-462C-A42C-68A11656E97D}"/>
-              </a:ext>
-            </a:extLst>
-          </p:cNvPr>
-          <p:cNvSpPr>
-            <a:spLocks noGrp="1"/>
-          </p:cNvSpPr>
-          <p:nvPr>
-            <p:ph type="title"/>
-          </p:nvPr>
-        </p:nvSpPr>
-        <p:spPr/>
-        <p:txBody>
-          <a:bodyPr/>
-          <a:lstStyle/>
-          <a:p>
-            <a:r>
-              <a:rPr lang="en-AU" dirty="0"/>
-              <a:t>Developers</a:t>
-            </a:r>
-          </a:p>
-        </p:txBody>
-      </p:sp>
-      <p:sp>
-        <p:nvSpPr>
-          <p:cNvPr id="5" name="Content Placeholder 4">
-            <a:extLst>
-              <a:ext uri="{FF2B5EF4-FFF2-40B4-BE49-F238E27FC236}">
-                <a16:creationId xmlns:a16="http://schemas.microsoft.com/office/drawing/2014/main" id="{C98AD16A-E0C4-447C-B5EA-E3739FA2B8DE}"/>
-              </a:ext>
-            </a:extLst>
-          </p:cNvPr>
-          <p:cNvSpPr>
-            <a:spLocks noGrp="1"/>
-          </p:cNvSpPr>
-          <p:nvPr>
-            <p:ph idx="1"/>
-          </p:nvPr>
-        </p:nvSpPr>
-        <p:spPr/>
-        <p:txBody>
-          <a:bodyPr>
-            <a:normAutofit fontScale="92500" lnSpcReduction="20000"/>
-          </a:bodyPr>
-          <a:lstStyle/>
-          <a:p>
-            <a:endParaRPr lang="en-AU" dirty="0"/>
-          </a:p>
-          <a:p>
-            <a:r>
-              <a:rPr lang="en-AU" dirty="0"/>
-              <a:t>Actually Build Once (for a change)!</a:t>
-            </a:r>
-          </a:p>
-          <a:p>
-            <a:endParaRPr lang="en-AU" dirty="0"/>
-          </a:p>
-          <a:p>
-            <a:r>
-              <a:rPr lang="en-AU" dirty="0"/>
-              <a:t>Iterate quickly</a:t>
-            </a:r>
-          </a:p>
-          <a:p>
-            <a:endParaRPr lang="en-AU" dirty="0"/>
-          </a:p>
-          <a:p>
-            <a:r>
-              <a:rPr lang="en-AU" dirty="0"/>
-              <a:t>Distribute broadly</a:t>
-            </a:r>
-          </a:p>
-          <a:p>
-            <a:endParaRPr lang="en-AU" dirty="0"/>
-          </a:p>
-          <a:p>
-            <a:r>
-              <a:rPr lang="en-AU" dirty="0"/>
-              <a:t>Replace legacy LOB applications</a:t>
-            </a:r>
-          </a:p>
-          <a:p>
-            <a:endParaRPr lang="en-AU" dirty="0"/>
-          </a:p>
-          <a:p>
-            <a:r>
-              <a:rPr lang="en-AU" dirty="0"/>
-              <a:t>Extend using API’s</a:t>
-            </a:r>
-          </a:p>
-          <a:p>
-            <a:endParaRPr lang="en-AU" dirty="0"/>
-          </a:p>
-          <a:p>
-            <a:endParaRPr lang="en-AU" dirty="0"/>
-          </a:p>
-          <a:p>
-            <a:endParaRPr lang="en-AU" dirty="0"/>
-          </a:p>
-          <a:p>
-            <a:endParaRPr lang="en-AU" dirty="0"/>
-          </a:p>
-        </p:txBody>
-      </p:sp>
-    </p:spTree>
-    <p:extLst>
-      <p:ext uri="{BB962C8B-B14F-4D97-AF65-F5344CB8AC3E}">
-        <p14:creationId xmlns:p14="http://schemas.microsoft.com/office/powerpoint/2010/main" val="3085761006"/>
-      </p:ext>
-    </p:extLst>
-  </p:cSld>
-  <p:clrMapOvr>
-    <a:masterClrMapping/>
-  </p:clrMapOvr>
-</p:sld>
-</file>
-
 <file path=ppt/slides/slide2.xml><?xml version="1.0" encoding="utf-8"?>
 <p:sld xmlns:a="http://schemas.openxmlformats.org/drawingml/2006/main" xmlns:r="http://schemas.openxmlformats.org/officeDocument/2006/relationships" xmlns:p="http://schemas.openxmlformats.org/presentationml/2006/main">
   <p:cSld>
@@ -6983,44 +6908,117 @@
       </p:grpSpPr>
       <p:sp>
         <p:nvSpPr>
-          <p:cNvPr id="2" name="TextBox 1">
-            <a:extLst>
-              <a:ext uri="{FF2B5EF4-FFF2-40B4-BE49-F238E27FC236}">
-                <a16:creationId xmlns:a16="http://schemas.microsoft.com/office/drawing/2014/main" id="{AAB52846-6535-4426-8412-3AED5B20028C}"/>
-              </a:ext>
-            </a:extLst>
-          </p:cNvPr>
-          <p:cNvSpPr txBox="1"/>
-          <p:nvPr/>
-        </p:nvSpPr>
-        <p:spPr>
-          <a:xfrm>
-            <a:off x="2306320" y="2804160"/>
-            <a:ext cx="6431280" cy="707886"/>
-          </a:xfrm>
-          <a:prstGeom prst="rect">
-            <a:avLst/>
-          </a:prstGeom>
-          <a:noFill/>
-        </p:spPr>
-        <p:txBody>
-          <a:bodyPr wrap="square" rtlCol="0">
-            <a:spAutoFit/>
+          <p:cNvPr id="4" name="Title 3">
+            <a:extLst>
+              <a:ext uri="{FF2B5EF4-FFF2-40B4-BE49-F238E27FC236}">
+                <a16:creationId xmlns:a16="http://schemas.microsoft.com/office/drawing/2014/main" id="{E84DAF49-D74E-462C-A42C-68A11656E97D}"/>
+              </a:ext>
+            </a:extLst>
+          </p:cNvPr>
+          <p:cNvSpPr>
+            <a:spLocks noGrp="1"/>
+          </p:cNvSpPr>
+          <p:nvPr>
+            <p:ph type="title"/>
+          </p:nvPr>
+        </p:nvSpPr>
+        <p:spPr/>
+        <p:txBody>
+          <a:bodyPr/>
+          <a:lstStyle/>
+          <a:p>
+            <a:r>
+              <a:rPr lang="en-AU" dirty="0"/>
+              <a:t>Developers</a:t>
+            </a:r>
+          </a:p>
+        </p:txBody>
+      </p:sp>
+      <p:sp>
+        <p:nvSpPr>
+          <p:cNvPr id="5" name="Content Placeholder 4">
+            <a:extLst>
+              <a:ext uri="{FF2B5EF4-FFF2-40B4-BE49-F238E27FC236}">
+                <a16:creationId xmlns:a16="http://schemas.microsoft.com/office/drawing/2014/main" id="{C98AD16A-E0C4-447C-B5EA-E3739FA2B8DE}"/>
+              </a:ext>
+            </a:extLst>
+          </p:cNvPr>
+          <p:cNvSpPr>
+            <a:spLocks noGrp="1"/>
+          </p:cNvSpPr>
+          <p:nvPr>
+            <p:ph idx="1"/>
+          </p:nvPr>
+        </p:nvSpPr>
+        <p:spPr/>
+        <p:txBody>
+          <a:bodyPr>
+            <a:normAutofit fontScale="92500" lnSpcReduction="20000"/>
           </a:bodyPr>
           <a:lstStyle/>
           <a:p>
-            <a:pPr algn="ctr"/>
-            <a:r>
-              <a:rPr lang="en-AU" sz="4000" dirty="0"/>
-              <a:t>Bot Hacking Time!</a:t>
-            </a:r>
+            <a:endParaRPr lang="en-AU" dirty="0"/>
+          </a:p>
+          <a:p>
+            <a:r>
+              <a:rPr lang="en-AU" dirty="0"/>
+              <a:t>Actually Build Once (for a change)!</a:t>
+            </a:r>
+          </a:p>
+          <a:p>
+            <a:endParaRPr lang="en-AU" dirty="0"/>
+          </a:p>
+          <a:p>
+            <a:r>
+              <a:rPr lang="en-AU" dirty="0"/>
+              <a:t>Iterate quickly</a:t>
+            </a:r>
+          </a:p>
+          <a:p>
+            <a:endParaRPr lang="en-AU" dirty="0"/>
+          </a:p>
+          <a:p>
+            <a:r>
+              <a:rPr lang="en-AU" dirty="0"/>
+              <a:t>Distribute broadly</a:t>
+            </a:r>
+          </a:p>
+          <a:p>
+            <a:endParaRPr lang="en-AU" dirty="0"/>
+          </a:p>
+          <a:p>
+            <a:r>
+              <a:rPr lang="en-AU" dirty="0"/>
+              <a:t>Replace legacy LOB applications</a:t>
+            </a:r>
+          </a:p>
+          <a:p>
+            <a:endParaRPr lang="en-AU" dirty="0"/>
+          </a:p>
+          <a:p>
+            <a:r>
+              <a:rPr lang="en-AU" dirty="0"/>
+              <a:t>Extend using API’s</a:t>
+            </a:r>
+          </a:p>
+          <a:p>
+            <a:endParaRPr lang="en-AU" dirty="0"/>
+          </a:p>
+          <a:p>
+            <a:endParaRPr lang="en-AU" dirty="0"/>
+          </a:p>
+          <a:p>
+            <a:endParaRPr lang="en-AU" dirty="0"/>
+          </a:p>
+          <a:p>
+            <a:endParaRPr lang="en-AU" dirty="0"/>
           </a:p>
         </p:txBody>
       </p:sp>
     </p:spTree>
     <p:extLst>
       <p:ext uri="{BB962C8B-B14F-4D97-AF65-F5344CB8AC3E}">
-        <p14:creationId xmlns:p14="http://schemas.microsoft.com/office/powerpoint/2010/main" val="1254014129"/>
+        <p14:creationId xmlns:p14="http://schemas.microsoft.com/office/powerpoint/2010/main" val="3085761006"/>
       </p:ext>
     </p:extLst>
   </p:cSld>
@@ -7049,61 +7047,44 @@
       </p:grpSpPr>
       <p:sp>
         <p:nvSpPr>
-          <p:cNvPr id="4" name="Title 3">
-            <a:extLst>
-              <a:ext uri="{FF2B5EF4-FFF2-40B4-BE49-F238E27FC236}">
-                <a16:creationId xmlns:a16="http://schemas.microsoft.com/office/drawing/2014/main" id="{43AA49C6-3ACD-46DD-AB7B-6174274ABD38}"/>
-              </a:ext>
-            </a:extLst>
-          </p:cNvPr>
-          <p:cNvSpPr>
-            <a:spLocks noGrp="1"/>
-          </p:cNvSpPr>
-          <p:nvPr>
-            <p:ph type="title"/>
-          </p:nvPr>
-        </p:nvSpPr>
-        <p:spPr/>
-        <p:txBody>
-          <a:bodyPr/>
-          <a:lstStyle/>
-          <a:p>
-            <a:r>
-              <a:rPr lang="en-AU" dirty="0"/>
-              <a:t>Tips for Building a Bot</a:t>
-            </a:r>
-          </a:p>
-        </p:txBody>
-      </p:sp>
-      <p:sp>
-        <p:nvSpPr>
-          <p:cNvPr id="5" name="Text Placeholder 4">
-            <a:extLst>
-              <a:ext uri="{FF2B5EF4-FFF2-40B4-BE49-F238E27FC236}">
-                <a16:creationId xmlns:a16="http://schemas.microsoft.com/office/drawing/2014/main" id="{A45F0C29-37C1-4282-A87D-5BF039A88F79}"/>
-              </a:ext>
-            </a:extLst>
-          </p:cNvPr>
-          <p:cNvSpPr>
-            <a:spLocks noGrp="1"/>
-          </p:cNvSpPr>
-          <p:nvPr>
-            <p:ph type="body" idx="1"/>
-          </p:nvPr>
-        </p:nvSpPr>
-        <p:spPr/>
-        <p:txBody>
-          <a:bodyPr/>
-          <a:lstStyle/>
-          <a:p>
-            <a:endParaRPr lang="en-AU"/>
+          <p:cNvPr id="2" name="TextBox 1">
+            <a:extLst>
+              <a:ext uri="{FF2B5EF4-FFF2-40B4-BE49-F238E27FC236}">
+                <a16:creationId xmlns:a16="http://schemas.microsoft.com/office/drawing/2014/main" id="{AAB52846-6535-4426-8412-3AED5B20028C}"/>
+              </a:ext>
+            </a:extLst>
+          </p:cNvPr>
+          <p:cNvSpPr txBox="1"/>
+          <p:nvPr/>
+        </p:nvSpPr>
+        <p:spPr>
+          <a:xfrm>
+            <a:off x="2306320" y="2804160"/>
+            <a:ext cx="6431280" cy="707886"/>
+          </a:xfrm>
+          <a:prstGeom prst="rect">
+            <a:avLst/>
+          </a:prstGeom>
+          <a:noFill/>
+        </p:spPr>
+        <p:txBody>
+          <a:bodyPr wrap="square" rtlCol="0">
+            <a:spAutoFit/>
+          </a:bodyPr>
+          <a:lstStyle/>
+          <a:p>
+            <a:pPr algn="ctr"/>
+            <a:r>
+              <a:rPr lang="en-AU" sz="4000" dirty="0"/>
+              <a:t>Bot Hacking Time!</a:t>
+            </a:r>
           </a:p>
         </p:txBody>
       </p:sp>
     </p:spTree>
     <p:extLst>
       <p:ext uri="{BB962C8B-B14F-4D97-AF65-F5344CB8AC3E}">
-        <p14:creationId xmlns:p14="http://schemas.microsoft.com/office/powerpoint/2010/main" val="2462950646"/>
+        <p14:creationId xmlns:p14="http://schemas.microsoft.com/office/powerpoint/2010/main" val="1254014129"/>
       </p:ext>
     </p:extLst>
   </p:cSld>
@@ -7135,6 +7116,89 @@
           <p:cNvPr id="4" name="Title 3">
             <a:extLst>
               <a:ext uri="{FF2B5EF4-FFF2-40B4-BE49-F238E27FC236}">
+                <a16:creationId xmlns:a16="http://schemas.microsoft.com/office/drawing/2014/main" id="{43AA49C6-3ACD-46DD-AB7B-6174274ABD38}"/>
+              </a:ext>
+            </a:extLst>
+          </p:cNvPr>
+          <p:cNvSpPr>
+            <a:spLocks noGrp="1"/>
+          </p:cNvSpPr>
+          <p:nvPr>
+            <p:ph type="title"/>
+          </p:nvPr>
+        </p:nvSpPr>
+        <p:spPr/>
+        <p:txBody>
+          <a:bodyPr/>
+          <a:lstStyle/>
+          <a:p>
+            <a:r>
+              <a:rPr lang="en-AU" dirty="0"/>
+              <a:t>Tips for Building a Bot</a:t>
+            </a:r>
+          </a:p>
+        </p:txBody>
+      </p:sp>
+      <p:sp>
+        <p:nvSpPr>
+          <p:cNvPr id="5" name="Text Placeholder 4">
+            <a:extLst>
+              <a:ext uri="{FF2B5EF4-FFF2-40B4-BE49-F238E27FC236}">
+                <a16:creationId xmlns:a16="http://schemas.microsoft.com/office/drawing/2014/main" id="{A45F0C29-37C1-4282-A87D-5BF039A88F79}"/>
+              </a:ext>
+            </a:extLst>
+          </p:cNvPr>
+          <p:cNvSpPr>
+            <a:spLocks noGrp="1"/>
+          </p:cNvSpPr>
+          <p:nvPr>
+            <p:ph type="body" idx="1"/>
+          </p:nvPr>
+        </p:nvSpPr>
+        <p:spPr/>
+        <p:txBody>
+          <a:bodyPr/>
+          <a:lstStyle/>
+          <a:p>
+            <a:endParaRPr lang="en-AU"/>
+          </a:p>
+        </p:txBody>
+      </p:sp>
+    </p:spTree>
+    <p:extLst>
+      <p:ext uri="{BB962C8B-B14F-4D97-AF65-F5344CB8AC3E}">
+        <p14:creationId xmlns:p14="http://schemas.microsoft.com/office/powerpoint/2010/main" val="2462950646"/>
+      </p:ext>
+    </p:extLst>
+  </p:cSld>
+  <p:clrMapOvr>
+    <a:masterClrMapping/>
+  </p:clrMapOvr>
+</p:sld>
+</file>
+
+<file path=ppt/slides/slide23.xml><?xml version="1.0" encoding="utf-8"?>
+<p:sld xmlns:a="http://schemas.openxmlformats.org/drawingml/2006/main" xmlns:r="http://schemas.openxmlformats.org/officeDocument/2006/relationships" xmlns:p="http://schemas.openxmlformats.org/presentationml/2006/main">
+  <p:cSld>
+    <p:spTree>
+      <p:nvGrpSpPr>
+        <p:cNvPr id="1" name=""/>
+        <p:cNvGrpSpPr/>
+        <p:nvPr/>
+      </p:nvGrpSpPr>
+      <p:grpSpPr>
+        <a:xfrm>
+          <a:off x="0" y="0"/>
+          <a:ext cx="0" cy="0"/>
+          <a:chOff x="0" y="0"/>
+          <a:chExt cx="0" cy="0"/>
+        </a:xfrm>
+      </p:grpSpPr>
+      <p:sp>
+        <p:nvSpPr>
+          <p:cNvPr id="4" name="Title 3">
+            <a:extLst>
+              <a:ext uri="{FF2B5EF4-FFF2-40B4-BE49-F238E27FC236}">
                 <a16:creationId xmlns:a16="http://schemas.microsoft.com/office/drawing/2014/main" id="{B7D12391-891F-4394-A728-99B8B3CC9AA0}"/>
               </a:ext>
             </a:extLst>
@@ -7234,7 +7298,7 @@
 </p:sld>
 </file>
 
-<file path=ppt/slides/slide23.xml><?xml version="1.0" encoding="utf-8"?>
+<file path=ppt/slides/slide24.xml><?xml version="1.0" encoding="utf-8"?>
 <p:sld xmlns:a="http://schemas.openxmlformats.org/drawingml/2006/main" xmlns:r="http://schemas.openxmlformats.org/officeDocument/2006/relationships" xmlns:p="http://schemas.openxmlformats.org/presentationml/2006/main">
   <p:cSld>
     <p:spTree>
@@ -7311,7 +7375,7 @@
 </p:sld>
 </file>
 
-<file path=ppt/slides/slide24.xml><?xml version="1.0" encoding="utf-8"?>
+<file path=ppt/slides/slide25.xml><?xml version="1.0" encoding="utf-8"?>
 <p:sld xmlns:a="http://schemas.openxmlformats.org/drawingml/2006/main" xmlns:r="http://schemas.openxmlformats.org/officeDocument/2006/relationships" xmlns:p="http://schemas.openxmlformats.org/presentationml/2006/main">
   <p:cSld>
     <p:spTree>
@@ -7485,7 +7549,7 @@
 </p:sld>
 </file>
 
-<file path=ppt/slides/slide25.xml><?xml version="1.0" encoding="utf-8"?>
+<file path=ppt/slides/slide26.xml><?xml version="1.0" encoding="utf-8"?>
 <p:sld xmlns:a="http://schemas.openxmlformats.org/drawingml/2006/main" xmlns:r="http://schemas.openxmlformats.org/officeDocument/2006/relationships" xmlns:p="http://schemas.openxmlformats.org/presentationml/2006/main">
   <p:cSld>
     <p:spTree>
@@ -7672,7 +7736,7 @@
 </p:sld>
 </file>
 
-<file path=ppt/slides/slide26.xml><?xml version="1.0" encoding="utf-8"?>
+<file path=ppt/slides/slide27.xml><?xml version="1.0" encoding="utf-8"?>
 <p:sld xmlns:a="http://schemas.openxmlformats.org/drawingml/2006/main" xmlns:r="http://schemas.openxmlformats.org/officeDocument/2006/relationships" xmlns:p="http://schemas.openxmlformats.org/presentationml/2006/main">
   <p:cSld>
     <p:spTree>
@@ -7755,9 +7819,6 @@
             <a:endParaRPr lang="en-AU" dirty="0"/>
           </a:p>
           <a:p>
-            <a:endParaRPr lang="en-AU" dirty="0"/>
-          </a:p>
-          <a:p>
             <a:r>
               <a:rPr lang="en-AU" dirty="0"/>
               <a:t>12% of users ask to be told a joke.</a:t>
@@ -7771,6 +7832,36 @@
           </a:p>
         </p:txBody>
       </p:sp>
+      <p:pic>
+        <p:nvPicPr>
+          <p:cNvPr id="3" name="Picture 2">
+            <a:extLst>
+              <a:ext uri="{FF2B5EF4-FFF2-40B4-BE49-F238E27FC236}">
+                <a16:creationId xmlns:a16="http://schemas.microsoft.com/office/drawing/2014/main" id="{07F8D936-3ED8-4999-A098-A71DD1FC39D9}"/>
+              </a:ext>
+            </a:extLst>
+          </p:cNvPr>
+          <p:cNvPicPr>
+            <a:picLocks noChangeAspect="1"/>
+          </p:cNvPicPr>
+          <p:nvPr/>
+        </p:nvPicPr>
+        <p:blipFill>
+          <a:blip r:embed="rId3"/>
+          <a:stretch>
+            <a:fillRect/>
+          </a:stretch>
+        </p:blipFill>
+        <p:spPr>
+          <a:xfrm>
+            <a:off x="2100262" y="1690688"/>
+            <a:ext cx="1952625" cy="2190750"/>
+          </a:xfrm>
+          <a:prstGeom prst="rect">
+            <a:avLst/>
+          </a:prstGeom>
+        </p:spPr>
+      </p:pic>
       <p:pic>
         <p:nvPicPr>
           <p:cNvPr id="12292" name="Picture 4" descr="https://cdn-images-1.medium.com/max/800/1*aCeZps-yYI8a7S7dAxsXgA.png">
@@ -7786,7 +7877,7 @@
           <p:nvPr/>
         </p:nvPicPr>
         <p:blipFill>
-          <a:blip r:embed="rId3">
+          <a:blip r:embed="rId4">
             <a:extLst>
               <a:ext uri="{28A0092B-C50C-407E-A947-70E740481C1C}">
                 <a14:useLocalDpi xmlns:a14="http://schemas.microsoft.com/office/drawing/2010/main" val="0"/>
@@ -7800,7 +7891,7 @@
         </p:blipFill>
         <p:spPr bwMode="auto">
           <a:xfrm>
-            <a:off x="933450" y="4748213"/>
+            <a:off x="933449" y="3778251"/>
             <a:ext cx="4286250" cy="1428750"/>
           </a:xfrm>
           <a:prstGeom prst="rect">
@@ -7818,161 +7909,10 @@
           </a:extLst>
         </p:spPr>
       </p:pic>
-      <p:pic>
-        <p:nvPicPr>
-          <p:cNvPr id="3" name="Picture 2">
-            <a:extLst>
-              <a:ext uri="{FF2B5EF4-FFF2-40B4-BE49-F238E27FC236}">
-                <a16:creationId xmlns:a16="http://schemas.microsoft.com/office/drawing/2014/main" id="{07F8D936-3ED8-4999-A098-A71DD1FC39D9}"/>
-              </a:ext>
-            </a:extLst>
-          </p:cNvPr>
-          <p:cNvPicPr>
-            <a:picLocks noChangeAspect="1"/>
-          </p:cNvPicPr>
-          <p:nvPr/>
-        </p:nvPicPr>
-        <p:blipFill>
-          <a:blip r:embed="rId4"/>
-          <a:stretch>
-            <a:fillRect/>
-          </a:stretch>
-        </p:blipFill>
-        <p:spPr>
-          <a:xfrm>
-            <a:off x="2100262" y="1690688"/>
-            <a:ext cx="1952625" cy="2190750"/>
-          </a:xfrm>
-          <a:prstGeom prst="rect">
-            <a:avLst/>
-          </a:prstGeom>
-        </p:spPr>
-      </p:pic>
     </p:spTree>
     <p:extLst>
       <p:ext uri="{BB962C8B-B14F-4D97-AF65-F5344CB8AC3E}">
         <p14:creationId xmlns:p14="http://schemas.microsoft.com/office/powerpoint/2010/main" val="744296522"/>
-      </p:ext>
-    </p:extLst>
-  </p:cSld>
-  <p:clrMapOvr>
-    <a:masterClrMapping/>
-  </p:clrMapOvr>
-</p:sld>
-</file>
-
-<file path=ppt/slides/slide27.xml><?xml version="1.0" encoding="utf-8"?>
-<p:sld xmlns:a="http://schemas.openxmlformats.org/drawingml/2006/main" xmlns:r="http://schemas.openxmlformats.org/officeDocument/2006/relationships" xmlns:p="http://schemas.openxmlformats.org/presentationml/2006/main">
-  <p:cSld>
-    <p:spTree>
-      <p:nvGrpSpPr>
-        <p:cNvPr id="1" name=""/>
-        <p:cNvGrpSpPr/>
-        <p:nvPr/>
-      </p:nvGrpSpPr>
-      <p:grpSpPr>
-        <a:xfrm>
-          <a:off x="0" y="0"/>
-          <a:ext cx="0" cy="0"/>
-          <a:chOff x="0" y="0"/>
-          <a:chExt cx="0" cy="0"/>
-        </a:xfrm>
-      </p:grpSpPr>
-      <p:sp>
-        <p:nvSpPr>
-          <p:cNvPr id="2" name="Title 1">
-            <a:extLst>
-              <a:ext uri="{FF2B5EF4-FFF2-40B4-BE49-F238E27FC236}">
-                <a16:creationId xmlns:a16="http://schemas.microsoft.com/office/drawing/2014/main" id="{0F769A11-1238-48F7-8AB4-91EB13147257}"/>
-              </a:ext>
-            </a:extLst>
-          </p:cNvPr>
-          <p:cNvSpPr>
-            <a:spLocks noGrp="1"/>
-          </p:cNvSpPr>
-          <p:nvPr>
-            <p:ph type="title"/>
-          </p:nvPr>
-        </p:nvSpPr>
-        <p:spPr/>
-        <p:txBody>
-          <a:bodyPr/>
-          <a:lstStyle/>
-          <a:p>
-            <a:r>
-              <a:rPr lang="en-AU" dirty="0"/>
-              <a:t>Plan Your Conversations</a:t>
-            </a:r>
-          </a:p>
-        </p:txBody>
-      </p:sp>
-      <p:sp>
-        <p:nvSpPr>
-          <p:cNvPr id="5" name="Content Placeholder 4">
-            <a:extLst>
-              <a:ext uri="{FF2B5EF4-FFF2-40B4-BE49-F238E27FC236}">
-                <a16:creationId xmlns:a16="http://schemas.microsoft.com/office/drawing/2014/main" id="{E793F42E-66E4-498C-AC53-916416949E73}"/>
-              </a:ext>
-            </a:extLst>
-          </p:cNvPr>
-          <p:cNvSpPr>
-            <a:spLocks noGrp="1"/>
-          </p:cNvSpPr>
-          <p:nvPr>
-            <p:ph idx="1"/>
-          </p:nvPr>
-        </p:nvSpPr>
-        <p:spPr/>
-        <p:txBody>
-          <a:bodyPr/>
-          <a:lstStyle/>
-          <a:p>
-            <a:r>
-              <a:rPr lang="en-AU" dirty="0"/>
-              <a:t>“Rails” vs NLP</a:t>
-            </a:r>
-          </a:p>
-          <a:p>
-            <a:endParaRPr lang="en-AU" dirty="0"/>
-          </a:p>
-          <a:p>
-            <a:r>
-              <a:rPr lang="en-AU" dirty="0"/>
-              <a:t>Not everything is NLP “free form” conversation</a:t>
-            </a:r>
-          </a:p>
-          <a:p>
-            <a:endParaRPr lang="en-AU" dirty="0"/>
-          </a:p>
-          <a:p>
-            <a:r>
-              <a:rPr lang="en-AU" dirty="0"/>
-              <a:t>Plan out the user journeys through the conversation</a:t>
-            </a:r>
-          </a:p>
-          <a:p>
-            <a:pPr lvl="1"/>
-            <a:r>
-              <a:rPr lang="en-AU" dirty="0"/>
-              <a:t>Use a mind-map tool</a:t>
-            </a:r>
-          </a:p>
-          <a:p>
-            <a:pPr lvl="1"/>
-            <a:endParaRPr lang="en-AU" dirty="0"/>
-          </a:p>
-          <a:p>
-            <a:endParaRPr lang="en-AU" dirty="0"/>
-          </a:p>
-          <a:p>
-            <a:endParaRPr lang="en-AU" dirty="0"/>
-          </a:p>
-        </p:txBody>
-      </p:sp>
-    </p:spTree>
-    <p:extLst>
-      <p:ext uri="{BB962C8B-B14F-4D97-AF65-F5344CB8AC3E}">
-        <p14:creationId xmlns:p14="http://schemas.microsoft.com/office/powerpoint/2010/main" val="3372059729"/>
       </p:ext>
     </p:extLst>
   </p:cSld>
@@ -7999,57 +7939,101 @@
           <a:chExt cx="0" cy="0"/>
         </a:xfrm>
       </p:grpSpPr>
-      <p:pic>
-        <p:nvPicPr>
-          <p:cNvPr id="3074" name="Picture 2" descr="https://cdn-images-1.medium.com/max/800/1*TUvvs237UlYXY3cylLW53w.png">
-            <a:extLst>
-              <a:ext uri="{FF2B5EF4-FFF2-40B4-BE49-F238E27FC236}">
-                <a16:creationId xmlns:a16="http://schemas.microsoft.com/office/drawing/2014/main" id="{D3A27915-F4F5-4AF4-B62A-125A90ACC196}"/>
-              </a:ext>
-            </a:extLst>
-          </p:cNvPr>
-          <p:cNvPicPr>
-            <a:picLocks noChangeAspect="1" noChangeArrowheads="1"/>
-          </p:cNvPicPr>
-          <p:nvPr/>
-        </p:nvPicPr>
-        <p:blipFill>
-          <a:blip r:embed="rId2">
-            <a:extLst>
-              <a:ext uri="{28A0092B-C50C-407E-A947-70E740481C1C}">
-                <a14:useLocalDpi xmlns:a14="http://schemas.microsoft.com/office/drawing/2010/main" val="0"/>
-              </a:ext>
-            </a:extLst>
-          </a:blip>
-          <a:srcRect/>
-          <a:stretch>
-            <a:fillRect/>
-          </a:stretch>
-        </p:blipFill>
-        <p:spPr bwMode="auto">
-          <a:xfrm>
-            <a:off x="2052320" y="1690688"/>
-            <a:ext cx="7620000" cy="4286250"/>
-          </a:xfrm>
-          <a:prstGeom prst="rect">
-            <a:avLst/>
-          </a:prstGeom>
-          <a:noFill/>
-          <a:extLst>
-            <a:ext uri="{909E8E84-426E-40DD-AFC4-6F175D3DCCD1}">
-              <a14:hiddenFill xmlns:a14="http://schemas.microsoft.com/office/drawing/2010/main">
-                <a:solidFill>
-                  <a:srgbClr val="FFFFFF"/>
-                </a:solidFill>
-              </a14:hiddenFill>
-            </a:ext>
-          </a:extLst>
-        </p:spPr>
-      </p:pic>
+      <p:sp>
+        <p:nvSpPr>
+          <p:cNvPr id="2" name="Title 1">
+            <a:extLst>
+              <a:ext uri="{FF2B5EF4-FFF2-40B4-BE49-F238E27FC236}">
+                <a16:creationId xmlns:a16="http://schemas.microsoft.com/office/drawing/2014/main" id="{0F769A11-1238-48F7-8AB4-91EB13147257}"/>
+              </a:ext>
+            </a:extLst>
+          </p:cNvPr>
+          <p:cNvSpPr>
+            <a:spLocks noGrp="1"/>
+          </p:cNvSpPr>
+          <p:nvPr>
+            <p:ph type="title"/>
+          </p:nvPr>
+        </p:nvSpPr>
+        <p:spPr/>
+        <p:txBody>
+          <a:bodyPr/>
+          <a:lstStyle/>
+          <a:p>
+            <a:r>
+              <a:rPr lang="en-AU" dirty="0"/>
+              <a:t>Plan Your Conversations</a:t>
+            </a:r>
+          </a:p>
+        </p:txBody>
+      </p:sp>
+      <p:sp>
+        <p:nvSpPr>
+          <p:cNvPr id="5" name="Content Placeholder 4">
+            <a:extLst>
+              <a:ext uri="{FF2B5EF4-FFF2-40B4-BE49-F238E27FC236}">
+                <a16:creationId xmlns:a16="http://schemas.microsoft.com/office/drawing/2014/main" id="{E793F42E-66E4-498C-AC53-916416949E73}"/>
+              </a:ext>
+            </a:extLst>
+          </p:cNvPr>
+          <p:cNvSpPr>
+            <a:spLocks noGrp="1"/>
+          </p:cNvSpPr>
+          <p:nvPr>
+            <p:ph idx="1"/>
+          </p:nvPr>
+        </p:nvSpPr>
+        <p:spPr/>
+        <p:txBody>
+          <a:bodyPr/>
+          <a:lstStyle/>
+          <a:p>
+            <a:r>
+              <a:rPr lang="en-AU" dirty="0"/>
+              <a:t>“Rails” vs NLP</a:t>
+            </a:r>
+          </a:p>
+          <a:p>
+            <a:endParaRPr lang="en-AU" dirty="0"/>
+          </a:p>
+          <a:p>
+            <a:r>
+              <a:rPr lang="en-AU" dirty="0"/>
+              <a:t>Not everything is NLP “free form” conversation</a:t>
+            </a:r>
+          </a:p>
+          <a:p>
+            <a:endParaRPr lang="en-AU" dirty="0"/>
+          </a:p>
+          <a:p>
+            <a:r>
+              <a:rPr lang="en-AU" dirty="0"/>
+              <a:t>Plan out the user journeys through the conversation</a:t>
+            </a:r>
+          </a:p>
+          <a:p>
+            <a:pPr lvl="1"/>
+            <a:r>
+              <a:rPr lang="en-AU" dirty="0"/>
+              <a:t>Use a mind-map tool</a:t>
+            </a:r>
+          </a:p>
+          <a:p>
+            <a:pPr lvl="1"/>
+            <a:endParaRPr lang="en-AU" dirty="0"/>
+          </a:p>
+          <a:p>
+            <a:endParaRPr lang="en-AU" dirty="0"/>
+          </a:p>
+          <a:p>
+            <a:endParaRPr lang="en-AU" dirty="0"/>
+          </a:p>
+        </p:txBody>
+      </p:sp>
     </p:spTree>
     <p:extLst>
       <p:ext uri="{BB962C8B-B14F-4D97-AF65-F5344CB8AC3E}">
-        <p14:creationId xmlns:p14="http://schemas.microsoft.com/office/powerpoint/2010/main" val="2578089521"/>
+        <p14:creationId xmlns:p14="http://schemas.microsoft.com/office/powerpoint/2010/main" val="3372059729"/>
       </p:ext>
     </p:extLst>
   </p:cSld>
@@ -8076,105 +8060,57 @@
           <a:chExt cx="0" cy="0"/>
         </a:xfrm>
       </p:grpSpPr>
-      <p:sp>
-        <p:nvSpPr>
-          <p:cNvPr id="2" name="Title 1">
-            <a:extLst>
-              <a:ext uri="{FF2B5EF4-FFF2-40B4-BE49-F238E27FC236}">
-                <a16:creationId xmlns:a16="http://schemas.microsoft.com/office/drawing/2014/main" id="{559C637D-805C-46AA-870E-883EEBB88680}"/>
-              </a:ext>
-            </a:extLst>
-          </p:cNvPr>
-          <p:cNvSpPr>
-            <a:spLocks noGrp="1"/>
-          </p:cNvSpPr>
-          <p:nvPr>
-            <p:ph type="title"/>
-          </p:nvPr>
-        </p:nvSpPr>
-        <p:spPr/>
-        <p:txBody>
-          <a:bodyPr/>
-          <a:lstStyle/>
-          <a:p>
-            <a:endParaRPr lang="en-AU" dirty="0"/>
-          </a:p>
-        </p:txBody>
-      </p:sp>
-      <p:sp>
-        <p:nvSpPr>
-          <p:cNvPr id="3" name="Content Placeholder 2">
-            <a:extLst>
-              <a:ext uri="{FF2B5EF4-FFF2-40B4-BE49-F238E27FC236}">
-                <a16:creationId xmlns:a16="http://schemas.microsoft.com/office/drawing/2014/main" id="{C15CE4C8-9BEB-4E86-9190-68FA8D1AFE35}"/>
-              </a:ext>
-            </a:extLst>
-          </p:cNvPr>
-          <p:cNvSpPr>
-            <a:spLocks noGrp="1"/>
-          </p:cNvSpPr>
-          <p:nvPr>
-            <p:ph idx="1"/>
-          </p:nvPr>
-        </p:nvSpPr>
-        <p:spPr/>
-        <p:txBody>
-          <a:bodyPr/>
-          <a:lstStyle/>
-          <a:p>
-            <a:pPr marL="0" indent="0">
-              <a:buNone/>
-            </a:pPr>
-            <a:r>
-              <a:rPr lang="en-AU" i="1" dirty="0"/>
-              <a:t>I was putting so much effort on making it “conversational” and actually a few helps and hints was much easier and effective than spending hours on getting the models right.</a:t>
-            </a:r>
-          </a:p>
-          <a:p>
-            <a:pPr marL="0" indent="0">
-              <a:buNone/>
-            </a:pPr>
-            <a:endParaRPr lang="en-AU" i="1" dirty="0"/>
-          </a:p>
-          <a:p>
-            <a:pPr marL="0" indent="0" algn="r">
-              <a:buNone/>
-            </a:pPr>
-            <a:r>
-              <a:rPr lang="en-AU" dirty="0"/>
-              <a:t>- Guillermo </a:t>
-            </a:r>
-            <a:r>
-              <a:rPr lang="en-AU" dirty="0" err="1"/>
-              <a:t>Gette</a:t>
-            </a:r>
-            <a:r>
-              <a:rPr lang="en-AU" dirty="0"/>
-              <a:t>, maker of the popular </a:t>
-            </a:r>
-            <a:r>
-              <a:rPr lang="en-AU" dirty="0">
-                <a:hlinkClick r:id="rId2"/>
-              </a:rPr>
-              <a:t>/</a:t>
-            </a:r>
-            <a:r>
-              <a:rPr lang="en-AU" dirty="0" err="1">
-                <a:hlinkClick r:id="rId2"/>
-              </a:rPr>
-              <a:t>todo</a:t>
-            </a:r>
-            <a:r>
-              <a:rPr lang="en-AU" dirty="0"/>
-              <a:t> Slack app</a:t>
-            </a:r>
-          </a:p>
-        </p:txBody>
-      </p:sp>
+      <p:pic>
+        <p:nvPicPr>
+          <p:cNvPr id="1028" name="Picture 4" descr="https://cdn-images-1.medium.com/max/1000/1*EMMNK3SHIgYXyo82ZBBDSg.png">
+            <a:extLst>
+              <a:ext uri="{FF2B5EF4-FFF2-40B4-BE49-F238E27FC236}">
+                <a16:creationId xmlns:a16="http://schemas.microsoft.com/office/drawing/2014/main" id="{5C6AAA30-4361-41E2-938E-71FD26908DAD}"/>
+              </a:ext>
+            </a:extLst>
+          </p:cNvPr>
+          <p:cNvPicPr>
+            <a:picLocks noChangeAspect="1" noChangeArrowheads="1"/>
+          </p:cNvPicPr>
+          <p:nvPr/>
+        </p:nvPicPr>
+        <p:blipFill>
+          <a:blip r:embed="rId2">
+            <a:extLst>
+              <a:ext uri="{28A0092B-C50C-407E-A947-70E740481C1C}">
+                <a14:useLocalDpi xmlns:a14="http://schemas.microsoft.com/office/drawing/2010/main" val="0"/>
+              </a:ext>
+            </a:extLst>
+          </a:blip>
+          <a:srcRect/>
+          <a:stretch>
+            <a:fillRect/>
+          </a:stretch>
+        </p:blipFill>
+        <p:spPr bwMode="auto">
+          <a:xfrm>
+            <a:off x="1343660" y="1457325"/>
+            <a:ext cx="9525000" cy="3943350"/>
+          </a:xfrm>
+          <a:prstGeom prst="rect">
+            <a:avLst/>
+          </a:prstGeom>
+          <a:noFill/>
+          <a:extLst>
+            <a:ext uri="{909E8E84-426E-40DD-AFC4-6F175D3DCCD1}">
+              <a14:hiddenFill xmlns:a14="http://schemas.microsoft.com/office/drawing/2010/main">
+                <a:solidFill>
+                  <a:srgbClr val="FFFFFF"/>
+                </a:solidFill>
+              </a14:hiddenFill>
+            </a:ext>
+          </a:extLst>
+        </p:spPr>
+      </p:pic>
     </p:spTree>
     <p:extLst>
       <p:ext uri="{BB962C8B-B14F-4D97-AF65-F5344CB8AC3E}">
-        <p14:creationId xmlns:p14="http://schemas.microsoft.com/office/powerpoint/2010/main" val="505906126"/>
+        <p14:creationId xmlns:p14="http://schemas.microsoft.com/office/powerpoint/2010/main" val="2578089521"/>
       </p:ext>
     </p:extLst>
   </p:cSld>
@@ -8510,6 +8446,387 @@
 </p:sld>
 </file>
 
+<file path=ppt/slides/slide30.xml><?xml version="1.0" encoding="utf-8"?>
+<p:sld xmlns:a="http://schemas.openxmlformats.org/drawingml/2006/main" xmlns:r="http://schemas.openxmlformats.org/officeDocument/2006/relationships" xmlns:p="http://schemas.openxmlformats.org/presentationml/2006/main">
+  <p:cSld>
+    <p:spTree>
+      <p:nvGrpSpPr>
+        <p:cNvPr id="1" name=""/>
+        <p:cNvGrpSpPr/>
+        <p:nvPr/>
+      </p:nvGrpSpPr>
+      <p:grpSpPr>
+        <a:xfrm>
+          <a:off x="0" y="0"/>
+          <a:ext cx="0" cy="0"/>
+          <a:chOff x="0" y="0"/>
+          <a:chExt cx="0" cy="0"/>
+        </a:xfrm>
+      </p:grpSpPr>
+      <p:sp>
+        <p:nvSpPr>
+          <p:cNvPr id="2" name="Title 1">
+            <a:extLst>
+              <a:ext uri="{FF2B5EF4-FFF2-40B4-BE49-F238E27FC236}">
+                <a16:creationId xmlns:a16="http://schemas.microsoft.com/office/drawing/2014/main" id="{70088A07-9DDE-488C-B5FF-E625C17A91E0}"/>
+              </a:ext>
+            </a:extLst>
+          </p:cNvPr>
+          <p:cNvSpPr>
+            <a:spLocks noGrp="1"/>
+          </p:cNvSpPr>
+          <p:nvPr>
+            <p:ph type="title"/>
+          </p:nvPr>
+        </p:nvSpPr>
+        <p:spPr/>
+        <p:txBody>
+          <a:bodyPr/>
+          <a:lstStyle/>
+          <a:p>
+            <a:endParaRPr lang="en-AU"/>
+          </a:p>
+        </p:txBody>
+      </p:sp>
+      <p:pic>
+        <p:nvPicPr>
+          <p:cNvPr id="4" name="Picture 3">
+            <a:extLst>
+              <a:ext uri="{FF2B5EF4-FFF2-40B4-BE49-F238E27FC236}">
+                <a16:creationId xmlns:a16="http://schemas.microsoft.com/office/drawing/2014/main" id="{5296BC5F-F99D-49E3-8C43-6F4248E2D1C5}"/>
+              </a:ext>
+            </a:extLst>
+          </p:cNvPr>
+          <p:cNvPicPr>
+            <a:picLocks noChangeAspect="1"/>
+          </p:cNvPicPr>
+          <p:nvPr/>
+        </p:nvPicPr>
+        <p:blipFill>
+          <a:blip r:embed="rId2"/>
+          <a:stretch>
+            <a:fillRect/>
+          </a:stretch>
+        </p:blipFill>
+        <p:spPr>
+          <a:xfrm>
+            <a:off x="1333500" y="2471737"/>
+            <a:ext cx="9525000" cy="1914525"/>
+          </a:xfrm>
+          <a:prstGeom prst="rect">
+            <a:avLst/>
+          </a:prstGeom>
+        </p:spPr>
+      </p:pic>
+    </p:spTree>
+    <p:extLst>
+      <p:ext uri="{BB962C8B-B14F-4D97-AF65-F5344CB8AC3E}">
+        <p14:creationId xmlns:p14="http://schemas.microsoft.com/office/powerpoint/2010/main" val="3258844893"/>
+      </p:ext>
+    </p:extLst>
+  </p:cSld>
+  <p:clrMapOvr>
+    <a:masterClrMapping/>
+  </p:clrMapOvr>
+</p:sld>
+</file>
+
+<file path=ppt/slides/slide31.xml><?xml version="1.0" encoding="utf-8"?>
+<p:sld xmlns:a="http://schemas.openxmlformats.org/drawingml/2006/main" xmlns:r="http://schemas.openxmlformats.org/officeDocument/2006/relationships" xmlns:p="http://schemas.openxmlformats.org/presentationml/2006/main">
+  <p:cSld>
+    <p:spTree>
+      <p:nvGrpSpPr>
+        <p:cNvPr id="1" name=""/>
+        <p:cNvGrpSpPr/>
+        <p:nvPr/>
+      </p:nvGrpSpPr>
+      <p:grpSpPr>
+        <a:xfrm>
+          <a:off x="0" y="0"/>
+          <a:ext cx="0" cy="0"/>
+          <a:chOff x="0" y="0"/>
+          <a:chExt cx="0" cy="0"/>
+        </a:xfrm>
+      </p:grpSpPr>
+      <p:pic>
+        <p:nvPicPr>
+          <p:cNvPr id="4098" name="Picture 2" descr="https://cdn-images-1.medium.com/max/800/1*r8rR34sfjX4zdM0tXOsvaQ.png">
+            <a:extLst>
+              <a:ext uri="{FF2B5EF4-FFF2-40B4-BE49-F238E27FC236}">
+                <a16:creationId xmlns:a16="http://schemas.microsoft.com/office/drawing/2014/main" id="{0FB016E8-1540-4541-A4EA-AA034552EA97}"/>
+              </a:ext>
+            </a:extLst>
+          </p:cNvPr>
+          <p:cNvPicPr>
+            <a:picLocks noChangeAspect="1" noChangeArrowheads="1"/>
+          </p:cNvPicPr>
+          <p:nvPr/>
+        </p:nvPicPr>
+        <p:blipFill>
+          <a:blip r:embed="rId2">
+            <a:extLst>
+              <a:ext uri="{28A0092B-C50C-407E-A947-70E740481C1C}">
+                <a14:useLocalDpi xmlns:a14="http://schemas.microsoft.com/office/drawing/2010/main" val="0"/>
+              </a:ext>
+            </a:extLst>
+          </a:blip>
+          <a:srcRect/>
+          <a:stretch>
+            <a:fillRect/>
+          </a:stretch>
+        </p:blipFill>
+        <p:spPr bwMode="auto">
+          <a:xfrm>
+            <a:off x="2468880" y="305435"/>
+            <a:ext cx="6106160" cy="5707178"/>
+          </a:xfrm>
+          <a:prstGeom prst="rect">
+            <a:avLst/>
+          </a:prstGeom>
+          <a:noFill/>
+          <a:extLst>
+            <a:ext uri="{909E8E84-426E-40DD-AFC4-6F175D3DCCD1}">
+              <a14:hiddenFill xmlns:a14="http://schemas.microsoft.com/office/drawing/2010/main">
+                <a:solidFill>
+                  <a:srgbClr val="FFFFFF"/>
+                </a:solidFill>
+              </a14:hiddenFill>
+            </a:ext>
+          </a:extLst>
+        </p:spPr>
+      </p:pic>
+    </p:spTree>
+    <p:extLst>
+      <p:ext uri="{BB962C8B-B14F-4D97-AF65-F5344CB8AC3E}">
+        <p14:creationId xmlns:p14="http://schemas.microsoft.com/office/powerpoint/2010/main" val="1422638704"/>
+      </p:ext>
+    </p:extLst>
+  </p:cSld>
+  <p:clrMapOvr>
+    <a:masterClrMapping/>
+  </p:clrMapOvr>
+</p:sld>
+</file>
+
+<file path=ppt/slides/slide32.xml><?xml version="1.0" encoding="utf-8"?>
+<p:sld xmlns:a="http://schemas.openxmlformats.org/drawingml/2006/main" xmlns:r="http://schemas.openxmlformats.org/officeDocument/2006/relationships" xmlns:p="http://schemas.openxmlformats.org/presentationml/2006/main">
+  <p:cSld>
+    <p:spTree>
+      <p:nvGrpSpPr>
+        <p:cNvPr id="1" name=""/>
+        <p:cNvGrpSpPr/>
+        <p:nvPr/>
+      </p:nvGrpSpPr>
+      <p:grpSpPr>
+        <a:xfrm>
+          <a:off x="0" y="0"/>
+          <a:ext cx="0" cy="0"/>
+          <a:chOff x="0" y="0"/>
+          <a:chExt cx="0" cy="0"/>
+        </a:xfrm>
+      </p:grpSpPr>
+      <p:sp>
+        <p:nvSpPr>
+          <p:cNvPr id="2" name="Title 1">
+            <a:extLst>
+              <a:ext uri="{FF2B5EF4-FFF2-40B4-BE49-F238E27FC236}">
+                <a16:creationId xmlns:a16="http://schemas.microsoft.com/office/drawing/2014/main" id="{6EAC3772-8DBB-4388-AE16-05BEDEE89B5F}"/>
+              </a:ext>
+            </a:extLst>
+          </p:cNvPr>
+          <p:cNvSpPr>
+            <a:spLocks noGrp="1"/>
+          </p:cNvSpPr>
+          <p:nvPr>
+            <p:ph type="title"/>
+          </p:nvPr>
+        </p:nvSpPr>
+        <p:spPr/>
+        <p:txBody>
+          <a:bodyPr/>
+          <a:lstStyle/>
+          <a:p>
+            <a:r>
+              <a:rPr lang="en-AU" dirty="0"/>
+              <a:t>More Tips</a:t>
+            </a:r>
+          </a:p>
+        </p:txBody>
+      </p:sp>
+      <p:sp>
+        <p:nvSpPr>
+          <p:cNvPr id="3" name="Content Placeholder 2">
+            <a:extLst>
+              <a:ext uri="{FF2B5EF4-FFF2-40B4-BE49-F238E27FC236}">
+                <a16:creationId xmlns:a16="http://schemas.microsoft.com/office/drawing/2014/main" id="{BA410F1C-F5AF-49D1-92D5-B7EA3FD5B452}"/>
+              </a:ext>
+            </a:extLst>
+          </p:cNvPr>
+          <p:cNvSpPr>
+            <a:spLocks noGrp="1"/>
+          </p:cNvSpPr>
+          <p:nvPr>
+            <p:ph idx="1"/>
+          </p:nvPr>
+        </p:nvSpPr>
+        <p:spPr/>
+        <p:txBody>
+          <a:bodyPr/>
+          <a:lstStyle/>
+          <a:p>
+            <a:r>
+              <a:rPr lang="en-AU" dirty="0"/>
+              <a:t>Try to add variety to responses</a:t>
+            </a:r>
+          </a:p>
+          <a:p>
+            <a:endParaRPr lang="en-AU" dirty="0"/>
+          </a:p>
+          <a:p>
+            <a:r>
+              <a:rPr lang="en-AU" dirty="0"/>
+              <a:t>Not everything has to be conversational</a:t>
+            </a:r>
+          </a:p>
+          <a:p>
+            <a:pPr lvl="1"/>
+            <a:r>
+              <a:rPr lang="en-AU" dirty="0"/>
+              <a:t>Web View</a:t>
+            </a:r>
+          </a:p>
+          <a:p>
+            <a:pPr lvl="1"/>
+            <a:r>
+              <a:rPr lang="en-AU" dirty="0"/>
+              <a:t>Buttons / Carousel</a:t>
+            </a:r>
+          </a:p>
+          <a:p>
+            <a:pPr lvl="1"/>
+            <a:endParaRPr lang="en-AU" dirty="0"/>
+          </a:p>
+          <a:p>
+            <a:r>
+              <a:rPr lang="en-AU" dirty="0"/>
+              <a:t>Have some fun!</a:t>
+            </a:r>
+          </a:p>
+        </p:txBody>
+      </p:sp>
+    </p:spTree>
+    <p:extLst>
+      <p:ext uri="{BB962C8B-B14F-4D97-AF65-F5344CB8AC3E}">
+        <p14:creationId xmlns:p14="http://schemas.microsoft.com/office/powerpoint/2010/main" val="1408599563"/>
+      </p:ext>
+    </p:extLst>
+  </p:cSld>
+  <p:clrMapOvr>
+    <a:masterClrMapping/>
+  </p:clrMapOvr>
+</p:sld>
+</file>
+
+<file path=ppt/slides/slide33.xml><?xml version="1.0" encoding="utf-8"?>
+<p:sld xmlns:a="http://schemas.openxmlformats.org/drawingml/2006/main" xmlns:r="http://schemas.openxmlformats.org/officeDocument/2006/relationships" xmlns:p="http://schemas.openxmlformats.org/presentationml/2006/main">
+  <p:cSld>
+    <p:spTree>
+      <p:nvGrpSpPr>
+        <p:cNvPr id="1" name=""/>
+        <p:cNvGrpSpPr/>
+        <p:nvPr/>
+      </p:nvGrpSpPr>
+      <p:grpSpPr>
+        <a:xfrm>
+          <a:off x="0" y="0"/>
+          <a:ext cx="0" cy="0"/>
+          <a:chOff x="0" y="0"/>
+          <a:chExt cx="0" cy="0"/>
+        </a:xfrm>
+      </p:grpSpPr>
+      <p:sp>
+        <p:nvSpPr>
+          <p:cNvPr id="3" name="Content Placeholder 2">
+            <a:extLst>
+              <a:ext uri="{FF2B5EF4-FFF2-40B4-BE49-F238E27FC236}">
+                <a16:creationId xmlns:a16="http://schemas.microsoft.com/office/drawing/2014/main" id="{C15CE4C8-9BEB-4E86-9190-68FA8D1AFE35}"/>
+              </a:ext>
+            </a:extLst>
+          </p:cNvPr>
+          <p:cNvSpPr>
+            <a:spLocks noGrp="1"/>
+          </p:cNvSpPr>
+          <p:nvPr>
+            <p:ph idx="1"/>
+          </p:nvPr>
+        </p:nvSpPr>
+        <p:spPr/>
+        <p:txBody>
+          <a:bodyPr/>
+          <a:lstStyle/>
+          <a:p>
+            <a:pPr marL="0" indent="0">
+              <a:buNone/>
+            </a:pPr>
+            <a:r>
+              <a:rPr lang="en-AU" i="1" dirty="0"/>
+              <a:t>I was putting so much effort on making it “conversational” and actually a few helps and hints was much easier and effective than spending hours on getting the models right.</a:t>
+            </a:r>
+          </a:p>
+          <a:p>
+            <a:pPr marL="0" indent="0">
+              <a:buNone/>
+            </a:pPr>
+            <a:endParaRPr lang="en-AU" i="1" dirty="0"/>
+          </a:p>
+          <a:p>
+            <a:pPr marL="0" indent="0" algn="r">
+              <a:buNone/>
+            </a:pPr>
+            <a:r>
+              <a:rPr lang="en-AU" dirty="0"/>
+              <a:t>- Guillermo </a:t>
+            </a:r>
+            <a:r>
+              <a:rPr lang="en-AU" dirty="0" err="1"/>
+              <a:t>Gette</a:t>
+            </a:r>
+            <a:r>
+              <a:rPr lang="en-AU" dirty="0"/>
+              <a:t>, maker of the popular </a:t>
+            </a:r>
+            <a:r>
+              <a:rPr lang="en-AU" dirty="0">
+                <a:hlinkClick r:id="rId2"/>
+              </a:rPr>
+              <a:t>/</a:t>
+            </a:r>
+            <a:r>
+              <a:rPr lang="en-AU" dirty="0" err="1">
+                <a:hlinkClick r:id="rId2"/>
+              </a:rPr>
+              <a:t>todo</a:t>
+            </a:r>
+            <a:r>
+              <a:rPr lang="en-AU" dirty="0"/>
+              <a:t> Slack app</a:t>
+            </a:r>
+          </a:p>
+        </p:txBody>
+      </p:sp>
+    </p:spTree>
+    <p:extLst>
+      <p:ext uri="{BB962C8B-B14F-4D97-AF65-F5344CB8AC3E}">
+        <p14:creationId xmlns:p14="http://schemas.microsoft.com/office/powerpoint/2010/main" val="505906126"/>
+      </p:ext>
+    </p:extLst>
+  </p:cSld>
+  <p:clrMapOvr>
+    <a:masterClrMapping/>
+  </p:clrMapOvr>
+</p:sld>
+</file>
+
 <file path=ppt/slides/slide4.xml><?xml version="1.0" encoding="utf-8"?>
 <p:sld xmlns:a="http://schemas.openxmlformats.org/drawingml/2006/main" xmlns:r="http://schemas.openxmlformats.org/officeDocument/2006/relationships" xmlns:p="http://schemas.openxmlformats.org/presentationml/2006/main">
   <p:cSld>
@@ -8529,6 +8846,130 @@
       </p:grpSpPr>
       <p:sp>
         <p:nvSpPr>
+          <p:cNvPr id="2" name="Title 1">
+            <a:extLst>
+              <a:ext uri="{FF2B5EF4-FFF2-40B4-BE49-F238E27FC236}">
+                <a16:creationId xmlns:a16="http://schemas.microsoft.com/office/drawing/2014/main" id="{7D159190-647A-4C0E-BCC6-607BFA96735C}"/>
+              </a:ext>
+            </a:extLst>
+          </p:cNvPr>
+          <p:cNvSpPr>
+            <a:spLocks noGrp="1"/>
+          </p:cNvSpPr>
+          <p:nvPr>
+            <p:ph type="title"/>
+          </p:nvPr>
+        </p:nvSpPr>
+        <p:spPr/>
+        <p:txBody>
+          <a:bodyPr/>
+          <a:lstStyle/>
+          <a:p>
+            <a:r>
+              <a:rPr lang="en-AU" dirty="0"/>
+              <a:t>Overview</a:t>
+            </a:r>
+          </a:p>
+        </p:txBody>
+      </p:sp>
+      <p:sp>
+        <p:nvSpPr>
+          <p:cNvPr id="5" name="Content Placeholder 4">
+            <a:extLst>
+              <a:ext uri="{FF2B5EF4-FFF2-40B4-BE49-F238E27FC236}">
+                <a16:creationId xmlns:a16="http://schemas.microsoft.com/office/drawing/2014/main" id="{A1209C09-385B-4149-9C22-3A5EA3B73BD3}"/>
+              </a:ext>
+            </a:extLst>
+          </p:cNvPr>
+          <p:cNvSpPr>
+            <a:spLocks noGrp="1"/>
+          </p:cNvSpPr>
+          <p:nvPr>
+            <p:ph idx="1"/>
+          </p:nvPr>
+        </p:nvSpPr>
+        <p:spPr/>
+        <p:txBody>
+          <a:bodyPr>
+            <a:normAutofit lnSpcReduction="10000"/>
+          </a:bodyPr>
+          <a:lstStyle/>
+          <a:p>
+            <a:r>
+              <a:rPr lang="en-AU" dirty="0"/>
+              <a:t>What are chatbots?</a:t>
+            </a:r>
+          </a:p>
+          <a:p>
+            <a:endParaRPr lang="en-AU" dirty="0"/>
+          </a:p>
+          <a:p>
+            <a:r>
+              <a:rPr lang="en-AU" dirty="0"/>
+              <a:t>Why now?</a:t>
+            </a:r>
+          </a:p>
+          <a:p>
+            <a:endParaRPr lang="en-AU" dirty="0"/>
+          </a:p>
+          <a:p>
+            <a:r>
+              <a:rPr lang="en-AU" dirty="0"/>
+              <a:t>Opportunities</a:t>
+            </a:r>
+          </a:p>
+          <a:p>
+            <a:endParaRPr lang="en-AU" dirty="0"/>
+          </a:p>
+          <a:p>
+            <a:r>
+              <a:rPr lang="en-AU" dirty="0"/>
+              <a:t>Build a Chatbot</a:t>
+            </a:r>
+          </a:p>
+          <a:p>
+            <a:endParaRPr lang="en-AU" dirty="0"/>
+          </a:p>
+          <a:p>
+            <a:r>
+              <a:rPr lang="en-AU" dirty="0"/>
+              <a:t>Tips for building your own Chatbot</a:t>
+            </a:r>
+          </a:p>
+        </p:txBody>
+      </p:sp>
+    </p:spTree>
+    <p:extLst>
+      <p:ext uri="{BB962C8B-B14F-4D97-AF65-F5344CB8AC3E}">
+        <p14:creationId xmlns:p14="http://schemas.microsoft.com/office/powerpoint/2010/main" val="2849386870"/>
+      </p:ext>
+    </p:extLst>
+  </p:cSld>
+  <p:clrMapOvr>
+    <a:masterClrMapping/>
+  </p:clrMapOvr>
+</p:sld>
+</file>
+
+<file path=ppt/slides/slide5.xml><?xml version="1.0" encoding="utf-8"?>
+<p:sld xmlns:a="http://schemas.openxmlformats.org/drawingml/2006/main" xmlns:r="http://schemas.openxmlformats.org/officeDocument/2006/relationships" xmlns:p="http://schemas.openxmlformats.org/presentationml/2006/main">
+  <p:cSld>
+    <p:spTree>
+      <p:nvGrpSpPr>
+        <p:cNvPr id="1" name=""/>
+        <p:cNvGrpSpPr/>
+        <p:nvPr/>
+      </p:nvGrpSpPr>
+      <p:grpSpPr>
+        <a:xfrm>
+          <a:off x="0" y="0"/>
+          <a:ext cx="0" cy="0"/>
+          <a:chOff x="0" y="0"/>
+          <a:chExt cx="0" cy="0"/>
+        </a:xfrm>
+      </p:grpSpPr>
+      <p:sp>
+        <p:nvSpPr>
           <p:cNvPr id="5" name="Title 4">
             <a:extLst>
               <a:ext uri="{FF2B5EF4-FFF2-40B4-BE49-F238E27FC236}">
@@ -8593,7 +9034,7 @@
 </p:sld>
 </file>
 
-<file path=ppt/slides/slide5.xml><?xml version="1.0" encoding="utf-8"?>
+<file path=ppt/slides/slide6.xml><?xml version="1.0" encoding="utf-8"?>
 <p:sld xmlns:a="http://schemas.openxmlformats.org/drawingml/2006/main" xmlns:r="http://schemas.openxmlformats.org/officeDocument/2006/relationships" xmlns:p="http://schemas.openxmlformats.org/presentationml/2006/main">
   <p:cSld>
     <p:spTree>
@@ -8670,7 +9111,7 @@
 </p:sld>
 </file>
 
-<file path=ppt/slides/slide6.xml><?xml version="1.0" encoding="utf-8"?>
+<file path=ppt/slides/slide7.xml><?xml version="1.0" encoding="utf-8"?>
 <p:sld xmlns:a="http://schemas.openxmlformats.org/drawingml/2006/main" xmlns:r="http://schemas.openxmlformats.org/officeDocument/2006/relationships" xmlns:p="http://schemas.openxmlformats.org/presentationml/2006/main">
   <p:cSld>
     <p:spTree>
@@ -8800,7 +9241,7 @@
 </p:sld>
 </file>
 
-<file path=ppt/slides/slide7.xml><?xml version="1.0" encoding="utf-8"?>
+<file path=ppt/slides/slide8.xml><?xml version="1.0" encoding="utf-8"?>
 <p:sld xmlns:a="http://schemas.openxmlformats.org/drawingml/2006/main" xmlns:r="http://schemas.openxmlformats.org/officeDocument/2006/relationships" xmlns:p="http://schemas.openxmlformats.org/presentationml/2006/main">
   <p:cSld>
     <p:spTree>
@@ -9502,89 +9943,6 @@
 </p:sld>
 </file>
 
-<file path=ppt/slides/slide8.xml><?xml version="1.0" encoding="utf-8"?>
-<p:sld xmlns:a="http://schemas.openxmlformats.org/drawingml/2006/main" xmlns:r="http://schemas.openxmlformats.org/officeDocument/2006/relationships" xmlns:p="http://schemas.openxmlformats.org/presentationml/2006/main">
-  <p:cSld>
-    <p:spTree>
-      <p:nvGrpSpPr>
-        <p:cNvPr id="1" name=""/>
-        <p:cNvGrpSpPr/>
-        <p:nvPr/>
-      </p:nvGrpSpPr>
-      <p:grpSpPr>
-        <a:xfrm>
-          <a:off x="0" y="0"/>
-          <a:ext cx="0" cy="0"/>
-          <a:chOff x="0" y="0"/>
-          <a:chExt cx="0" cy="0"/>
-        </a:xfrm>
-      </p:grpSpPr>
-      <p:sp>
-        <p:nvSpPr>
-          <p:cNvPr id="5" name="Title 4">
-            <a:extLst>
-              <a:ext uri="{FF2B5EF4-FFF2-40B4-BE49-F238E27FC236}">
-                <a16:creationId xmlns:a16="http://schemas.microsoft.com/office/drawing/2014/main" id="{7F7AA2D0-FBE7-48F9-B0D6-1F9CD8F3F03D}"/>
-              </a:ext>
-            </a:extLst>
-          </p:cNvPr>
-          <p:cNvSpPr>
-            <a:spLocks noGrp="1"/>
-          </p:cNvSpPr>
-          <p:nvPr>
-            <p:ph type="title"/>
-          </p:nvPr>
-        </p:nvSpPr>
-        <p:spPr/>
-        <p:txBody>
-          <a:bodyPr/>
-          <a:lstStyle/>
-          <a:p>
-            <a:r>
-              <a:rPr lang="en-AU" dirty="0"/>
-              <a:t>Why now?</a:t>
-            </a:r>
-          </a:p>
-        </p:txBody>
-      </p:sp>
-      <p:sp>
-        <p:nvSpPr>
-          <p:cNvPr id="6" name="Text Placeholder 5">
-            <a:extLst>
-              <a:ext uri="{FF2B5EF4-FFF2-40B4-BE49-F238E27FC236}">
-                <a16:creationId xmlns:a16="http://schemas.microsoft.com/office/drawing/2014/main" id="{37973B2E-1DA5-42B8-A96A-23CD4F921B70}"/>
-              </a:ext>
-            </a:extLst>
-          </p:cNvPr>
-          <p:cNvSpPr>
-            <a:spLocks noGrp="1"/>
-          </p:cNvSpPr>
-          <p:nvPr>
-            <p:ph type="body" idx="1"/>
-          </p:nvPr>
-        </p:nvSpPr>
-        <p:spPr/>
-        <p:txBody>
-          <a:bodyPr/>
-          <a:lstStyle/>
-          <a:p>
-            <a:endParaRPr lang="en-AU"/>
-          </a:p>
-        </p:txBody>
-      </p:sp>
-    </p:spTree>
-    <p:extLst>
-      <p:ext uri="{BB962C8B-B14F-4D97-AF65-F5344CB8AC3E}">
-        <p14:creationId xmlns:p14="http://schemas.microsoft.com/office/powerpoint/2010/main" val="180669404"/>
-      </p:ext>
-    </p:extLst>
-  </p:cSld>
-  <p:clrMapOvr>
-    <a:masterClrMapping/>
-  </p:clrMapOvr>
-</p:sld>
-</file>
-
 <file path=ppt/slides/slide9.xml><?xml version="1.0" encoding="utf-8"?>
 <p:sld xmlns:a="http://schemas.openxmlformats.org/drawingml/2006/main" xmlns:r="http://schemas.openxmlformats.org/officeDocument/2006/relationships" xmlns:p="http://schemas.openxmlformats.org/presentationml/2006/main">
   <p:cSld>
@@ -9602,40 +9960,63 @@
           <a:chExt cx="0" cy="0"/>
         </a:xfrm>
       </p:grpSpPr>
-      <p:pic>
-        <p:nvPicPr>
-          <p:cNvPr id="6" name="Picture 5">
-            <a:extLst>
-              <a:ext uri="{FF2B5EF4-FFF2-40B4-BE49-F238E27FC236}">
-                <a16:creationId xmlns:a16="http://schemas.microsoft.com/office/drawing/2014/main" id="{C60CC1B5-74AB-4178-96A7-820F60D45824}"/>
-              </a:ext>
-            </a:extLst>
-          </p:cNvPr>
-          <p:cNvPicPr>
-            <a:picLocks noChangeAspect="1"/>
-          </p:cNvPicPr>
-          <p:nvPr/>
-        </p:nvPicPr>
-        <p:blipFill>
-          <a:blip r:embed="rId3"/>
-          <a:stretch>
-            <a:fillRect/>
-          </a:stretch>
-        </p:blipFill>
-        <p:spPr>
-          <a:xfrm>
-            <a:off x="585787" y="1528762"/>
-            <a:ext cx="11020425" cy="3800475"/>
-          </a:xfrm>
-          <a:prstGeom prst="rect">
-            <a:avLst/>
-          </a:prstGeom>
-        </p:spPr>
-      </p:pic>
+      <p:sp>
+        <p:nvSpPr>
+          <p:cNvPr id="5" name="Title 4">
+            <a:extLst>
+              <a:ext uri="{FF2B5EF4-FFF2-40B4-BE49-F238E27FC236}">
+                <a16:creationId xmlns:a16="http://schemas.microsoft.com/office/drawing/2014/main" id="{7F7AA2D0-FBE7-48F9-B0D6-1F9CD8F3F03D}"/>
+              </a:ext>
+            </a:extLst>
+          </p:cNvPr>
+          <p:cNvSpPr>
+            <a:spLocks noGrp="1"/>
+          </p:cNvSpPr>
+          <p:nvPr>
+            <p:ph type="title"/>
+          </p:nvPr>
+        </p:nvSpPr>
+        <p:spPr/>
+        <p:txBody>
+          <a:bodyPr/>
+          <a:lstStyle/>
+          <a:p>
+            <a:r>
+              <a:rPr lang="en-AU" dirty="0"/>
+              <a:t>Why now?</a:t>
+            </a:r>
+          </a:p>
+        </p:txBody>
+      </p:sp>
+      <p:sp>
+        <p:nvSpPr>
+          <p:cNvPr id="6" name="Text Placeholder 5">
+            <a:extLst>
+              <a:ext uri="{FF2B5EF4-FFF2-40B4-BE49-F238E27FC236}">
+                <a16:creationId xmlns:a16="http://schemas.microsoft.com/office/drawing/2014/main" id="{37973B2E-1DA5-42B8-A96A-23CD4F921B70}"/>
+              </a:ext>
+            </a:extLst>
+          </p:cNvPr>
+          <p:cNvSpPr>
+            <a:spLocks noGrp="1"/>
+          </p:cNvSpPr>
+          <p:nvPr>
+            <p:ph type="body" idx="1"/>
+          </p:nvPr>
+        </p:nvSpPr>
+        <p:spPr/>
+        <p:txBody>
+          <a:bodyPr/>
+          <a:lstStyle/>
+          <a:p>
+            <a:endParaRPr lang="en-AU"/>
+          </a:p>
+        </p:txBody>
+      </p:sp>
     </p:spTree>
     <p:extLst>
       <p:ext uri="{BB962C8B-B14F-4D97-AF65-F5344CB8AC3E}">
-        <p14:creationId xmlns:p14="http://schemas.microsoft.com/office/powerpoint/2010/main" val="882670753"/>
+        <p14:creationId xmlns:p14="http://schemas.microsoft.com/office/powerpoint/2010/main" val="180669404"/>
       </p:ext>
     </p:extLst>
   </p:cSld>

--- a/Chatbots!.pptx
+++ b/Chatbots!.pptx
@@ -5,7 +5,7 @@
     <p:sldMasterId id="2147483648" r:id="rId1"/>
   </p:sldMasterIdLst>
   <p:notesMasterIdLst>
-    <p:notesMasterId r:id="rId35"/>
+    <p:notesMasterId r:id="rId34"/>
   </p:notesMasterIdLst>
   <p:sldIdLst>
     <p:sldId id="256" r:id="rId2"/>
@@ -38,9 +38,8 @@
     <p:sldId id="283" r:id="rId29"/>
     <p:sldId id="291" r:id="rId30"/>
     <p:sldId id="295" r:id="rId31"/>
-    <p:sldId id="292" r:id="rId32"/>
-    <p:sldId id="294" r:id="rId33"/>
-    <p:sldId id="289" r:id="rId34"/>
+    <p:sldId id="294" r:id="rId32"/>
+    <p:sldId id="289" r:id="rId33"/>
   </p:sldIdLst>
   <p:sldSz cx="12192000" cy="6858000"/>
   <p:notesSz cx="6858000" cy="9144000"/>
@@ -1017,6 +1016,15 @@
           <a:p>
             <a:r>
               <a:rPr lang="en-AU" dirty="0"/>
+              <a:t>NLP – 80% accuracy is still 20% wrong</a:t>
+            </a:r>
+          </a:p>
+          <a:p>
+            <a:endParaRPr lang="en-AU" dirty="0"/>
+          </a:p>
+          <a:p>
+            <a:r>
+              <a:rPr lang="en-AU" dirty="0"/>
               <a:t>“Rails” are </a:t>
             </a:r>
             <a:r>
@@ -1035,14 +1043,98 @@
             </a:r>
           </a:p>
           <a:p>
+            <a:endParaRPr lang="en-AU" dirty="0"/>
+          </a:p>
+          <a:p>
             <a:r>
               <a:rPr lang="en-AU" dirty="0"/>
-              <a:t>- Value for app is human expertise or value is in an automated task  &lt;- neither of these “require” NLP</a:t>
+              <a:t>Start with slash commands/rigid syntax, </a:t>
             </a:r>
           </a:p>
           <a:p>
             <a:endParaRPr lang="en-AU" dirty="0"/>
           </a:p>
+        </p:txBody>
+      </p:sp>
+      <p:sp>
+        <p:nvSpPr>
+          <p:cNvPr id="4" name="Slide Number Placeholder 3"/>
+          <p:cNvSpPr>
+            <a:spLocks noGrp="1"/>
+          </p:cNvSpPr>
+          <p:nvPr>
+            <p:ph type="sldNum" sz="quarter" idx="10"/>
+          </p:nvPr>
+        </p:nvSpPr>
+        <p:spPr/>
+        <p:txBody>
+          <a:bodyPr/>
+          <a:lstStyle/>
+          <a:p>
+            <a:fld id="{1D2B8478-9C36-4076-AFB2-BC803E1CDF2C}" type="slidenum">
+              <a:rPr lang="en-AU" smtClean="0"/>
+              <a:t>28</a:t>
+            </a:fld>
+            <a:endParaRPr lang="en-AU"/>
+          </a:p>
+        </p:txBody>
+      </p:sp>
+    </p:spTree>
+    <p:extLst>
+      <p:ext uri="{BB962C8B-B14F-4D97-AF65-F5344CB8AC3E}">
+        <p14:creationId xmlns:p14="http://schemas.microsoft.com/office/powerpoint/2010/main" val="2327807438"/>
+      </p:ext>
+    </p:extLst>
+  </p:cSld>
+  <p:clrMapOvr>
+    <a:masterClrMapping/>
+  </p:clrMapOvr>
+</p:notes>
+</file>
+
+<file path=ppt/notesSlides/notesSlide15.xml><?xml version="1.0" encoding="utf-8"?>
+<p:notes xmlns:a="http://schemas.openxmlformats.org/drawingml/2006/main" xmlns:r="http://schemas.openxmlformats.org/officeDocument/2006/relationships" xmlns:p="http://schemas.openxmlformats.org/presentationml/2006/main">
+  <p:cSld>
+    <p:spTree>
+      <p:nvGrpSpPr>
+        <p:cNvPr id="1" name=""/>
+        <p:cNvGrpSpPr/>
+        <p:nvPr/>
+      </p:nvGrpSpPr>
+      <p:grpSpPr>
+        <a:xfrm>
+          <a:off x="0" y="0"/>
+          <a:ext cx="0" cy="0"/>
+          <a:chOff x="0" y="0"/>
+          <a:chExt cx="0" cy="0"/>
+        </a:xfrm>
+      </p:grpSpPr>
+      <p:sp>
+        <p:nvSpPr>
+          <p:cNvPr id="2" name="Slide Image Placeholder 1"/>
+          <p:cNvSpPr>
+            <a:spLocks noGrp="1" noRot="1" noChangeAspect="1"/>
+          </p:cNvSpPr>
+          <p:nvPr>
+            <p:ph type="sldImg"/>
+          </p:nvPr>
+        </p:nvSpPr>
+        <p:spPr/>
+      </p:sp>
+      <p:sp>
+        <p:nvSpPr>
+          <p:cNvPr id="3" name="Notes Placeholder 2"/>
+          <p:cNvSpPr>
+            <a:spLocks noGrp="1"/>
+          </p:cNvSpPr>
+          <p:nvPr>
+            <p:ph type="body" idx="1"/>
+          </p:nvPr>
+        </p:nvSpPr>
+        <p:spPr/>
+        <p:txBody>
+          <a:bodyPr/>
+          <a:lstStyle/>
           <a:p>
             <a:pPr marL="171450" indent="-171450" fontAlgn="base">
               <a:buFont typeface="Arial" panose="020B0604020202020204" pitchFamily="34" charset="0"/>
@@ -1112,24 +1204,6 @@
                 <a:ea typeface="+mn-ea"/>
                 <a:cs typeface="+mn-cs"/>
               </a:rPr>
-              <a:t>Prepare a set of slightly different canned replies to make the conversation more human-like.</a:t>
-            </a:r>
-          </a:p>
-          <a:p>
-            <a:pPr marL="171450" indent="-171450" fontAlgn="base">
-              <a:buFont typeface="Arial" panose="020B0604020202020204" pitchFamily="34" charset="0"/>
-              <a:buChar char="•"/>
-            </a:pPr>
-            <a:r>
-              <a:rPr lang="en-AU" sz="1200" b="0" i="0" kern="1200" dirty="0">
-                <a:solidFill>
-                  <a:schemeClr val="tx1"/>
-                </a:solidFill>
-                <a:effectLst/>
-                <a:latin typeface="+mn-lt"/>
-                <a:ea typeface="+mn-ea"/>
-                <a:cs typeface="+mn-cs"/>
-              </a:rPr>
               <a:t>Add help messages and suggestions for when the user feels lost.</a:t>
             </a:r>
           </a:p>
@@ -1157,6 +1231,9 @@
             </a:br>
             <a:endParaRPr lang="en-AU" dirty="0"/>
           </a:p>
+          <a:p>
+            <a:endParaRPr lang="en-AU" dirty="0"/>
+          </a:p>
         </p:txBody>
       </p:sp>
       <p:sp>
@@ -1176,7 +1253,7 @@
           <a:p>
             <a:fld id="{1D2B8478-9C36-4076-AFB2-BC803E1CDF2C}" type="slidenum">
               <a:rPr lang="en-AU" smtClean="0"/>
-              <a:t>28</a:t>
+              <a:t>31</a:t>
             </a:fld>
             <a:endParaRPr lang="en-AU"/>
           </a:p>
@@ -1185,7 +1262,7 @@
     </p:spTree>
     <p:extLst>
       <p:ext uri="{BB962C8B-B14F-4D97-AF65-F5344CB8AC3E}">
-        <p14:creationId xmlns:p14="http://schemas.microsoft.com/office/powerpoint/2010/main" val="2327807438"/>
+        <p14:creationId xmlns:p14="http://schemas.microsoft.com/office/powerpoint/2010/main" val="2546583372"/>
       </p:ext>
     </p:extLst>
   </p:cSld>
@@ -7988,18 +8065,19 @@
           <a:bodyPr/>
           <a:lstStyle/>
           <a:p>
+            <a:endParaRPr lang="en-AU" dirty="0"/>
+          </a:p>
+          <a:p>
             <a:r>
               <a:rPr lang="en-AU" dirty="0"/>
-              <a:t>“Rails” vs NLP</a:t>
-            </a:r>
-          </a:p>
-          <a:p>
-            <a:endParaRPr lang="en-AU" dirty="0"/>
-          </a:p>
-          <a:p>
+              <a:t>NLP is a nice to have feature</a:t>
+            </a:r>
+          </a:p>
+          <a:p>
+            <a:pPr lvl="1"/>
             <a:r>
               <a:rPr lang="en-AU" dirty="0"/>
-              <a:t>Not everything is NLP “free form” conversation</a:t>
+              <a:t>Make use of “on rails” </a:t>
             </a:r>
           </a:p>
           <a:p>
@@ -8548,83 +8626,6 @@
           <a:chExt cx="0" cy="0"/>
         </a:xfrm>
       </p:grpSpPr>
-      <p:pic>
-        <p:nvPicPr>
-          <p:cNvPr id="4098" name="Picture 2" descr="https://cdn-images-1.medium.com/max/800/1*r8rR34sfjX4zdM0tXOsvaQ.png">
-            <a:extLst>
-              <a:ext uri="{FF2B5EF4-FFF2-40B4-BE49-F238E27FC236}">
-                <a16:creationId xmlns:a16="http://schemas.microsoft.com/office/drawing/2014/main" id="{0FB016E8-1540-4541-A4EA-AA034552EA97}"/>
-              </a:ext>
-            </a:extLst>
-          </p:cNvPr>
-          <p:cNvPicPr>
-            <a:picLocks noChangeAspect="1" noChangeArrowheads="1"/>
-          </p:cNvPicPr>
-          <p:nvPr/>
-        </p:nvPicPr>
-        <p:blipFill>
-          <a:blip r:embed="rId2">
-            <a:extLst>
-              <a:ext uri="{28A0092B-C50C-407E-A947-70E740481C1C}">
-                <a14:useLocalDpi xmlns:a14="http://schemas.microsoft.com/office/drawing/2010/main" val="0"/>
-              </a:ext>
-            </a:extLst>
-          </a:blip>
-          <a:srcRect/>
-          <a:stretch>
-            <a:fillRect/>
-          </a:stretch>
-        </p:blipFill>
-        <p:spPr bwMode="auto">
-          <a:xfrm>
-            <a:off x="2468880" y="305435"/>
-            <a:ext cx="6106160" cy="5707178"/>
-          </a:xfrm>
-          <a:prstGeom prst="rect">
-            <a:avLst/>
-          </a:prstGeom>
-          <a:noFill/>
-          <a:extLst>
-            <a:ext uri="{909E8E84-426E-40DD-AFC4-6F175D3DCCD1}">
-              <a14:hiddenFill xmlns:a14="http://schemas.microsoft.com/office/drawing/2010/main">
-                <a:solidFill>
-                  <a:srgbClr val="FFFFFF"/>
-                </a:solidFill>
-              </a14:hiddenFill>
-            </a:ext>
-          </a:extLst>
-        </p:spPr>
-      </p:pic>
-    </p:spTree>
-    <p:extLst>
-      <p:ext uri="{BB962C8B-B14F-4D97-AF65-F5344CB8AC3E}">
-        <p14:creationId xmlns:p14="http://schemas.microsoft.com/office/powerpoint/2010/main" val="1422638704"/>
-      </p:ext>
-    </p:extLst>
-  </p:cSld>
-  <p:clrMapOvr>
-    <a:masterClrMapping/>
-  </p:clrMapOvr>
-</p:sld>
-</file>
-
-<file path=ppt/slides/slide32.xml><?xml version="1.0" encoding="utf-8"?>
-<p:sld xmlns:a="http://schemas.openxmlformats.org/drawingml/2006/main" xmlns:r="http://schemas.openxmlformats.org/officeDocument/2006/relationships" xmlns:p="http://schemas.openxmlformats.org/presentationml/2006/main">
-  <p:cSld>
-    <p:spTree>
-      <p:nvGrpSpPr>
-        <p:cNvPr id="1" name=""/>
-        <p:cNvGrpSpPr/>
-        <p:nvPr/>
-      </p:nvGrpSpPr>
-      <p:grpSpPr>
-        <a:xfrm>
-          <a:off x="0" y="0"/>
-          <a:ext cx="0" cy="0"/>
-          <a:chOff x="0" y="0"/>
-          <a:chExt cx="0" cy="0"/>
-        </a:xfrm>
-      </p:grpSpPr>
       <p:sp>
         <p:nvSpPr>
           <p:cNvPr id="2" name="Title 1">
@@ -8727,7 +8728,7 @@
 </p:sld>
 </file>
 
-<file path=ppt/slides/slide33.xml><?xml version="1.0" encoding="utf-8"?>
+<file path=ppt/slides/slide32.xml><?xml version="1.0" encoding="utf-8"?>
 <p:sld xmlns:a="http://schemas.openxmlformats.org/drawingml/2006/main" xmlns:r="http://schemas.openxmlformats.org/officeDocument/2006/relationships" xmlns:p="http://schemas.openxmlformats.org/presentationml/2006/main">
   <p:cSld>
     <p:spTree>

--- a/Chatbots!.pptx
+++ b/Chatbots!.pptx
@@ -6209,53 +6209,6 @@
           <a:chExt cx="0" cy="0"/>
         </a:xfrm>
       </p:grpSpPr>
-      <p:pic>
-        <p:nvPicPr>
-          <p:cNvPr id="4098" name="Picture 2" descr="https://cdn-images-1.medium.com/max/1600/0*mczniLT2OEmmVOqF.jpeg">
-            <a:extLst>
-              <a:ext uri="{FF2B5EF4-FFF2-40B4-BE49-F238E27FC236}">
-                <a16:creationId xmlns:a16="http://schemas.microsoft.com/office/drawing/2014/main" id="{2545E13C-A589-4B12-A486-3EC2D906A040}"/>
-              </a:ext>
-            </a:extLst>
-          </p:cNvPr>
-          <p:cNvPicPr>
-            <a:picLocks noChangeAspect="1" noChangeArrowheads="1"/>
-          </p:cNvPicPr>
-          <p:nvPr/>
-        </p:nvPicPr>
-        <p:blipFill>
-          <a:blip r:embed="rId3">
-            <a:extLst>
-              <a:ext uri="{28A0092B-C50C-407E-A947-70E740481C1C}">
-                <a14:useLocalDpi xmlns:a14="http://schemas.microsoft.com/office/drawing/2010/main" val="0"/>
-              </a:ext>
-            </a:extLst>
-          </a:blip>
-          <a:srcRect/>
-          <a:stretch>
-            <a:fillRect/>
-          </a:stretch>
-        </p:blipFill>
-        <p:spPr bwMode="auto">
-          <a:xfrm>
-            <a:off x="1369059" y="679450"/>
-            <a:ext cx="9654437" cy="5030470"/>
-          </a:xfrm>
-          <a:prstGeom prst="rect">
-            <a:avLst/>
-          </a:prstGeom>
-          <a:noFill/>
-          <a:extLst>
-            <a:ext uri="{909E8E84-426E-40DD-AFC4-6F175D3DCCD1}">
-              <a14:hiddenFill xmlns:a14="http://schemas.microsoft.com/office/drawing/2010/main">
-                <a:solidFill>
-                  <a:srgbClr val="FFFFFF"/>
-                </a:solidFill>
-              </a14:hiddenFill>
-            </a:ext>
-          </a:extLst>
-        </p:spPr>
-      </p:pic>
     </p:spTree>
     <p:extLst>
       <p:ext uri="{BB962C8B-B14F-4D97-AF65-F5344CB8AC3E}">
